--- a/aws_sra_examples/solutions/inspector/inspector_org/documentation/inspector-org.pptx
+++ b/aws_sra_examples/solutions/inspector/inspector_org/documentation/inspector-org.pptx
@@ -5,10 +5,11 @@
     <p:sldMasterId id="2147483648" r:id="rId1"/>
   </p:sldMasterIdLst>
   <p:notesMasterIdLst>
-    <p:notesMasterId r:id="rId3"/>
+    <p:notesMasterId r:id="rId4"/>
   </p:notesMasterIdLst>
   <p:sldIdLst>
     <p:sldId id="256" r:id="rId2"/>
+    <p:sldId id="257" r:id="rId3"/>
   </p:sldIdLst>
   <p:sldSz cx="12192000" cy="6858000"/>
   <p:notesSz cx="6858000" cy="9144000"/>
@@ -108,6 +109,20 @@
     </a:lvl9pPr>
   </p:defaultTextStyle>
   <p:extLst>
+    <p:ext uri="{521415D9-36F7-43E2-AB2F-B90AF26B5E84}">
+      <p14:sectionLst xmlns:p14="http://schemas.microsoft.com/office/powerpoint/2010/main">
+        <p14:section name="AWS SRA Inspector - CloudFormation" id="{9E093F61-49E6-4088-9F0E-686401BAFC7D}">
+          <p14:sldIdLst>
+            <p14:sldId id="256"/>
+          </p14:sldIdLst>
+        </p14:section>
+        <p14:section name="AWS SRA Inspector - Terraform" id="{80BEF877-2BD6-42C0-AC4D-214B40AC3A3A}">
+          <p14:sldIdLst>
+            <p14:sldId id="257"/>
+          </p14:sldIdLst>
+        </p14:section>
+      </p14:sectionLst>
+    </p:ext>
     <p:ext uri="{EFAFB233-063F-42B5-8137-9DF3F51BA10A}">
       <p15:sldGuideLst xmlns:p15="http://schemas.microsoft.com/office/powerpoint/2012/main"/>
     </p:ext>
@@ -197,7 +212,7 @@
           <a:p>
             <a:fld id="{FD8D84E3-00BA-4A46-8256-7E527D8B4480}" type="datetimeFigureOut">
               <a:rPr lang="en-US" smtClean="0"/>
-              <a:t>1/19/2023</a:t>
+              <a:t>2/5/2024</a:t>
             </a:fld>
             <a:endParaRPr lang="en-US"/>
           </a:p>
@@ -548,6 +563,90 @@
 </p:notes>
 </file>
 
+<file path=ppt/notesSlides/notesSlide2.xml><?xml version="1.0" encoding="utf-8"?>
+<p:notes xmlns:a="http://schemas.openxmlformats.org/drawingml/2006/main" xmlns:r="http://schemas.openxmlformats.org/officeDocument/2006/relationships" xmlns:p="http://schemas.openxmlformats.org/presentationml/2006/main">
+  <p:cSld>
+    <p:spTree>
+      <p:nvGrpSpPr>
+        <p:cNvPr id="1" name=""/>
+        <p:cNvGrpSpPr/>
+        <p:nvPr/>
+      </p:nvGrpSpPr>
+      <p:grpSpPr>
+        <a:xfrm>
+          <a:off x="0" y="0"/>
+          <a:ext cx="0" cy="0"/>
+          <a:chOff x="0" y="0"/>
+          <a:chExt cx="0" cy="0"/>
+        </a:xfrm>
+      </p:grpSpPr>
+      <p:sp>
+        <p:nvSpPr>
+          <p:cNvPr id="2" name="Slide Image Placeholder 1"/>
+          <p:cNvSpPr>
+            <a:spLocks noGrp="1" noRot="1" noChangeAspect="1"/>
+          </p:cNvSpPr>
+          <p:nvPr>
+            <p:ph type="sldImg"/>
+          </p:nvPr>
+        </p:nvSpPr>
+        <p:spPr/>
+      </p:sp>
+      <p:sp>
+        <p:nvSpPr>
+          <p:cNvPr id="3" name="Notes Placeholder 2"/>
+          <p:cNvSpPr>
+            <a:spLocks noGrp="1"/>
+          </p:cNvSpPr>
+          <p:nvPr>
+            <p:ph type="body" idx="1"/>
+          </p:nvPr>
+        </p:nvSpPr>
+        <p:spPr/>
+        <p:txBody>
+          <a:bodyPr/>
+          <a:lstStyle/>
+          <a:p>
+            <a:endParaRPr lang="en-US" dirty="0"/>
+          </a:p>
+        </p:txBody>
+      </p:sp>
+      <p:sp>
+        <p:nvSpPr>
+          <p:cNvPr id="4" name="Slide Number Placeholder 3"/>
+          <p:cNvSpPr>
+            <a:spLocks noGrp="1"/>
+          </p:cNvSpPr>
+          <p:nvPr>
+            <p:ph type="sldNum" sz="quarter" idx="5"/>
+          </p:nvPr>
+        </p:nvSpPr>
+        <p:spPr/>
+        <p:txBody>
+          <a:bodyPr/>
+          <a:lstStyle/>
+          <a:p>
+            <a:fld id="{9E1330C4-BBBB-FC4A-85DD-6AFA452BF0C0}" type="slidenum">
+              <a:rPr lang="en-US" smtClean="0"/>
+              <a:t>2</a:t>
+            </a:fld>
+            <a:endParaRPr lang="en-US"/>
+          </a:p>
+        </p:txBody>
+      </p:sp>
+    </p:spTree>
+    <p:extLst>
+      <p:ext uri="{BB962C8B-B14F-4D97-AF65-F5344CB8AC3E}">
+        <p14:creationId xmlns:p14="http://schemas.microsoft.com/office/powerpoint/2010/main" val="27507652"/>
+      </p:ext>
+    </p:extLst>
+  </p:cSld>
+  <p:clrMapOvr>
+    <a:masterClrMapping/>
+  </p:clrMapOvr>
+</p:notes>
+</file>
+
 <file path=ppt/slideLayouts/slideLayout1.xml><?xml version="1.0" encoding="utf-8"?>
 <p:sldLayout xmlns:a="http://schemas.openxmlformats.org/drawingml/2006/main" xmlns:r="http://schemas.openxmlformats.org/officeDocument/2006/relationships" xmlns:p="http://schemas.openxmlformats.org/presentationml/2006/main" type="title" preserve="1">
   <p:cSld name="Title Slide">
@@ -695,7 +794,7 @@
           <a:p>
             <a:fld id="{9FE185F7-9B28-9F45-9F43-9CB5A0B99390}" type="datetimeFigureOut">
               <a:rPr lang="en-US" smtClean="0"/>
-              <a:t>1/19/2023</a:t>
+              <a:t>2/5/2024</a:t>
             </a:fld>
             <a:endParaRPr lang="en-US"/>
           </a:p>
@@ -893,7 +992,7 @@
           <a:p>
             <a:fld id="{9FE185F7-9B28-9F45-9F43-9CB5A0B99390}" type="datetimeFigureOut">
               <a:rPr lang="en-US" smtClean="0"/>
-              <a:t>1/19/2023</a:t>
+              <a:t>2/5/2024</a:t>
             </a:fld>
             <a:endParaRPr lang="en-US"/>
           </a:p>
@@ -1101,7 +1200,7 @@
           <a:p>
             <a:fld id="{9FE185F7-9B28-9F45-9F43-9CB5A0B99390}" type="datetimeFigureOut">
               <a:rPr lang="en-US" smtClean="0"/>
-              <a:t>1/19/2023</a:t>
+              <a:t>2/5/2024</a:t>
             </a:fld>
             <a:endParaRPr lang="en-US"/>
           </a:p>
@@ -1299,7 +1398,7 @@
           <a:p>
             <a:fld id="{9FE185F7-9B28-9F45-9F43-9CB5A0B99390}" type="datetimeFigureOut">
               <a:rPr lang="en-US" smtClean="0"/>
-              <a:t>1/19/2023</a:t>
+              <a:t>2/5/2024</a:t>
             </a:fld>
             <a:endParaRPr lang="en-US"/>
           </a:p>
@@ -1574,7 +1673,7 @@
           <a:p>
             <a:fld id="{9FE185F7-9B28-9F45-9F43-9CB5A0B99390}" type="datetimeFigureOut">
               <a:rPr lang="en-US" smtClean="0"/>
-              <a:t>1/19/2023</a:t>
+              <a:t>2/5/2024</a:t>
             </a:fld>
             <a:endParaRPr lang="en-US"/>
           </a:p>
@@ -1839,7 +1938,7 @@
           <a:p>
             <a:fld id="{9FE185F7-9B28-9F45-9F43-9CB5A0B99390}" type="datetimeFigureOut">
               <a:rPr lang="en-US" smtClean="0"/>
-              <a:t>1/19/2023</a:t>
+              <a:t>2/5/2024</a:t>
             </a:fld>
             <a:endParaRPr lang="en-US"/>
           </a:p>
@@ -2251,7 +2350,7 @@
           <a:p>
             <a:fld id="{9FE185F7-9B28-9F45-9F43-9CB5A0B99390}" type="datetimeFigureOut">
               <a:rPr lang="en-US" smtClean="0"/>
-              <a:t>1/19/2023</a:t>
+              <a:t>2/5/2024</a:t>
             </a:fld>
             <a:endParaRPr lang="en-US"/>
           </a:p>
@@ -2392,7 +2491,7 @@
           <a:p>
             <a:fld id="{9FE185F7-9B28-9F45-9F43-9CB5A0B99390}" type="datetimeFigureOut">
               <a:rPr lang="en-US" smtClean="0"/>
-              <a:t>1/19/2023</a:t>
+              <a:t>2/5/2024</a:t>
             </a:fld>
             <a:endParaRPr lang="en-US"/>
           </a:p>
@@ -2505,7 +2604,7 @@
           <a:p>
             <a:fld id="{9FE185F7-9B28-9F45-9F43-9CB5A0B99390}" type="datetimeFigureOut">
               <a:rPr lang="en-US" smtClean="0"/>
-              <a:t>1/19/2023</a:t>
+              <a:t>2/5/2024</a:t>
             </a:fld>
             <a:endParaRPr lang="en-US"/>
           </a:p>
@@ -2816,7 +2915,7 @@
           <a:p>
             <a:fld id="{9FE185F7-9B28-9F45-9F43-9CB5A0B99390}" type="datetimeFigureOut">
               <a:rPr lang="en-US" smtClean="0"/>
-              <a:t>1/19/2023</a:t>
+              <a:t>2/5/2024</a:t>
             </a:fld>
             <a:endParaRPr lang="en-US"/>
           </a:p>
@@ -3104,7 +3203,7 @@
           <a:p>
             <a:fld id="{9FE185F7-9B28-9F45-9F43-9CB5A0B99390}" type="datetimeFigureOut">
               <a:rPr lang="en-US" smtClean="0"/>
-              <a:t>1/19/2023</a:t>
+              <a:t>2/5/2024</a:t>
             </a:fld>
             <a:endParaRPr lang="en-US"/>
           </a:p>
@@ -3345,7 +3444,7 @@
           <a:p>
             <a:fld id="{9FE185F7-9B28-9F45-9F43-9CB5A0B99390}" type="datetimeFigureOut">
               <a:rPr lang="en-US" smtClean="0"/>
-              <a:t>1/19/2023</a:t>
+              <a:t>2/5/2024</a:t>
             </a:fld>
             <a:endParaRPr lang="en-US"/>
           </a:p>
@@ -9222,6 +9321,5087 @@
     <p:extLst>
       <p:ext uri="{BB962C8B-B14F-4D97-AF65-F5344CB8AC3E}">
         <p14:creationId xmlns:p14="http://schemas.microsoft.com/office/powerpoint/2010/main" val="2296993975"/>
+      </p:ext>
+    </p:extLst>
+  </p:cSld>
+  <p:clrMapOvr>
+    <a:masterClrMapping/>
+  </p:clrMapOvr>
+</p:sld>
+</file>
+
+<file path=ppt/slides/slide2.xml><?xml version="1.0" encoding="utf-8"?>
+<p:sld xmlns:a="http://schemas.openxmlformats.org/drawingml/2006/main" xmlns:r="http://schemas.openxmlformats.org/officeDocument/2006/relationships" xmlns:p="http://schemas.openxmlformats.org/presentationml/2006/main">
+  <p:cSld>
+    <p:spTree>
+      <p:nvGrpSpPr>
+        <p:cNvPr id="1" name=""/>
+        <p:cNvGrpSpPr/>
+        <p:nvPr/>
+      </p:nvGrpSpPr>
+      <p:grpSpPr>
+        <a:xfrm>
+          <a:off x="0" y="0"/>
+          <a:ext cx="0" cy="0"/>
+          <a:chOff x="0" y="0"/>
+          <a:chExt cx="0" cy="0"/>
+        </a:xfrm>
+      </p:grpSpPr>
+      <p:sp>
+        <p:nvSpPr>
+          <p:cNvPr id="158" name="Rectangle 157">
+            <a:extLst>
+              <a:ext uri="{FF2B5EF4-FFF2-40B4-BE49-F238E27FC236}">
+                <a16:creationId xmlns:a16="http://schemas.microsoft.com/office/drawing/2014/main" id="{39940720-0CF8-DE48-BF8F-A16B7DD2A14B}"/>
+              </a:ext>
+            </a:extLst>
+          </p:cNvPr>
+          <p:cNvSpPr/>
+          <p:nvPr/>
+        </p:nvSpPr>
+        <p:spPr>
+          <a:xfrm>
+            <a:off x="840075" y="245354"/>
+            <a:ext cx="10659212" cy="6217024"/>
+          </a:xfrm>
+          <a:prstGeom prst="rect">
+            <a:avLst/>
+          </a:prstGeom>
+          <a:solidFill>
+            <a:schemeClr val="bg1"/>
+          </a:solidFill>
+          <a:ln w="12700">
+            <a:solidFill>
+              <a:schemeClr val="tx1"/>
+            </a:solidFill>
+          </a:ln>
+        </p:spPr>
+        <p:style>
+          <a:lnRef idx="2">
+            <a:schemeClr val="accent1">
+              <a:shade val="50000"/>
+            </a:schemeClr>
+          </a:lnRef>
+          <a:fillRef idx="1">
+            <a:schemeClr val="accent1"/>
+          </a:fillRef>
+          <a:effectRef idx="0">
+            <a:schemeClr val="accent1"/>
+          </a:effectRef>
+          <a:fontRef idx="minor">
+            <a:schemeClr val="lt1"/>
+          </a:fontRef>
+        </p:style>
+        <p:txBody>
+          <a:bodyPr rot="0" spcFirstLastPara="0" vert="horz" wrap="square" lIns="457200" tIns="91440" rIns="91440" bIns="45720" numCol="1" spcCol="0" rtlCol="0" fromWordArt="0" anchor="t" anchorCtr="0" forceAA="0" compatLnSpc="1">
+            <a:prstTxWarp prst="textNoShape">
+              <a:avLst/>
+            </a:prstTxWarp>
+            <a:noAutofit/>
+          </a:bodyPr>
+          <a:lstStyle>
+            <a:lvl1pPr>
+              <a:defRPr>
+                <a:solidFill>
+                  <a:schemeClr val="lt1"/>
+                </a:solidFill>
+                <a:latin typeface="+mn-lt"/>
+                <a:ea typeface="+mn-ea"/>
+                <a:cs typeface="+mn-cs"/>
+              </a:defRPr>
+            </a:lvl1pPr>
+            <a:lvl2pPr>
+              <a:defRPr>
+                <a:solidFill>
+                  <a:schemeClr val="lt1"/>
+                </a:solidFill>
+                <a:latin typeface="+mn-lt"/>
+                <a:ea typeface="+mn-ea"/>
+                <a:cs typeface="+mn-cs"/>
+              </a:defRPr>
+            </a:lvl2pPr>
+            <a:lvl3pPr>
+              <a:defRPr>
+                <a:solidFill>
+                  <a:schemeClr val="lt1"/>
+                </a:solidFill>
+                <a:latin typeface="+mn-lt"/>
+                <a:ea typeface="+mn-ea"/>
+                <a:cs typeface="+mn-cs"/>
+              </a:defRPr>
+            </a:lvl3pPr>
+            <a:lvl4pPr>
+              <a:defRPr>
+                <a:solidFill>
+                  <a:schemeClr val="lt1"/>
+                </a:solidFill>
+                <a:latin typeface="+mn-lt"/>
+                <a:ea typeface="+mn-ea"/>
+                <a:cs typeface="+mn-cs"/>
+              </a:defRPr>
+            </a:lvl4pPr>
+            <a:lvl5pPr>
+              <a:defRPr>
+                <a:solidFill>
+                  <a:schemeClr val="lt1"/>
+                </a:solidFill>
+                <a:latin typeface="+mn-lt"/>
+                <a:ea typeface="+mn-ea"/>
+                <a:cs typeface="+mn-cs"/>
+              </a:defRPr>
+            </a:lvl5pPr>
+            <a:lvl6pPr>
+              <a:defRPr>
+                <a:solidFill>
+                  <a:schemeClr val="lt1"/>
+                </a:solidFill>
+                <a:latin typeface="+mn-lt"/>
+                <a:ea typeface="+mn-ea"/>
+                <a:cs typeface="+mn-cs"/>
+              </a:defRPr>
+            </a:lvl6pPr>
+            <a:lvl7pPr>
+              <a:defRPr>
+                <a:solidFill>
+                  <a:schemeClr val="lt1"/>
+                </a:solidFill>
+                <a:latin typeface="+mn-lt"/>
+                <a:ea typeface="+mn-ea"/>
+                <a:cs typeface="+mn-cs"/>
+              </a:defRPr>
+            </a:lvl7pPr>
+            <a:lvl8pPr>
+              <a:defRPr>
+                <a:solidFill>
+                  <a:schemeClr val="lt1"/>
+                </a:solidFill>
+                <a:latin typeface="+mn-lt"/>
+                <a:ea typeface="+mn-ea"/>
+                <a:cs typeface="+mn-cs"/>
+              </a:defRPr>
+            </a:lvl8pPr>
+            <a:lvl9pPr>
+              <a:defRPr>
+                <a:solidFill>
+                  <a:schemeClr val="lt1"/>
+                </a:solidFill>
+                <a:latin typeface="+mn-lt"/>
+                <a:ea typeface="+mn-ea"/>
+                <a:cs typeface="+mn-cs"/>
+              </a:defRPr>
+            </a:lvl9pPr>
+          </a:lstStyle>
+          <a:p>
+            <a:pPr algn="l"/>
+            <a:r>
+              <a:rPr lang="en-US" sz="1400" dirty="0">
+                <a:solidFill>
+                  <a:sysClr val="windowText" lastClr="000000"/>
+                </a:solidFill>
+                <a:latin typeface="Arial" panose="020B0604020202020204" pitchFamily="34" charset="0"/>
+                <a:cs typeface="Arial" panose="020B0604020202020204" pitchFamily="34" charset="0"/>
+              </a:rPr>
+              <a:t>AWS Cloud</a:t>
+            </a:r>
+          </a:p>
+        </p:txBody>
+      </p:sp>
+      <p:pic>
+        <p:nvPicPr>
+          <p:cNvPr id="126" name="Graphic 2">
+            <a:extLst>
+              <a:ext uri="{FF2B5EF4-FFF2-40B4-BE49-F238E27FC236}">
+                <a16:creationId xmlns:a16="http://schemas.microsoft.com/office/drawing/2014/main" id="{F04267D0-7955-2C4A-842B-D8A3A9599CC0}"/>
+              </a:ext>
+            </a:extLst>
+          </p:cNvPr>
+          <p:cNvPicPr>
+            <a:picLocks noChangeAspect="1"/>
+          </p:cNvPicPr>
+          <p:nvPr/>
+        </p:nvPicPr>
+        <p:blipFill>
+          <a:blip r:embed="rId3">
+            <a:extLst>
+              <a:ext uri="{96DAC541-7B7A-43D3-8B79-37D633B846F1}">
+                <asvg:svgBlip xmlns:asvg="http://schemas.microsoft.com/office/drawing/2016/SVG/main" r:embed="rId4"/>
+              </a:ext>
+            </a:extLst>
+          </a:blip>
+          <a:stretch>
+            <a:fillRect/>
+          </a:stretch>
+        </p:blipFill>
+        <p:spPr>
+          <a:xfrm>
+            <a:off x="840075" y="242764"/>
+            <a:ext cx="330200" cy="330200"/>
+          </a:xfrm>
+          <a:prstGeom prst="rect">
+            <a:avLst/>
+          </a:prstGeom>
+        </p:spPr>
+      </p:pic>
+      <p:sp>
+        <p:nvSpPr>
+          <p:cNvPr id="129" name="Rectangle 128">
+            <a:extLst>
+              <a:ext uri="{FF2B5EF4-FFF2-40B4-BE49-F238E27FC236}">
+                <a16:creationId xmlns:a16="http://schemas.microsoft.com/office/drawing/2014/main" id="{FB73AA4D-BE37-B546-8168-72555838077A}"/>
+              </a:ext>
+            </a:extLst>
+          </p:cNvPr>
+          <p:cNvSpPr/>
+          <p:nvPr/>
+        </p:nvSpPr>
+        <p:spPr>
+          <a:xfrm>
+            <a:off x="976097" y="882500"/>
+            <a:ext cx="6813952" cy="4915972"/>
+          </a:xfrm>
+          <a:prstGeom prst="rect">
+            <a:avLst/>
+          </a:prstGeom>
+          <a:noFill/>
+          <a:ln w="12700">
+            <a:solidFill>
+              <a:schemeClr val="tx1"/>
+            </a:solidFill>
+            <a:prstDash val="solid"/>
+          </a:ln>
+        </p:spPr>
+        <p:style>
+          <a:lnRef idx="2">
+            <a:schemeClr val="accent1">
+              <a:shade val="50000"/>
+            </a:schemeClr>
+          </a:lnRef>
+          <a:fillRef idx="1">
+            <a:schemeClr val="accent1"/>
+          </a:fillRef>
+          <a:effectRef idx="0">
+            <a:schemeClr val="accent1"/>
+          </a:effectRef>
+          <a:fontRef idx="minor">
+            <a:schemeClr val="lt1"/>
+          </a:fontRef>
+        </p:style>
+        <p:txBody>
+          <a:bodyPr rot="0" spcFirstLastPara="0" vertOverflow="overflow" horzOverflow="overflow" vert="horz" wrap="square" lIns="91440" tIns="91440" rIns="91440" bIns="45720" numCol="1" spcCol="0" rtlCol="0" fromWordArt="0" anchor="t" anchorCtr="0" forceAA="0" compatLnSpc="1">
+            <a:prstTxWarp prst="textNoShape">
+              <a:avLst/>
+            </a:prstTxWarp>
+            <a:noAutofit/>
+          </a:bodyPr>
+          <a:lstStyle/>
+          <a:p>
+            <a:pPr algn="ctr"/>
+            <a:r>
+              <a:rPr lang="en-US" sz="1400" dirty="0">
+                <a:solidFill>
+                  <a:schemeClr val="tx1"/>
+                </a:solidFill>
+                <a:latin typeface="Arial" panose="020B0604020202020204" pitchFamily="34" charset="0"/>
+                <a:cs typeface="Arial" panose="020B0604020202020204" pitchFamily="34" charset="0"/>
+              </a:rPr>
+              <a:t>Organization Management Account</a:t>
+            </a:r>
+          </a:p>
+        </p:txBody>
+      </p:sp>
+      <p:sp>
+        <p:nvSpPr>
+          <p:cNvPr id="128" name="Rectangle 127">
+            <a:extLst>
+              <a:ext uri="{FF2B5EF4-FFF2-40B4-BE49-F238E27FC236}">
+                <a16:creationId xmlns:a16="http://schemas.microsoft.com/office/drawing/2014/main" id="{747041A4-100F-0D48-87F9-E63DDDFD96C6}"/>
+              </a:ext>
+            </a:extLst>
+          </p:cNvPr>
+          <p:cNvSpPr/>
+          <p:nvPr/>
+        </p:nvSpPr>
+        <p:spPr>
+          <a:xfrm>
+            <a:off x="7889985" y="373781"/>
+            <a:ext cx="3461940" cy="3115711"/>
+          </a:xfrm>
+          <a:prstGeom prst="rect">
+            <a:avLst/>
+          </a:prstGeom>
+          <a:noFill/>
+          <a:ln w="12700">
+            <a:solidFill>
+              <a:schemeClr val="tx1"/>
+            </a:solidFill>
+            <a:prstDash val="solid"/>
+          </a:ln>
+        </p:spPr>
+        <p:style>
+          <a:lnRef idx="2">
+            <a:schemeClr val="accent1">
+              <a:shade val="50000"/>
+            </a:schemeClr>
+          </a:lnRef>
+          <a:fillRef idx="1">
+            <a:schemeClr val="accent1"/>
+          </a:fillRef>
+          <a:effectRef idx="0">
+            <a:schemeClr val="accent1"/>
+          </a:effectRef>
+          <a:fontRef idx="minor">
+            <a:schemeClr val="lt1"/>
+          </a:fontRef>
+        </p:style>
+        <p:txBody>
+          <a:bodyPr rot="0" spcFirstLastPara="0" vertOverflow="overflow" horzOverflow="overflow" vert="horz" wrap="square" lIns="91440" tIns="91440" rIns="91440" bIns="45720" numCol="1" spcCol="0" rtlCol="0" fromWordArt="0" anchor="t" anchorCtr="0" forceAA="0" compatLnSpc="1">
+            <a:prstTxWarp prst="textNoShape">
+              <a:avLst/>
+            </a:prstTxWarp>
+            <a:noAutofit/>
+          </a:bodyPr>
+          <a:lstStyle/>
+          <a:p>
+            <a:pPr algn="ctr"/>
+            <a:r>
+              <a:rPr lang="en-US" sz="1400" dirty="0">
+                <a:solidFill>
+                  <a:schemeClr val="tx1"/>
+                </a:solidFill>
+                <a:latin typeface="Arial" panose="020B0604020202020204" pitchFamily="34" charset="0"/>
+                <a:cs typeface="Arial" panose="020B0604020202020204" pitchFamily="34" charset="0"/>
+              </a:rPr>
+              <a:t>Audit Account</a:t>
+            </a:r>
+          </a:p>
+          <a:p>
+            <a:pPr algn="ctr"/>
+            <a:r>
+              <a:rPr lang="en-US" sz="1200" dirty="0">
+                <a:solidFill>
+                  <a:schemeClr val="tx1"/>
+                </a:solidFill>
+                <a:latin typeface="Arial" panose="020B0604020202020204" pitchFamily="34" charset="0"/>
+                <a:cs typeface="Arial" panose="020B0604020202020204" pitchFamily="34" charset="0"/>
+              </a:rPr>
+              <a:t>OU: Security</a:t>
+            </a:r>
+          </a:p>
+        </p:txBody>
+      </p:sp>
+      <p:sp>
+        <p:nvSpPr>
+          <p:cNvPr id="153" name="Rectangle 152">
+            <a:extLst>
+              <a:ext uri="{FF2B5EF4-FFF2-40B4-BE49-F238E27FC236}">
+                <a16:creationId xmlns:a16="http://schemas.microsoft.com/office/drawing/2014/main" id="{CB91CC3D-9B41-4F4E-A36E-8EBAE5690590}"/>
+              </a:ext>
+            </a:extLst>
+          </p:cNvPr>
+          <p:cNvSpPr/>
+          <p:nvPr/>
+        </p:nvSpPr>
+        <p:spPr>
+          <a:xfrm>
+            <a:off x="1125977" y="1278233"/>
+            <a:ext cx="6494832" cy="3263355"/>
+          </a:xfrm>
+          <a:prstGeom prst="rect">
+            <a:avLst/>
+          </a:prstGeom>
+          <a:noFill/>
+          <a:ln w="12700">
+            <a:solidFill>
+              <a:schemeClr val="tx1"/>
+            </a:solidFill>
+            <a:prstDash val="dash"/>
+          </a:ln>
+        </p:spPr>
+        <p:style>
+          <a:lnRef idx="2">
+            <a:schemeClr val="accent1">
+              <a:shade val="50000"/>
+            </a:schemeClr>
+          </a:lnRef>
+          <a:fillRef idx="1">
+            <a:schemeClr val="accent1"/>
+          </a:fillRef>
+          <a:effectRef idx="0">
+            <a:schemeClr val="accent1"/>
+          </a:effectRef>
+          <a:fontRef idx="minor">
+            <a:schemeClr val="lt1"/>
+          </a:fontRef>
+        </p:style>
+        <p:txBody>
+          <a:bodyPr rot="0" spcFirstLastPara="0" vertOverflow="overflow" horzOverflow="overflow" vert="horz" wrap="square" lIns="91440" tIns="0" rIns="91440" bIns="45720" numCol="1" spcCol="0" rtlCol="0" fromWordArt="0" anchor="t" anchorCtr="0" forceAA="0" compatLnSpc="1">
+            <a:prstTxWarp prst="textNoShape">
+              <a:avLst/>
+            </a:prstTxWarp>
+            <a:noAutofit/>
+          </a:bodyPr>
+          <a:lstStyle/>
+          <a:p>
+            <a:r>
+              <a:rPr lang="en-US" sz="1200" b="1" dirty="0">
+                <a:solidFill>
+                  <a:schemeClr val="tx1"/>
+                </a:solidFill>
+              </a:rPr>
+              <a:t>Home-region</a:t>
+            </a:r>
+          </a:p>
+        </p:txBody>
+      </p:sp>
+      <p:sp>
+        <p:nvSpPr>
+          <p:cNvPr id="226" name="Oval 225">
+            <a:extLst>
+              <a:ext uri="{FF2B5EF4-FFF2-40B4-BE49-F238E27FC236}">
+                <a16:creationId xmlns:a16="http://schemas.microsoft.com/office/drawing/2014/main" id="{B075B0CF-8F6A-3947-BD02-50EB6DA85CEE}"/>
+              </a:ext>
+            </a:extLst>
+          </p:cNvPr>
+          <p:cNvSpPr/>
+          <p:nvPr/>
+        </p:nvSpPr>
+        <p:spPr>
+          <a:xfrm>
+            <a:off x="996927" y="899058"/>
+            <a:ext cx="253435" cy="212902"/>
+          </a:xfrm>
+          <a:prstGeom prst="ellipse">
+            <a:avLst/>
+          </a:prstGeom>
+          <a:solidFill>
+            <a:schemeClr val="tx1"/>
+          </a:solidFill>
+          <a:ln>
+            <a:solidFill>
+              <a:schemeClr val="tx1"/>
+            </a:solidFill>
+          </a:ln>
+        </p:spPr>
+        <p:style>
+          <a:lnRef idx="2">
+            <a:schemeClr val="accent1">
+              <a:shade val="50000"/>
+            </a:schemeClr>
+          </a:lnRef>
+          <a:fillRef idx="1">
+            <a:schemeClr val="accent1"/>
+          </a:fillRef>
+          <a:effectRef idx="0">
+            <a:schemeClr val="accent1"/>
+          </a:effectRef>
+          <a:fontRef idx="minor">
+            <a:schemeClr val="lt1"/>
+          </a:fontRef>
+        </p:style>
+        <p:txBody>
+          <a:bodyPr lIns="0" tIns="0" rIns="0" bIns="0" rtlCol="0" anchor="ctr"/>
+          <a:lstStyle/>
+          <a:p>
+            <a:pPr algn="ctr"/>
+            <a:r>
+              <a:rPr lang="en-US" sz="800" dirty="0">
+                <a:latin typeface="Arial" panose="020B0604020202020204" pitchFamily="34" charset="0"/>
+                <a:cs typeface="Arial" panose="020B0604020202020204" pitchFamily="34" charset="0"/>
+              </a:rPr>
+              <a:t>1.0</a:t>
+            </a:r>
+          </a:p>
+        </p:txBody>
+      </p:sp>
+      <p:sp>
+        <p:nvSpPr>
+          <p:cNvPr id="233" name="Oval 232">
+            <a:extLst>
+              <a:ext uri="{FF2B5EF4-FFF2-40B4-BE49-F238E27FC236}">
+                <a16:creationId xmlns:a16="http://schemas.microsoft.com/office/drawing/2014/main" id="{4E5E3A8F-6978-7E4A-B538-0774C0EF83DA}"/>
+              </a:ext>
+            </a:extLst>
+          </p:cNvPr>
+          <p:cNvSpPr/>
+          <p:nvPr/>
+        </p:nvSpPr>
+        <p:spPr>
+          <a:xfrm>
+            <a:off x="7916438" y="395622"/>
+            <a:ext cx="253435" cy="212902"/>
+          </a:xfrm>
+          <a:prstGeom prst="ellipse">
+            <a:avLst/>
+          </a:prstGeom>
+          <a:solidFill>
+            <a:schemeClr val="tx1"/>
+          </a:solidFill>
+          <a:ln>
+            <a:solidFill>
+              <a:schemeClr val="tx1"/>
+            </a:solidFill>
+          </a:ln>
+        </p:spPr>
+        <p:style>
+          <a:lnRef idx="2">
+            <a:schemeClr val="accent1">
+              <a:shade val="50000"/>
+            </a:schemeClr>
+          </a:lnRef>
+          <a:fillRef idx="1">
+            <a:schemeClr val="accent1"/>
+          </a:fillRef>
+          <a:effectRef idx="0">
+            <a:schemeClr val="accent1"/>
+          </a:effectRef>
+          <a:fontRef idx="minor">
+            <a:schemeClr val="lt1"/>
+          </a:fontRef>
+        </p:style>
+        <p:txBody>
+          <a:bodyPr lIns="0" tIns="0" rIns="0" bIns="0" rtlCol="0" anchor="ctr"/>
+          <a:lstStyle/>
+          <a:p>
+            <a:pPr algn="ctr"/>
+            <a:r>
+              <a:rPr lang="en-US" sz="800" dirty="0"/>
+              <a:t>2.0</a:t>
+            </a:r>
+          </a:p>
+        </p:txBody>
+      </p:sp>
+      <p:sp>
+        <p:nvSpPr>
+          <p:cNvPr id="107" name="Rectangle 106">
+            <a:extLst>
+              <a:ext uri="{FF2B5EF4-FFF2-40B4-BE49-F238E27FC236}">
+                <a16:creationId xmlns:a16="http://schemas.microsoft.com/office/drawing/2014/main" id="{F987F7DF-6CB9-144D-9E1D-1E6008DD66FB}"/>
+              </a:ext>
+            </a:extLst>
+          </p:cNvPr>
+          <p:cNvSpPr/>
+          <p:nvPr/>
+        </p:nvSpPr>
+        <p:spPr>
+          <a:xfrm>
+            <a:off x="7995758" y="882694"/>
+            <a:ext cx="3260751" cy="2464949"/>
+          </a:xfrm>
+          <a:prstGeom prst="rect">
+            <a:avLst/>
+          </a:prstGeom>
+          <a:noFill/>
+          <a:ln w="12700">
+            <a:solidFill>
+              <a:schemeClr val="tx1"/>
+            </a:solidFill>
+            <a:prstDash val="dash"/>
+          </a:ln>
+        </p:spPr>
+        <p:style>
+          <a:lnRef idx="2">
+            <a:schemeClr val="accent1">
+              <a:shade val="50000"/>
+            </a:schemeClr>
+          </a:lnRef>
+          <a:fillRef idx="1">
+            <a:schemeClr val="accent1"/>
+          </a:fillRef>
+          <a:effectRef idx="0">
+            <a:schemeClr val="accent1"/>
+          </a:effectRef>
+          <a:fontRef idx="minor">
+            <a:schemeClr val="lt1"/>
+          </a:fontRef>
+        </p:style>
+        <p:txBody>
+          <a:bodyPr rot="0" spcFirstLastPara="0" vertOverflow="overflow" horzOverflow="overflow" vert="horz" wrap="square" lIns="91440" tIns="0" rIns="91440" bIns="45720" numCol="1" spcCol="0" rtlCol="0" fromWordArt="0" anchor="t" anchorCtr="0" forceAA="0" compatLnSpc="1">
+            <a:prstTxWarp prst="textNoShape">
+              <a:avLst/>
+            </a:prstTxWarp>
+            <a:noAutofit/>
+          </a:bodyPr>
+          <a:lstStyle/>
+          <a:p>
+            <a:r>
+              <a:rPr lang="en-US" sz="1200" b="1" dirty="0">
+                <a:solidFill>
+                  <a:schemeClr val="tx1"/>
+                </a:solidFill>
+              </a:rPr>
+              <a:t>Home-region</a:t>
+            </a:r>
+          </a:p>
+        </p:txBody>
+      </p:sp>
+      <p:sp>
+        <p:nvSpPr>
+          <p:cNvPr id="52" name="TextBox 29">
+            <a:extLst>
+              <a:ext uri="{FF2B5EF4-FFF2-40B4-BE49-F238E27FC236}">
+                <a16:creationId xmlns:a16="http://schemas.microsoft.com/office/drawing/2014/main" id="{95A77985-9994-9042-96C7-A75BE742DD29}"/>
+              </a:ext>
+            </a:extLst>
+          </p:cNvPr>
+          <p:cNvSpPr txBox="1">
+            <a:spLocks noChangeArrowheads="1"/>
+          </p:cNvSpPr>
+          <p:nvPr/>
+        </p:nvSpPr>
+        <p:spPr bwMode="auto">
+          <a:xfrm>
+            <a:off x="1160528" y="4210710"/>
+            <a:ext cx="1107245" cy="261610"/>
+          </a:xfrm>
+          <a:prstGeom prst="rect">
+            <a:avLst/>
+          </a:prstGeom>
+          <a:noFill/>
+          <a:ln>
+            <a:noFill/>
+          </a:ln>
+          <a:extLst>
+            <a:ext uri="{909E8E84-426E-40DD-AFC4-6F175D3DCCD1}">
+              <a14:hiddenFill xmlns:a14="http://schemas.microsoft.com/office/drawing/2010/main">
+                <a:solidFill>
+                  <a:srgbClr val="FFFFFF"/>
+                </a:solidFill>
+              </a14:hiddenFill>
+            </a:ext>
+            <a:ext uri="{91240B29-F687-4F45-9708-019B960494DF}">
+              <a14:hiddenLine xmlns:a14="http://schemas.microsoft.com/office/drawing/2010/main" w="9525">
+                <a:solidFill>
+                  <a:srgbClr val="000000"/>
+                </a:solidFill>
+                <a:miter lim="800000"/>
+                <a:headEnd/>
+                <a:tailEnd/>
+              </a14:hiddenLine>
+            </a:ext>
+          </a:extLst>
+        </p:spPr>
+        <p:txBody>
+          <a:bodyPr wrap="square">
+            <a:spAutoFit/>
+          </a:bodyPr>
+          <a:lstStyle>
+            <a:lvl1pPr>
+              <a:defRPr>
+                <a:solidFill>
+                  <a:schemeClr val="tx1"/>
+                </a:solidFill>
+                <a:latin typeface="Calibri" panose="020F0502020204030204" pitchFamily="34" charset="0"/>
+              </a:defRPr>
+            </a:lvl1pPr>
+            <a:lvl2pPr marL="742950" indent="-285750">
+              <a:defRPr>
+                <a:solidFill>
+                  <a:schemeClr val="tx1"/>
+                </a:solidFill>
+                <a:latin typeface="Calibri" panose="020F0502020204030204" pitchFamily="34" charset="0"/>
+              </a:defRPr>
+            </a:lvl2pPr>
+            <a:lvl3pPr marL="1143000" indent="-228600">
+              <a:defRPr>
+                <a:solidFill>
+                  <a:schemeClr val="tx1"/>
+                </a:solidFill>
+                <a:latin typeface="Calibri" panose="020F0502020204030204" pitchFamily="34" charset="0"/>
+              </a:defRPr>
+            </a:lvl3pPr>
+            <a:lvl4pPr marL="1600200" indent="-228600">
+              <a:defRPr>
+                <a:solidFill>
+                  <a:schemeClr val="tx1"/>
+                </a:solidFill>
+                <a:latin typeface="Calibri" panose="020F0502020204030204" pitchFamily="34" charset="0"/>
+              </a:defRPr>
+            </a:lvl4pPr>
+            <a:lvl5pPr marL="2057400" indent="-228600">
+              <a:defRPr>
+                <a:solidFill>
+                  <a:schemeClr val="tx1"/>
+                </a:solidFill>
+                <a:latin typeface="Calibri" panose="020F0502020204030204" pitchFamily="34" charset="0"/>
+              </a:defRPr>
+            </a:lvl5pPr>
+            <a:lvl6pPr marL="2514600" indent="-228600" eaLnBrk="0" fontAlgn="base" hangingPunct="0">
+              <a:spcBef>
+                <a:spcPct val="0"/>
+              </a:spcBef>
+              <a:spcAft>
+                <a:spcPct val="0"/>
+              </a:spcAft>
+              <a:defRPr>
+                <a:solidFill>
+                  <a:schemeClr val="tx1"/>
+                </a:solidFill>
+                <a:latin typeface="Calibri" panose="020F0502020204030204" pitchFamily="34" charset="0"/>
+              </a:defRPr>
+            </a:lvl6pPr>
+            <a:lvl7pPr marL="2971800" indent="-228600" eaLnBrk="0" fontAlgn="base" hangingPunct="0">
+              <a:spcBef>
+                <a:spcPct val="0"/>
+              </a:spcBef>
+              <a:spcAft>
+                <a:spcPct val="0"/>
+              </a:spcAft>
+              <a:defRPr>
+                <a:solidFill>
+                  <a:schemeClr val="tx1"/>
+                </a:solidFill>
+                <a:latin typeface="Calibri" panose="020F0502020204030204" pitchFamily="34" charset="0"/>
+              </a:defRPr>
+            </a:lvl7pPr>
+            <a:lvl8pPr marL="3429000" indent="-228600" eaLnBrk="0" fontAlgn="base" hangingPunct="0">
+              <a:spcBef>
+                <a:spcPct val="0"/>
+              </a:spcBef>
+              <a:spcAft>
+                <a:spcPct val="0"/>
+              </a:spcAft>
+              <a:defRPr>
+                <a:solidFill>
+                  <a:schemeClr val="tx1"/>
+                </a:solidFill>
+                <a:latin typeface="Calibri" panose="020F0502020204030204" pitchFamily="34" charset="0"/>
+              </a:defRPr>
+            </a:lvl8pPr>
+            <a:lvl9pPr marL="3886200" indent="-228600" eaLnBrk="0" fontAlgn="base" hangingPunct="0">
+              <a:spcBef>
+                <a:spcPct val="0"/>
+              </a:spcBef>
+              <a:spcAft>
+                <a:spcPct val="0"/>
+              </a:spcAft>
+              <a:defRPr>
+                <a:solidFill>
+                  <a:schemeClr val="tx1"/>
+                </a:solidFill>
+                <a:latin typeface="Calibri" panose="020F0502020204030204" pitchFamily="34" charset="0"/>
+              </a:defRPr>
+            </a:lvl9pPr>
+          </a:lstStyle>
+          <a:p>
+            <a:pPr algn="ctr" eaLnBrk="1" hangingPunct="1"/>
+            <a:r>
+              <a:rPr lang="en-US" altLang="en-US" sz="1100" dirty="0">
+                <a:latin typeface="Arial" panose="020B0604020202020204" pitchFamily="34" charset="0"/>
+                <a:ea typeface="Amazon Ember" panose="020B0603020204020204" pitchFamily="34" charset="0"/>
+                <a:cs typeface="Arial" panose="020B0604020202020204" pitchFamily="34" charset="0"/>
+              </a:rPr>
+              <a:t>IAM Roles</a:t>
+            </a:r>
+          </a:p>
+        </p:txBody>
+      </p:sp>
+      <p:pic>
+        <p:nvPicPr>
+          <p:cNvPr id="53" name="Graphic 49">
+            <a:extLst>
+              <a:ext uri="{FF2B5EF4-FFF2-40B4-BE49-F238E27FC236}">
+                <a16:creationId xmlns:a16="http://schemas.microsoft.com/office/drawing/2014/main" id="{E5A43064-1E8C-D64F-9E2D-DA95886F7A4B}"/>
+              </a:ext>
+            </a:extLst>
+          </p:cNvPr>
+          <p:cNvPicPr>
+            <a:picLocks noChangeAspect="1" noChangeArrowheads="1"/>
+          </p:cNvPicPr>
+          <p:nvPr/>
+        </p:nvPicPr>
+        <p:blipFill>
+          <a:blip r:embed="rId5">
+            <a:extLst>
+              <a:ext uri="{28A0092B-C50C-407E-A947-70E740481C1C}">
+                <a14:useLocalDpi xmlns:a14="http://schemas.microsoft.com/office/drawing/2010/main" val="0"/>
+              </a:ext>
+            </a:extLst>
+          </a:blip>
+          <a:srcRect/>
+          <a:stretch>
+            <a:fillRect/>
+          </a:stretch>
+        </p:blipFill>
+        <p:spPr bwMode="auto">
+          <a:xfrm>
+            <a:off x="1429987" y="3866043"/>
+            <a:ext cx="457200" cy="457200"/>
+          </a:xfrm>
+          <a:prstGeom prst="rect">
+            <a:avLst/>
+          </a:prstGeom>
+          <a:noFill/>
+          <a:ln>
+            <a:noFill/>
+          </a:ln>
+          <a:extLst>
+            <a:ext uri="{909E8E84-426E-40DD-AFC4-6F175D3DCCD1}">
+              <a14:hiddenFill xmlns:a14="http://schemas.microsoft.com/office/drawing/2010/main">
+                <a:solidFill>
+                  <a:srgbClr val="FFFFFF"/>
+                </a:solidFill>
+              </a14:hiddenFill>
+            </a:ext>
+            <a:ext uri="{91240B29-F687-4F45-9708-019B960494DF}">
+              <a14:hiddenLine xmlns:a14="http://schemas.microsoft.com/office/drawing/2010/main" w="9525">
+                <a:solidFill>
+                  <a:srgbClr val="000000"/>
+                </a:solidFill>
+                <a:miter lim="800000"/>
+                <a:headEnd/>
+                <a:tailEnd/>
+              </a14:hiddenLine>
+            </a:ext>
+          </a:extLst>
+        </p:spPr>
+      </p:pic>
+      <p:pic>
+        <p:nvPicPr>
+          <p:cNvPr id="54" name="Graphic 24">
+            <a:extLst>
+              <a:ext uri="{FF2B5EF4-FFF2-40B4-BE49-F238E27FC236}">
+                <a16:creationId xmlns:a16="http://schemas.microsoft.com/office/drawing/2014/main" id="{0565F9CB-9F9E-E443-BF68-41C87611C350}"/>
+              </a:ext>
+            </a:extLst>
+          </p:cNvPr>
+          <p:cNvPicPr>
+            <a:picLocks noChangeAspect="1" noChangeArrowheads="1"/>
+          </p:cNvPicPr>
+          <p:nvPr/>
+        </p:nvPicPr>
+        <p:blipFill>
+          <a:blip r:embed="rId6">
+            <a:extLst>
+              <a:ext uri="{28A0092B-C50C-407E-A947-70E740481C1C}">
+                <a14:useLocalDpi xmlns:a14="http://schemas.microsoft.com/office/drawing/2010/main" val="0"/>
+              </a:ext>
+            </a:extLst>
+          </a:blip>
+          <a:srcRect/>
+          <a:stretch>
+            <a:fillRect/>
+          </a:stretch>
+        </p:blipFill>
+        <p:spPr bwMode="auto">
+          <a:xfrm>
+            <a:off x="2968407" y="2679806"/>
+            <a:ext cx="457200" cy="457200"/>
+          </a:xfrm>
+          <a:prstGeom prst="rect">
+            <a:avLst/>
+          </a:prstGeom>
+          <a:noFill/>
+          <a:ln>
+            <a:noFill/>
+          </a:ln>
+          <a:extLst>
+            <a:ext uri="{909E8E84-426E-40DD-AFC4-6F175D3DCCD1}">
+              <a14:hiddenFill xmlns:a14="http://schemas.microsoft.com/office/drawing/2010/main">
+                <a:solidFill>
+                  <a:srgbClr val="FFFFFF"/>
+                </a:solidFill>
+              </a14:hiddenFill>
+            </a:ext>
+            <a:ext uri="{91240B29-F687-4F45-9708-019B960494DF}">
+              <a14:hiddenLine xmlns:a14="http://schemas.microsoft.com/office/drawing/2010/main" w="9525">
+                <a:solidFill>
+                  <a:srgbClr val="000000"/>
+                </a:solidFill>
+                <a:miter lim="800000"/>
+                <a:headEnd/>
+                <a:tailEnd/>
+              </a14:hiddenLine>
+            </a:ext>
+          </a:extLst>
+        </p:spPr>
+      </p:pic>
+      <p:sp>
+        <p:nvSpPr>
+          <p:cNvPr id="55" name="TextBox 26">
+            <a:extLst>
+              <a:ext uri="{FF2B5EF4-FFF2-40B4-BE49-F238E27FC236}">
+                <a16:creationId xmlns:a16="http://schemas.microsoft.com/office/drawing/2014/main" id="{8C01A33B-B67C-0445-AA21-F3786470D6FF}"/>
+              </a:ext>
+            </a:extLst>
+          </p:cNvPr>
+          <p:cNvSpPr txBox="1">
+            <a:spLocks noChangeArrowheads="1"/>
+          </p:cNvSpPr>
+          <p:nvPr/>
+        </p:nvSpPr>
+        <p:spPr bwMode="auto">
+          <a:xfrm>
+            <a:off x="2679593" y="3119506"/>
+            <a:ext cx="969198" cy="430887"/>
+          </a:xfrm>
+          <a:prstGeom prst="rect">
+            <a:avLst/>
+          </a:prstGeom>
+          <a:noFill/>
+          <a:ln>
+            <a:noFill/>
+          </a:ln>
+          <a:extLst>
+            <a:ext uri="{909E8E84-426E-40DD-AFC4-6F175D3DCCD1}">
+              <a14:hiddenFill xmlns:a14="http://schemas.microsoft.com/office/drawing/2010/main">
+                <a:solidFill>
+                  <a:srgbClr val="FFFFFF"/>
+                </a:solidFill>
+              </a14:hiddenFill>
+            </a:ext>
+            <a:ext uri="{91240B29-F687-4F45-9708-019B960494DF}">
+              <a14:hiddenLine xmlns:a14="http://schemas.microsoft.com/office/drawing/2010/main" w="9525">
+                <a:solidFill>
+                  <a:srgbClr val="000000"/>
+                </a:solidFill>
+                <a:miter lim="800000"/>
+                <a:headEnd/>
+                <a:tailEnd/>
+              </a14:hiddenLine>
+            </a:ext>
+          </a:extLst>
+        </p:spPr>
+        <p:txBody>
+          <a:bodyPr wrap="square">
+            <a:spAutoFit/>
+          </a:bodyPr>
+          <a:lstStyle>
+            <a:lvl1pPr>
+              <a:defRPr>
+                <a:solidFill>
+                  <a:schemeClr val="tx1"/>
+                </a:solidFill>
+                <a:latin typeface="Calibri" panose="020F0502020204030204" pitchFamily="34" charset="0"/>
+              </a:defRPr>
+            </a:lvl1pPr>
+            <a:lvl2pPr marL="742950" indent="-285750">
+              <a:defRPr>
+                <a:solidFill>
+                  <a:schemeClr val="tx1"/>
+                </a:solidFill>
+                <a:latin typeface="Calibri" panose="020F0502020204030204" pitchFamily="34" charset="0"/>
+              </a:defRPr>
+            </a:lvl2pPr>
+            <a:lvl3pPr marL="1143000" indent="-228600">
+              <a:defRPr>
+                <a:solidFill>
+                  <a:schemeClr val="tx1"/>
+                </a:solidFill>
+                <a:latin typeface="Calibri" panose="020F0502020204030204" pitchFamily="34" charset="0"/>
+              </a:defRPr>
+            </a:lvl3pPr>
+            <a:lvl4pPr marL="1600200" indent="-228600">
+              <a:defRPr>
+                <a:solidFill>
+                  <a:schemeClr val="tx1"/>
+                </a:solidFill>
+                <a:latin typeface="Calibri" panose="020F0502020204030204" pitchFamily="34" charset="0"/>
+              </a:defRPr>
+            </a:lvl4pPr>
+            <a:lvl5pPr marL="2057400" indent="-228600">
+              <a:defRPr>
+                <a:solidFill>
+                  <a:schemeClr val="tx1"/>
+                </a:solidFill>
+                <a:latin typeface="Calibri" panose="020F0502020204030204" pitchFamily="34" charset="0"/>
+              </a:defRPr>
+            </a:lvl5pPr>
+            <a:lvl6pPr marL="2514600" indent="-228600" eaLnBrk="0" fontAlgn="base" hangingPunct="0">
+              <a:spcBef>
+                <a:spcPct val="0"/>
+              </a:spcBef>
+              <a:spcAft>
+                <a:spcPct val="0"/>
+              </a:spcAft>
+              <a:defRPr>
+                <a:solidFill>
+                  <a:schemeClr val="tx1"/>
+                </a:solidFill>
+                <a:latin typeface="Calibri" panose="020F0502020204030204" pitchFamily="34" charset="0"/>
+              </a:defRPr>
+            </a:lvl6pPr>
+            <a:lvl7pPr marL="2971800" indent="-228600" eaLnBrk="0" fontAlgn="base" hangingPunct="0">
+              <a:spcBef>
+                <a:spcPct val="0"/>
+              </a:spcBef>
+              <a:spcAft>
+                <a:spcPct val="0"/>
+              </a:spcAft>
+              <a:defRPr>
+                <a:solidFill>
+                  <a:schemeClr val="tx1"/>
+                </a:solidFill>
+                <a:latin typeface="Calibri" panose="020F0502020204030204" pitchFamily="34" charset="0"/>
+              </a:defRPr>
+            </a:lvl7pPr>
+            <a:lvl8pPr marL="3429000" indent="-228600" eaLnBrk="0" fontAlgn="base" hangingPunct="0">
+              <a:spcBef>
+                <a:spcPct val="0"/>
+              </a:spcBef>
+              <a:spcAft>
+                <a:spcPct val="0"/>
+              </a:spcAft>
+              <a:defRPr>
+                <a:solidFill>
+                  <a:schemeClr val="tx1"/>
+                </a:solidFill>
+                <a:latin typeface="Calibri" panose="020F0502020204030204" pitchFamily="34" charset="0"/>
+              </a:defRPr>
+            </a:lvl8pPr>
+            <a:lvl9pPr marL="3886200" indent="-228600" eaLnBrk="0" fontAlgn="base" hangingPunct="0">
+              <a:spcBef>
+                <a:spcPct val="0"/>
+              </a:spcBef>
+              <a:spcAft>
+                <a:spcPct val="0"/>
+              </a:spcAft>
+              <a:defRPr>
+                <a:solidFill>
+                  <a:schemeClr val="tx1"/>
+                </a:solidFill>
+                <a:latin typeface="Calibri" panose="020F0502020204030204" pitchFamily="34" charset="0"/>
+              </a:defRPr>
+            </a:lvl9pPr>
+          </a:lstStyle>
+          <a:p>
+            <a:pPr algn="ctr" eaLnBrk="1" hangingPunct="1"/>
+            <a:r>
+              <a:rPr lang="en-US" altLang="en-US" sz="1100" dirty="0">
+                <a:latin typeface="Arial" panose="020B0604020202020204" pitchFamily="34" charset="0"/>
+                <a:ea typeface="Amazon Ember" panose="020B0603020204020204" pitchFamily="34" charset="0"/>
+                <a:cs typeface="Arial" panose="020B0604020202020204" pitchFamily="34" charset="0"/>
+              </a:rPr>
+              <a:t>Regional Event Rules</a:t>
+            </a:r>
+          </a:p>
+        </p:txBody>
+      </p:sp>
+      <p:sp>
+        <p:nvSpPr>
+          <p:cNvPr id="60" name="TextBox 29">
+            <a:extLst>
+              <a:ext uri="{FF2B5EF4-FFF2-40B4-BE49-F238E27FC236}">
+                <a16:creationId xmlns:a16="http://schemas.microsoft.com/office/drawing/2014/main" id="{7256CFDB-E862-AB4F-AC9E-F667A8C5EADD}"/>
+              </a:ext>
+            </a:extLst>
+          </p:cNvPr>
+          <p:cNvSpPr txBox="1">
+            <a:spLocks noChangeArrowheads="1"/>
+          </p:cNvSpPr>
+          <p:nvPr/>
+        </p:nvSpPr>
+        <p:spPr bwMode="auto">
+          <a:xfrm>
+            <a:off x="8415409" y="2454585"/>
+            <a:ext cx="1062976" cy="430887"/>
+          </a:xfrm>
+          <a:prstGeom prst="rect">
+            <a:avLst/>
+          </a:prstGeom>
+          <a:noFill/>
+          <a:ln>
+            <a:noFill/>
+          </a:ln>
+          <a:extLst>
+            <a:ext uri="{909E8E84-426E-40DD-AFC4-6F175D3DCCD1}">
+              <a14:hiddenFill xmlns:a14="http://schemas.microsoft.com/office/drawing/2010/main">
+                <a:solidFill>
+                  <a:srgbClr val="FFFFFF"/>
+                </a:solidFill>
+              </a14:hiddenFill>
+            </a:ext>
+            <a:ext uri="{91240B29-F687-4F45-9708-019B960494DF}">
+              <a14:hiddenLine xmlns:a14="http://schemas.microsoft.com/office/drawing/2010/main" w="9525">
+                <a:solidFill>
+                  <a:srgbClr val="000000"/>
+                </a:solidFill>
+                <a:miter lim="800000"/>
+                <a:headEnd/>
+                <a:tailEnd/>
+              </a14:hiddenLine>
+            </a:ext>
+          </a:extLst>
+        </p:spPr>
+        <p:txBody>
+          <a:bodyPr wrap="square">
+            <a:spAutoFit/>
+          </a:bodyPr>
+          <a:lstStyle>
+            <a:lvl1pPr>
+              <a:defRPr>
+                <a:solidFill>
+                  <a:schemeClr val="tx1"/>
+                </a:solidFill>
+                <a:latin typeface="Calibri" panose="020F0502020204030204" pitchFamily="34" charset="0"/>
+              </a:defRPr>
+            </a:lvl1pPr>
+            <a:lvl2pPr marL="742950" indent="-285750">
+              <a:defRPr>
+                <a:solidFill>
+                  <a:schemeClr val="tx1"/>
+                </a:solidFill>
+                <a:latin typeface="Calibri" panose="020F0502020204030204" pitchFamily="34" charset="0"/>
+              </a:defRPr>
+            </a:lvl2pPr>
+            <a:lvl3pPr marL="1143000" indent="-228600">
+              <a:defRPr>
+                <a:solidFill>
+                  <a:schemeClr val="tx1"/>
+                </a:solidFill>
+                <a:latin typeface="Calibri" panose="020F0502020204030204" pitchFamily="34" charset="0"/>
+              </a:defRPr>
+            </a:lvl3pPr>
+            <a:lvl4pPr marL="1600200" indent="-228600">
+              <a:defRPr>
+                <a:solidFill>
+                  <a:schemeClr val="tx1"/>
+                </a:solidFill>
+                <a:latin typeface="Calibri" panose="020F0502020204030204" pitchFamily="34" charset="0"/>
+              </a:defRPr>
+            </a:lvl4pPr>
+            <a:lvl5pPr marL="2057400" indent="-228600">
+              <a:defRPr>
+                <a:solidFill>
+                  <a:schemeClr val="tx1"/>
+                </a:solidFill>
+                <a:latin typeface="Calibri" panose="020F0502020204030204" pitchFamily="34" charset="0"/>
+              </a:defRPr>
+            </a:lvl5pPr>
+            <a:lvl6pPr marL="2514600" indent="-228600" eaLnBrk="0" fontAlgn="base" hangingPunct="0">
+              <a:spcBef>
+                <a:spcPct val="0"/>
+              </a:spcBef>
+              <a:spcAft>
+                <a:spcPct val="0"/>
+              </a:spcAft>
+              <a:defRPr>
+                <a:solidFill>
+                  <a:schemeClr val="tx1"/>
+                </a:solidFill>
+                <a:latin typeface="Calibri" panose="020F0502020204030204" pitchFamily="34" charset="0"/>
+              </a:defRPr>
+            </a:lvl6pPr>
+            <a:lvl7pPr marL="2971800" indent="-228600" eaLnBrk="0" fontAlgn="base" hangingPunct="0">
+              <a:spcBef>
+                <a:spcPct val="0"/>
+              </a:spcBef>
+              <a:spcAft>
+                <a:spcPct val="0"/>
+              </a:spcAft>
+              <a:defRPr>
+                <a:solidFill>
+                  <a:schemeClr val="tx1"/>
+                </a:solidFill>
+                <a:latin typeface="Calibri" panose="020F0502020204030204" pitchFamily="34" charset="0"/>
+              </a:defRPr>
+            </a:lvl7pPr>
+            <a:lvl8pPr marL="3429000" indent="-228600" eaLnBrk="0" fontAlgn="base" hangingPunct="0">
+              <a:spcBef>
+                <a:spcPct val="0"/>
+              </a:spcBef>
+              <a:spcAft>
+                <a:spcPct val="0"/>
+              </a:spcAft>
+              <a:defRPr>
+                <a:solidFill>
+                  <a:schemeClr val="tx1"/>
+                </a:solidFill>
+                <a:latin typeface="Calibri" panose="020F0502020204030204" pitchFamily="34" charset="0"/>
+              </a:defRPr>
+            </a:lvl8pPr>
+            <a:lvl9pPr marL="3886200" indent="-228600" eaLnBrk="0" fontAlgn="base" hangingPunct="0">
+              <a:spcBef>
+                <a:spcPct val="0"/>
+              </a:spcBef>
+              <a:spcAft>
+                <a:spcPct val="0"/>
+              </a:spcAft>
+              <a:defRPr>
+                <a:solidFill>
+                  <a:schemeClr val="tx1"/>
+                </a:solidFill>
+                <a:latin typeface="Calibri" panose="020F0502020204030204" pitchFamily="34" charset="0"/>
+              </a:defRPr>
+            </a:lvl9pPr>
+          </a:lstStyle>
+          <a:p>
+            <a:pPr algn="ctr"/>
+            <a:r>
+              <a:rPr lang="en-US" altLang="en-US" sz="1100" dirty="0">
+                <a:latin typeface="Arial" panose="020B0604020202020204" pitchFamily="34" charset="0"/>
+                <a:ea typeface="Amazon Ember" panose="020B0603020204020204" pitchFamily="34" charset="0"/>
+                <a:cs typeface="Arial" panose="020B0604020202020204" pitchFamily="34" charset="0"/>
+              </a:rPr>
+              <a:t>Configuration </a:t>
+            </a:r>
+          </a:p>
+          <a:p>
+            <a:pPr algn="ctr"/>
+            <a:r>
+              <a:rPr lang="en-US" altLang="en-US" sz="1100" dirty="0">
+                <a:latin typeface="Arial" panose="020B0604020202020204" pitchFamily="34" charset="0"/>
+                <a:ea typeface="Amazon Ember" panose="020B0603020204020204" pitchFamily="34" charset="0"/>
+                <a:cs typeface="Arial" panose="020B0604020202020204" pitchFamily="34" charset="0"/>
+              </a:rPr>
+              <a:t>Role</a:t>
+            </a:r>
+          </a:p>
+        </p:txBody>
+      </p:sp>
+      <p:pic>
+        <p:nvPicPr>
+          <p:cNvPr id="61" name="Graphic 49">
+            <a:extLst>
+              <a:ext uri="{FF2B5EF4-FFF2-40B4-BE49-F238E27FC236}">
+                <a16:creationId xmlns:a16="http://schemas.microsoft.com/office/drawing/2014/main" id="{222F14F2-0D5F-3A49-B4BE-0AE368E5A3B3}"/>
+              </a:ext>
+            </a:extLst>
+          </p:cNvPr>
+          <p:cNvPicPr>
+            <a:picLocks noChangeAspect="1" noChangeArrowheads="1"/>
+          </p:cNvPicPr>
+          <p:nvPr/>
+        </p:nvPicPr>
+        <p:blipFill>
+          <a:blip r:embed="rId5">
+            <a:extLst>
+              <a:ext uri="{28A0092B-C50C-407E-A947-70E740481C1C}">
+                <a14:useLocalDpi xmlns:a14="http://schemas.microsoft.com/office/drawing/2010/main" val="0"/>
+              </a:ext>
+            </a:extLst>
+          </a:blip>
+          <a:srcRect/>
+          <a:stretch>
+            <a:fillRect/>
+          </a:stretch>
+        </p:blipFill>
+        <p:spPr bwMode="auto">
+          <a:xfrm>
+            <a:off x="8670775" y="2111988"/>
+            <a:ext cx="457200" cy="457200"/>
+          </a:xfrm>
+          <a:prstGeom prst="rect">
+            <a:avLst/>
+          </a:prstGeom>
+          <a:noFill/>
+          <a:ln>
+            <a:noFill/>
+          </a:ln>
+          <a:extLst>
+            <a:ext uri="{909E8E84-426E-40DD-AFC4-6F175D3DCCD1}">
+              <a14:hiddenFill xmlns:a14="http://schemas.microsoft.com/office/drawing/2010/main">
+                <a:solidFill>
+                  <a:srgbClr val="FFFFFF"/>
+                </a:solidFill>
+              </a14:hiddenFill>
+            </a:ext>
+            <a:ext uri="{91240B29-F687-4F45-9708-019B960494DF}">
+              <a14:hiddenLine xmlns:a14="http://schemas.microsoft.com/office/drawing/2010/main" w="9525">
+                <a:solidFill>
+                  <a:srgbClr val="000000"/>
+                </a:solidFill>
+                <a:miter lim="800000"/>
+                <a:headEnd/>
+                <a:tailEnd/>
+              </a14:hiddenLine>
+            </a:ext>
+          </a:extLst>
+        </p:spPr>
+      </p:pic>
+      <p:sp>
+        <p:nvSpPr>
+          <p:cNvPr id="132" name="Oval 131">
+            <a:extLst>
+              <a:ext uri="{FF2B5EF4-FFF2-40B4-BE49-F238E27FC236}">
+                <a16:creationId xmlns:a16="http://schemas.microsoft.com/office/drawing/2014/main" id="{E90E9980-B378-8B48-A029-3577A1108948}"/>
+              </a:ext>
+            </a:extLst>
+          </p:cNvPr>
+          <p:cNvSpPr/>
+          <p:nvPr/>
+        </p:nvSpPr>
+        <p:spPr>
+          <a:xfrm>
+            <a:off x="1272421" y="3853363"/>
+            <a:ext cx="253435" cy="212902"/>
+          </a:xfrm>
+          <a:prstGeom prst="ellipse">
+            <a:avLst/>
+          </a:prstGeom>
+          <a:solidFill>
+            <a:schemeClr val="tx1"/>
+          </a:solidFill>
+          <a:ln>
+            <a:solidFill>
+              <a:schemeClr val="tx1"/>
+            </a:solidFill>
+          </a:ln>
+        </p:spPr>
+        <p:style>
+          <a:lnRef idx="2">
+            <a:schemeClr val="accent1">
+              <a:shade val="50000"/>
+            </a:schemeClr>
+          </a:lnRef>
+          <a:fillRef idx="1">
+            <a:schemeClr val="accent1"/>
+          </a:fillRef>
+          <a:effectRef idx="0">
+            <a:schemeClr val="accent1"/>
+          </a:effectRef>
+          <a:fontRef idx="minor">
+            <a:schemeClr val="lt1"/>
+          </a:fontRef>
+        </p:style>
+        <p:txBody>
+          <a:bodyPr lIns="0" tIns="0" rIns="0" bIns="0" rtlCol="0" anchor="ctr"/>
+          <a:lstStyle/>
+          <a:p>
+            <a:pPr algn="ctr"/>
+            <a:r>
+              <a:rPr lang="en-US" sz="800" dirty="0">
+                <a:latin typeface="Arial" panose="020B0604020202020204" pitchFamily="34" charset="0"/>
+                <a:cs typeface="Arial" panose="020B0604020202020204" pitchFamily="34" charset="0"/>
+              </a:rPr>
+              <a:t>1.1</a:t>
+            </a:r>
+          </a:p>
+        </p:txBody>
+      </p:sp>
+      <p:sp>
+        <p:nvSpPr>
+          <p:cNvPr id="136" name="Oval 135">
+            <a:extLst>
+              <a:ext uri="{FF2B5EF4-FFF2-40B4-BE49-F238E27FC236}">
+                <a16:creationId xmlns:a16="http://schemas.microsoft.com/office/drawing/2014/main" id="{8883E90E-2B69-9B42-B954-561E833F7F65}"/>
+              </a:ext>
+            </a:extLst>
+          </p:cNvPr>
+          <p:cNvSpPr/>
+          <p:nvPr/>
+        </p:nvSpPr>
+        <p:spPr>
+          <a:xfrm>
+            <a:off x="8501818" y="2170028"/>
+            <a:ext cx="253435" cy="212902"/>
+          </a:xfrm>
+          <a:prstGeom prst="ellipse">
+            <a:avLst/>
+          </a:prstGeom>
+          <a:solidFill>
+            <a:schemeClr val="tx1"/>
+          </a:solidFill>
+          <a:ln>
+            <a:solidFill>
+              <a:schemeClr val="tx1"/>
+            </a:solidFill>
+          </a:ln>
+        </p:spPr>
+        <p:style>
+          <a:lnRef idx="2">
+            <a:schemeClr val="accent1">
+              <a:shade val="50000"/>
+            </a:schemeClr>
+          </a:lnRef>
+          <a:fillRef idx="1">
+            <a:schemeClr val="accent1"/>
+          </a:fillRef>
+          <a:effectRef idx="0">
+            <a:schemeClr val="accent1"/>
+          </a:effectRef>
+          <a:fontRef idx="minor">
+            <a:schemeClr val="lt1"/>
+          </a:fontRef>
+        </p:style>
+        <p:txBody>
+          <a:bodyPr lIns="0" tIns="0" rIns="0" bIns="0" rtlCol="0" anchor="ctr"/>
+          <a:lstStyle/>
+          <a:p>
+            <a:pPr algn="ctr"/>
+            <a:r>
+              <a:rPr lang="en-US" sz="800" dirty="0">
+                <a:latin typeface="Arial" panose="020B0604020202020204" pitchFamily="34" charset="0"/>
+                <a:cs typeface="Arial" panose="020B0604020202020204" pitchFamily="34" charset="0"/>
+              </a:rPr>
+              <a:t>2.1</a:t>
+            </a:r>
+          </a:p>
+        </p:txBody>
+      </p:sp>
+      <p:sp>
+        <p:nvSpPr>
+          <p:cNvPr id="51" name="Rectangle 50">
+            <a:extLst>
+              <a:ext uri="{FF2B5EF4-FFF2-40B4-BE49-F238E27FC236}">
+                <a16:creationId xmlns:a16="http://schemas.microsoft.com/office/drawing/2014/main" id="{94E4C51E-7A98-6F4B-822A-7AA7100FCB0A}"/>
+              </a:ext>
+            </a:extLst>
+          </p:cNvPr>
+          <p:cNvSpPr/>
+          <p:nvPr/>
+        </p:nvSpPr>
+        <p:spPr>
+          <a:xfrm>
+            <a:off x="9851790" y="1835502"/>
+            <a:ext cx="1236216" cy="1399834"/>
+          </a:xfrm>
+          <a:prstGeom prst="rect">
+            <a:avLst/>
+          </a:prstGeom>
+          <a:noFill/>
+          <a:ln w="12700">
+            <a:solidFill>
+              <a:schemeClr val="tx1"/>
+            </a:solidFill>
+            <a:prstDash val="dash"/>
+          </a:ln>
+        </p:spPr>
+        <p:style>
+          <a:lnRef idx="2">
+            <a:schemeClr val="accent1">
+              <a:shade val="50000"/>
+            </a:schemeClr>
+          </a:lnRef>
+          <a:fillRef idx="1">
+            <a:schemeClr val="accent1"/>
+          </a:fillRef>
+          <a:effectRef idx="0">
+            <a:schemeClr val="accent1"/>
+          </a:effectRef>
+          <a:fontRef idx="minor">
+            <a:schemeClr val="lt1"/>
+          </a:fontRef>
+        </p:style>
+        <p:txBody>
+          <a:bodyPr rot="0" spcFirstLastPara="0" vertOverflow="overflow" horzOverflow="overflow" vert="horz" wrap="square" lIns="91440" tIns="0" rIns="91440" bIns="45720" numCol="1" spcCol="0" rtlCol="0" fromWordArt="0" anchor="t" anchorCtr="0" forceAA="0" compatLnSpc="1">
+            <a:noAutofit/>
+          </a:bodyPr>
+          <a:lstStyle/>
+          <a:p>
+            <a:r>
+              <a:rPr lang="en-US" sz="1100" b="1" dirty="0">
+                <a:solidFill>
+                  <a:schemeClr val="tx1"/>
+                </a:solidFill>
+                <a:latin typeface="Arial" panose="020B0604020202020204" pitchFamily="34" charset="0"/>
+                <a:cs typeface="Arial" panose="020B0604020202020204" pitchFamily="34" charset="0"/>
+              </a:rPr>
+              <a:t>region-1</a:t>
+            </a:r>
+          </a:p>
+        </p:txBody>
+      </p:sp>
+      <p:sp>
+        <p:nvSpPr>
+          <p:cNvPr id="70" name="Rectangle 69">
+            <a:extLst>
+              <a:ext uri="{FF2B5EF4-FFF2-40B4-BE49-F238E27FC236}">
+                <a16:creationId xmlns:a16="http://schemas.microsoft.com/office/drawing/2014/main" id="{B9B0DB77-AA27-F240-9DBA-0C4D391FE38F}"/>
+              </a:ext>
+            </a:extLst>
+          </p:cNvPr>
+          <p:cNvSpPr/>
+          <p:nvPr/>
+        </p:nvSpPr>
+        <p:spPr>
+          <a:xfrm>
+            <a:off x="9948026" y="2056898"/>
+            <a:ext cx="1139980" cy="1177336"/>
+          </a:xfrm>
+          <a:prstGeom prst="rect">
+            <a:avLst/>
+          </a:prstGeom>
+          <a:noFill/>
+          <a:ln w="12700">
+            <a:solidFill>
+              <a:schemeClr val="tx1"/>
+            </a:solidFill>
+            <a:prstDash val="dash"/>
+          </a:ln>
+        </p:spPr>
+        <p:style>
+          <a:lnRef idx="2">
+            <a:schemeClr val="accent1">
+              <a:shade val="50000"/>
+            </a:schemeClr>
+          </a:lnRef>
+          <a:fillRef idx="1">
+            <a:schemeClr val="accent1"/>
+          </a:fillRef>
+          <a:effectRef idx="0">
+            <a:schemeClr val="accent1"/>
+          </a:effectRef>
+          <a:fontRef idx="minor">
+            <a:schemeClr val="lt1"/>
+          </a:fontRef>
+        </p:style>
+        <p:txBody>
+          <a:bodyPr rot="0" spcFirstLastPara="0" vertOverflow="overflow" horzOverflow="overflow" vert="horz" wrap="square" lIns="91440" tIns="0" rIns="91440" bIns="45720" numCol="1" spcCol="0" rtlCol="0" fromWordArt="0" anchor="t" anchorCtr="0" forceAA="0" compatLnSpc="1">
+            <a:noAutofit/>
+          </a:bodyPr>
+          <a:lstStyle/>
+          <a:p>
+            <a:r>
+              <a:rPr lang="en-US" sz="1100" b="1" dirty="0">
+                <a:solidFill>
+                  <a:schemeClr val="tx1"/>
+                </a:solidFill>
+                <a:latin typeface="Arial" panose="020B0604020202020204" pitchFamily="34" charset="0"/>
+                <a:cs typeface="Arial" panose="020B0604020202020204" pitchFamily="34" charset="0"/>
+              </a:rPr>
+              <a:t>region-2</a:t>
+            </a:r>
+          </a:p>
+        </p:txBody>
+      </p:sp>
+      <p:sp>
+        <p:nvSpPr>
+          <p:cNvPr id="71" name="Rectangle 70">
+            <a:extLst>
+              <a:ext uri="{FF2B5EF4-FFF2-40B4-BE49-F238E27FC236}">
+                <a16:creationId xmlns:a16="http://schemas.microsoft.com/office/drawing/2014/main" id="{CED78D6A-CD89-5346-873D-908A31D1183D}"/>
+              </a:ext>
+            </a:extLst>
+          </p:cNvPr>
+          <p:cNvSpPr/>
+          <p:nvPr/>
+        </p:nvSpPr>
+        <p:spPr>
+          <a:xfrm>
+            <a:off x="10029322" y="2282451"/>
+            <a:ext cx="1058684" cy="951784"/>
+          </a:xfrm>
+          <a:prstGeom prst="rect">
+            <a:avLst/>
+          </a:prstGeom>
+          <a:noFill/>
+          <a:ln w="12700">
+            <a:solidFill>
+              <a:schemeClr val="tx1"/>
+            </a:solidFill>
+            <a:prstDash val="dash"/>
+          </a:ln>
+        </p:spPr>
+        <p:style>
+          <a:lnRef idx="2">
+            <a:schemeClr val="accent1">
+              <a:shade val="50000"/>
+            </a:schemeClr>
+          </a:lnRef>
+          <a:fillRef idx="1">
+            <a:schemeClr val="accent1"/>
+          </a:fillRef>
+          <a:effectRef idx="0">
+            <a:schemeClr val="accent1"/>
+          </a:effectRef>
+          <a:fontRef idx="minor">
+            <a:schemeClr val="lt1"/>
+          </a:fontRef>
+        </p:style>
+        <p:txBody>
+          <a:bodyPr rot="0" spcFirstLastPara="0" vertOverflow="overflow" horzOverflow="overflow" vert="horz" wrap="square" lIns="91440" tIns="0" rIns="91440" bIns="45720" numCol="1" spcCol="0" rtlCol="0" fromWordArt="0" anchor="t" anchorCtr="0" forceAA="0" compatLnSpc="1">
+            <a:noAutofit/>
+          </a:bodyPr>
+          <a:lstStyle/>
+          <a:p>
+            <a:r>
+              <a:rPr lang="en-US" sz="1100" b="1" dirty="0">
+                <a:solidFill>
+                  <a:schemeClr val="tx1"/>
+                </a:solidFill>
+                <a:latin typeface="Arial" panose="020B0604020202020204" pitchFamily="34" charset="0"/>
+                <a:cs typeface="Arial" panose="020B0604020202020204" pitchFamily="34" charset="0"/>
+              </a:rPr>
+              <a:t>region-n</a:t>
+            </a:r>
+          </a:p>
+        </p:txBody>
+      </p:sp>
+      <p:sp>
+        <p:nvSpPr>
+          <p:cNvPr id="90" name="Rectangle 89">
+            <a:extLst>
+              <a:ext uri="{FF2B5EF4-FFF2-40B4-BE49-F238E27FC236}">
+                <a16:creationId xmlns:a16="http://schemas.microsoft.com/office/drawing/2014/main" id="{47B93F37-6BED-7842-BCB8-8257FA6836B8}"/>
+              </a:ext>
+            </a:extLst>
+          </p:cNvPr>
+          <p:cNvSpPr/>
+          <p:nvPr/>
+        </p:nvSpPr>
+        <p:spPr>
+          <a:xfrm>
+            <a:off x="7896701" y="3577177"/>
+            <a:ext cx="3455224" cy="2750796"/>
+          </a:xfrm>
+          <a:prstGeom prst="rect">
+            <a:avLst/>
+          </a:prstGeom>
+          <a:noFill/>
+          <a:ln w="12700">
+            <a:solidFill>
+              <a:schemeClr val="tx1"/>
+            </a:solidFill>
+            <a:prstDash val="solid"/>
+          </a:ln>
+        </p:spPr>
+        <p:style>
+          <a:lnRef idx="2">
+            <a:schemeClr val="accent1">
+              <a:shade val="50000"/>
+            </a:schemeClr>
+          </a:lnRef>
+          <a:fillRef idx="1">
+            <a:schemeClr val="accent1"/>
+          </a:fillRef>
+          <a:effectRef idx="0">
+            <a:schemeClr val="accent1"/>
+          </a:effectRef>
+          <a:fontRef idx="minor">
+            <a:schemeClr val="lt1"/>
+          </a:fontRef>
+        </p:style>
+        <p:txBody>
+          <a:bodyPr rot="0" spcFirstLastPara="0" vertOverflow="overflow" horzOverflow="overflow" vert="horz" wrap="square" lIns="91440" tIns="91440" rIns="91440" bIns="45720" numCol="1" spcCol="0" rtlCol="0" fromWordArt="0" anchor="t" anchorCtr="0" forceAA="0" compatLnSpc="1">
+            <a:prstTxWarp prst="textNoShape">
+              <a:avLst/>
+            </a:prstTxWarp>
+            <a:noAutofit/>
+          </a:bodyPr>
+          <a:lstStyle/>
+          <a:p>
+            <a:pPr algn="ctr"/>
+            <a:r>
+              <a:rPr lang="en-US" sz="1400" dirty="0">
+                <a:solidFill>
+                  <a:schemeClr val="tx1"/>
+                </a:solidFill>
+                <a:latin typeface="Arial" panose="020B0604020202020204" pitchFamily="34" charset="0"/>
+                <a:cs typeface="Arial" panose="020B0604020202020204" pitchFamily="34" charset="0"/>
+              </a:rPr>
+              <a:t>All Existing and Future </a:t>
+            </a:r>
+          </a:p>
+          <a:p>
+            <a:pPr algn="ctr"/>
+            <a:r>
+              <a:rPr lang="en-US" sz="1400" dirty="0">
+                <a:solidFill>
+                  <a:schemeClr val="tx1"/>
+                </a:solidFill>
+                <a:latin typeface="Arial" panose="020B0604020202020204" pitchFamily="34" charset="0"/>
+                <a:cs typeface="Arial" panose="020B0604020202020204" pitchFamily="34" charset="0"/>
+              </a:rPr>
+              <a:t>Organization Member Accounts</a:t>
+            </a:r>
+          </a:p>
+        </p:txBody>
+      </p:sp>
+      <p:sp>
+        <p:nvSpPr>
+          <p:cNvPr id="91" name="Oval 90">
+            <a:extLst>
+              <a:ext uri="{FF2B5EF4-FFF2-40B4-BE49-F238E27FC236}">
+                <a16:creationId xmlns:a16="http://schemas.microsoft.com/office/drawing/2014/main" id="{4F6D3A5E-6D06-304A-97F5-69FDBDFDA450}"/>
+              </a:ext>
+            </a:extLst>
+          </p:cNvPr>
+          <p:cNvSpPr/>
+          <p:nvPr/>
+        </p:nvSpPr>
+        <p:spPr>
+          <a:xfrm>
+            <a:off x="7923154" y="3599017"/>
+            <a:ext cx="253435" cy="212902"/>
+          </a:xfrm>
+          <a:prstGeom prst="ellipse">
+            <a:avLst/>
+          </a:prstGeom>
+          <a:solidFill>
+            <a:schemeClr val="tx1"/>
+          </a:solidFill>
+          <a:ln>
+            <a:solidFill>
+              <a:schemeClr val="tx1"/>
+            </a:solidFill>
+          </a:ln>
+        </p:spPr>
+        <p:style>
+          <a:lnRef idx="2">
+            <a:schemeClr val="accent1">
+              <a:shade val="50000"/>
+            </a:schemeClr>
+          </a:lnRef>
+          <a:fillRef idx="1">
+            <a:schemeClr val="accent1"/>
+          </a:fillRef>
+          <a:effectRef idx="0">
+            <a:schemeClr val="accent1"/>
+          </a:effectRef>
+          <a:fontRef idx="minor">
+            <a:schemeClr val="lt1"/>
+          </a:fontRef>
+        </p:style>
+        <p:txBody>
+          <a:bodyPr lIns="0" tIns="0" rIns="0" bIns="0" rtlCol="0" anchor="ctr"/>
+          <a:lstStyle/>
+          <a:p>
+            <a:pPr algn="ctr"/>
+            <a:r>
+              <a:rPr lang="en-US" sz="800" dirty="0"/>
+              <a:t>3.0</a:t>
+            </a:r>
+          </a:p>
+        </p:txBody>
+      </p:sp>
+      <p:sp>
+        <p:nvSpPr>
+          <p:cNvPr id="92" name="Rectangle 91">
+            <a:extLst>
+              <a:ext uri="{FF2B5EF4-FFF2-40B4-BE49-F238E27FC236}">
+                <a16:creationId xmlns:a16="http://schemas.microsoft.com/office/drawing/2014/main" id="{00FDA628-A4EA-EB48-92B2-27CAC6AB8DD3}"/>
+              </a:ext>
+            </a:extLst>
+          </p:cNvPr>
+          <p:cNvSpPr/>
+          <p:nvPr/>
+        </p:nvSpPr>
+        <p:spPr>
+          <a:xfrm>
+            <a:off x="7995097" y="4185150"/>
+            <a:ext cx="3260622" cy="1997165"/>
+          </a:xfrm>
+          <a:prstGeom prst="rect">
+            <a:avLst/>
+          </a:prstGeom>
+          <a:noFill/>
+          <a:ln w="12700">
+            <a:solidFill>
+              <a:schemeClr val="tx1"/>
+            </a:solidFill>
+            <a:prstDash val="dash"/>
+          </a:ln>
+        </p:spPr>
+        <p:style>
+          <a:lnRef idx="2">
+            <a:schemeClr val="accent1">
+              <a:shade val="50000"/>
+            </a:schemeClr>
+          </a:lnRef>
+          <a:fillRef idx="1">
+            <a:schemeClr val="accent1"/>
+          </a:fillRef>
+          <a:effectRef idx="0">
+            <a:schemeClr val="accent1"/>
+          </a:effectRef>
+          <a:fontRef idx="minor">
+            <a:schemeClr val="lt1"/>
+          </a:fontRef>
+        </p:style>
+        <p:txBody>
+          <a:bodyPr rot="0" spcFirstLastPara="0" vertOverflow="overflow" horzOverflow="overflow" vert="horz" wrap="square" lIns="91440" tIns="0" rIns="91440" bIns="45720" numCol="1" spcCol="0" rtlCol="0" fromWordArt="0" anchor="t" anchorCtr="0" forceAA="0" compatLnSpc="1">
+            <a:prstTxWarp prst="textNoShape">
+              <a:avLst/>
+            </a:prstTxWarp>
+            <a:noAutofit/>
+          </a:bodyPr>
+          <a:lstStyle/>
+          <a:p>
+            <a:r>
+              <a:rPr lang="en-US" sz="1200" b="1" dirty="0">
+                <a:solidFill>
+                  <a:schemeClr val="tx1"/>
+                </a:solidFill>
+              </a:rPr>
+              <a:t>Home-region</a:t>
+            </a:r>
+          </a:p>
+        </p:txBody>
+      </p:sp>
+      <p:sp>
+        <p:nvSpPr>
+          <p:cNvPr id="96" name="TextBox 29">
+            <a:extLst>
+              <a:ext uri="{FF2B5EF4-FFF2-40B4-BE49-F238E27FC236}">
+                <a16:creationId xmlns:a16="http://schemas.microsoft.com/office/drawing/2014/main" id="{C618E77E-F039-1E4A-96DB-E5F160FF919B}"/>
+              </a:ext>
+            </a:extLst>
+          </p:cNvPr>
+          <p:cNvSpPr txBox="1">
+            <a:spLocks noChangeArrowheads="1"/>
+          </p:cNvSpPr>
+          <p:nvPr/>
+        </p:nvSpPr>
+        <p:spPr bwMode="auto">
+          <a:xfrm>
+            <a:off x="8419605" y="5247913"/>
+            <a:ext cx="1062976" cy="430887"/>
+          </a:xfrm>
+          <a:prstGeom prst="rect">
+            <a:avLst/>
+          </a:prstGeom>
+          <a:noFill/>
+          <a:ln>
+            <a:noFill/>
+          </a:ln>
+          <a:extLst>
+            <a:ext uri="{909E8E84-426E-40DD-AFC4-6F175D3DCCD1}">
+              <a14:hiddenFill xmlns:a14="http://schemas.microsoft.com/office/drawing/2010/main">
+                <a:solidFill>
+                  <a:srgbClr val="FFFFFF"/>
+                </a:solidFill>
+              </a14:hiddenFill>
+            </a:ext>
+            <a:ext uri="{91240B29-F687-4F45-9708-019B960494DF}">
+              <a14:hiddenLine xmlns:a14="http://schemas.microsoft.com/office/drawing/2010/main" w="9525">
+                <a:solidFill>
+                  <a:srgbClr val="000000"/>
+                </a:solidFill>
+                <a:miter lim="800000"/>
+                <a:headEnd/>
+                <a:tailEnd/>
+              </a14:hiddenLine>
+            </a:ext>
+          </a:extLst>
+        </p:spPr>
+        <p:txBody>
+          <a:bodyPr wrap="square">
+            <a:spAutoFit/>
+          </a:bodyPr>
+          <a:lstStyle>
+            <a:lvl1pPr>
+              <a:defRPr>
+                <a:solidFill>
+                  <a:schemeClr val="tx1"/>
+                </a:solidFill>
+                <a:latin typeface="Calibri" panose="020F0502020204030204" pitchFamily="34" charset="0"/>
+              </a:defRPr>
+            </a:lvl1pPr>
+            <a:lvl2pPr marL="742950" indent="-285750">
+              <a:defRPr>
+                <a:solidFill>
+                  <a:schemeClr val="tx1"/>
+                </a:solidFill>
+                <a:latin typeface="Calibri" panose="020F0502020204030204" pitchFamily="34" charset="0"/>
+              </a:defRPr>
+            </a:lvl2pPr>
+            <a:lvl3pPr marL="1143000" indent="-228600">
+              <a:defRPr>
+                <a:solidFill>
+                  <a:schemeClr val="tx1"/>
+                </a:solidFill>
+                <a:latin typeface="Calibri" panose="020F0502020204030204" pitchFamily="34" charset="0"/>
+              </a:defRPr>
+            </a:lvl3pPr>
+            <a:lvl4pPr marL="1600200" indent="-228600">
+              <a:defRPr>
+                <a:solidFill>
+                  <a:schemeClr val="tx1"/>
+                </a:solidFill>
+                <a:latin typeface="Calibri" panose="020F0502020204030204" pitchFamily="34" charset="0"/>
+              </a:defRPr>
+            </a:lvl4pPr>
+            <a:lvl5pPr marL="2057400" indent="-228600">
+              <a:defRPr>
+                <a:solidFill>
+                  <a:schemeClr val="tx1"/>
+                </a:solidFill>
+                <a:latin typeface="Calibri" panose="020F0502020204030204" pitchFamily="34" charset="0"/>
+              </a:defRPr>
+            </a:lvl5pPr>
+            <a:lvl6pPr marL="2514600" indent="-228600" eaLnBrk="0" fontAlgn="base" hangingPunct="0">
+              <a:spcBef>
+                <a:spcPct val="0"/>
+              </a:spcBef>
+              <a:spcAft>
+                <a:spcPct val="0"/>
+              </a:spcAft>
+              <a:defRPr>
+                <a:solidFill>
+                  <a:schemeClr val="tx1"/>
+                </a:solidFill>
+                <a:latin typeface="Calibri" panose="020F0502020204030204" pitchFamily="34" charset="0"/>
+              </a:defRPr>
+            </a:lvl6pPr>
+            <a:lvl7pPr marL="2971800" indent="-228600" eaLnBrk="0" fontAlgn="base" hangingPunct="0">
+              <a:spcBef>
+                <a:spcPct val="0"/>
+              </a:spcBef>
+              <a:spcAft>
+                <a:spcPct val="0"/>
+              </a:spcAft>
+              <a:defRPr>
+                <a:solidFill>
+                  <a:schemeClr val="tx1"/>
+                </a:solidFill>
+                <a:latin typeface="Calibri" panose="020F0502020204030204" pitchFamily="34" charset="0"/>
+              </a:defRPr>
+            </a:lvl7pPr>
+            <a:lvl8pPr marL="3429000" indent="-228600" eaLnBrk="0" fontAlgn="base" hangingPunct="0">
+              <a:spcBef>
+                <a:spcPct val="0"/>
+              </a:spcBef>
+              <a:spcAft>
+                <a:spcPct val="0"/>
+              </a:spcAft>
+              <a:defRPr>
+                <a:solidFill>
+                  <a:schemeClr val="tx1"/>
+                </a:solidFill>
+                <a:latin typeface="Calibri" panose="020F0502020204030204" pitchFamily="34" charset="0"/>
+              </a:defRPr>
+            </a:lvl8pPr>
+            <a:lvl9pPr marL="3886200" indent="-228600" eaLnBrk="0" fontAlgn="base" hangingPunct="0">
+              <a:spcBef>
+                <a:spcPct val="0"/>
+              </a:spcBef>
+              <a:spcAft>
+                <a:spcPct val="0"/>
+              </a:spcAft>
+              <a:defRPr>
+                <a:solidFill>
+                  <a:schemeClr val="tx1"/>
+                </a:solidFill>
+                <a:latin typeface="Calibri" panose="020F0502020204030204" pitchFamily="34" charset="0"/>
+              </a:defRPr>
+            </a:lvl9pPr>
+          </a:lstStyle>
+          <a:p>
+            <a:pPr algn="ctr"/>
+            <a:r>
+              <a:rPr lang="en-US" altLang="en-US" sz="1100" dirty="0">
+                <a:latin typeface="Arial" panose="020B0604020202020204" pitchFamily="34" charset="0"/>
+                <a:ea typeface="Amazon Ember" panose="020B0603020204020204" pitchFamily="34" charset="0"/>
+                <a:cs typeface="Arial" panose="020B0604020202020204" pitchFamily="34" charset="0"/>
+              </a:rPr>
+              <a:t>Configuration </a:t>
+            </a:r>
+          </a:p>
+          <a:p>
+            <a:pPr algn="ctr"/>
+            <a:r>
+              <a:rPr lang="en-US" altLang="en-US" sz="1100" dirty="0">
+                <a:latin typeface="Arial" panose="020B0604020202020204" pitchFamily="34" charset="0"/>
+                <a:ea typeface="Amazon Ember" panose="020B0603020204020204" pitchFamily="34" charset="0"/>
+                <a:cs typeface="Arial" panose="020B0604020202020204" pitchFamily="34" charset="0"/>
+              </a:rPr>
+              <a:t>Role</a:t>
+            </a:r>
+          </a:p>
+        </p:txBody>
+      </p:sp>
+      <p:pic>
+        <p:nvPicPr>
+          <p:cNvPr id="97" name="Graphic 49">
+            <a:extLst>
+              <a:ext uri="{FF2B5EF4-FFF2-40B4-BE49-F238E27FC236}">
+                <a16:creationId xmlns:a16="http://schemas.microsoft.com/office/drawing/2014/main" id="{142C67C1-85D4-884F-8467-EC8CEA4D39A7}"/>
+              </a:ext>
+            </a:extLst>
+          </p:cNvPr>
+          <p:cNvPicPr>
+            <a:picLocks noChangeAspect="1" noChangeArrowheads="1"/>
+          </p:cNvPicPr>
+          <p:nvPr/>
+        </p:nvPicPr>
+        <p:blipFill>
+          <a:blip r:embed="rId5">
+            <a:extLst>
+              <a:ext uri="{28A0092B-C50C-407E-A947-70E740481C1C}">
+                <a14:useLocalDpi xmlns:a14="http://schemas.microsoft.com/office/drawing/2010/main" val="0"/>
+              </a:ext>
+            </a:extLst>
+          </a:blip>
+          <a:srcRect/>
+          <a:stretch>
+            <a:fillRect/>
+          </a:stretch>
+        </p:blipFill>
+        <p:spPr bwMode="auto">
+          <a:xfrm>
+            <a:off x="8674971" y="4905316"/>
+            <a:ext cx="457200" cy="457200"/>
+          </a:xfrm>
+          <a:prstGeom prst="rect">
+            <a:avLst/>
+          </a:prstGeom>
+          <a:noFill/>
+          <a:ln>
+            <a:noFill/>
+          </a:ln>
+          <a:extLst>
+            <a:ext uri="{909E8E84-426E-40DD-AFC4-6F175D3DCCD1}">
+              <a14:hiddenFill xmlns:a14="http://schemas.microsoft.com/office/drawing/2010/main">
+                <a:solidFill>
+                  <a:srgbClr val="FFFFFF"/>
+                </a:solidFill>
+              </a14:hiddenFill>
+            </a:ext>
+            <a:ext uri="{91240B29-F687-4F45-9708-019B960494DF}">
+              <a14:hiddenLine xmlns:a14="http://schemas.microsoft.com/office/drawing/2010/main" w="9525">
+                <a:solidFill>
+                  <a:srgbClr val="000000"/>
+                </a:solidFill>
+                <a:miter lim="800000"/>
+                <a:headEnd/>
+                <a:tailEnd/>
+              </a14:hiddenLine>
+            </a:ext>
+          </a:extLst>
+        </p:spPr>
+      </p:pic>
+      <p:sp>
+        <p:nvSpPr>
+          <p:cNvPr id="98" name="Oval 97">
+            <a:extLst>
+              <a:ext uri="{FF2B5EF4-FFF2-40B4-BE49-F238E27FC236}">
+                <a16:creationId xmlns:a16="http://schemas.microsoft.com/office/drawing/2014/main" id="{CF03D907-C303-E248-85D2-6E9BA760D360}"/>
+              </a:ext>
+            </a:extLst>
+          </p:cNvPr>
+          <p:cNvSpPr/>
+          <p:nvPr/>
+        </p:nvSpPr>
+        <p:spPr>
+          <a:xfrm>
+            <a:off x="8506014" y="4963356"/>
+            <a:ext cx="253435" cy="212902"/>
+          </a:xfrm>
+          <a:prstGeom prst="ellipse">
+            <a:avLst/>
+          </a:prstGeom>
+          <a:solidFill>
+            <a:schemeClr val="tx1"/>
+          </a:solidFill>
+          <a:ln>
+            <a:solidFill>
+              <a:schemeClr val="tx1"/>
+            </a:solidFill>
+          </a:ln>
+        </p:spPr>
+        <p:style>
+          <a:lnRef idx="2">
+            <a:schemeClr val="accent1">
+              <a:shade val="50000"/>
+            </a:schemeClr>
+          </a:lnRef>
+          <a:fillRef idx="1">
+            <a:schemeClr val="accent1"/>
+          </a:fillRef>
+          <a:effectRef idx="0">
+            <a:schemeClr val="accent1"/>
+          </a:effectRef>
+          <a:fontRef idx="minor">
+            <a:schemeClr val="lt1"/>
+          </a:fontRef>
+        </p:style>
+        <p:txBody>
+          <a:bodyPr lIns="0" tIns="0" rIns="0" bIns="0" rtlCol="0" anchor="ctr"/>
+          <a:lstStyle/>
+          <a:p>
+            <a:pPr algn="ctr"/>
+            <a:r>
+              <a:rPr lang="en-US" sz="800" dirty="0">
+                <a:latin typeface="Arial" panose="020B0604020202020204" pitchFamily="34" charset="0"/>
+                <a:cs typeface="Arial" panose="020B0604020202020204" pitchFamily="34" charset="0"/>
+              </a:rPr>
+              <a:t>3.1</a:t>
+            </a:r>
+          </a:p>
+        </p:txBody>
+      </p:sp>
+      <p:sp>
+        <p:nvSpPr>
+          <p:cNvPr id="99" name="Rectangle 98">
+            <a:extLst>
+              <a:ext uri="{FF2B5EF4-FFF2-40B4-BE49-F238E27FC236}">
+                <a16:creationId xmlns:a16="http://schemas.microsoft.com/office/drawing/2014/main" id="{4B2670A8-11CF-694C-B441-E690B7BB0CAA}"/>
+              </a:ext>
+            </a:extLst>
+          </p:cNvPr>
+          <p:cNvSpPr/>
+          <p:nvPr/>
+        </p:nvSpPr>
+        <p:spPr>
+          <a:xfrm>
+            <a:off x="9729842" y="4548521"/>
+            <a:ext cx="1236216" cy="1398732"/>
+          </a:xfrm>
+          <a:prstGeom prst="rect">
+            <a:avLst/>
+          </a:prstGeom>
+          <a:noFill/>
+          <a:ln w="12700">
+            <a:solidFill>
+              <a:schemeClr val="tx1"/>
+            </a:solidFill>
+            <a:prstDash val="dash"/>
+          </a:ln>
+        </p:spPr>
+        <p:style>
+          <a:lnRef idx="2">
+            <a:schemeClr val="accent1">
+              <a:shade val="50000"/>
+            </a:schemeClr>
+          </a:lnRef>
+          <a:fillRef idx="1">
+            <a:schemeClr val="accent1"/>
+          </a:fillRef>
+          <a:effectRef idx="0">
+            <a:schemeClr val="accent1"/>
+          </a:effectRef>
+          <a:fontRef idx="minor">
+            <a:schemeClr val="lt1"/>
+          </a:fontRef>
+        </p:style>
+        <p:txBody>
+          <a:bodyPr rot="0" spcFirstLastPara="0" vertOverflow="overflow" horzOverflow="overflow" vert="horz" wrap="square" lIns="91440" tIns="0" rIns="91440" bIns="45720" numCol="1" spcCol="0" rtlCol="0" fromWordArt="0" anchor="t" anchorCtr="0" forceAA="0" compatLnSpc="1">
+            <a:noAutofit/>
+          </a:bodyPr>
+          <a:lstStyle/>
+          <a:p>
+            <a:r>
+              <a:rPr lang="en-US" sz="1100" b="1" dirty="0">
+                <a:solidFill>
+                  <a:schemeClr val="tx1"/>
+                </a:solidFill>
+                <a:latin typeface="Arial" panose="020B0604020202020204" pitchFamily="34" charset="0"/>
+                <a:cs typeface="Arial" panose="020B0604020202020204" pitchFamily="34" charset="0"/>
+              </a:rPr>
+              <a:t>region-1</a:t>
+            </a:r>
+          </a:p>
+        </p:txBody>
+      </p:sp>
+      <p:sp>
+        <p:nvSpPr>
+          <p:cNvPr id="100" name="Rectangle 99">
+            <a:extLst>
+              <a:ext uri="{FF2B5EF4-FFF2-40B4-BE49-F238E27FC236}">
+                <a16:creationId xmlns:a16="http://schemas.microsoft.com/office/drawing/2014/main" id="{53D9012E-A9AA-F04D-B5A5-ABC2C0B2E5A2}"/>
+              </a:ext>
+            </a:extLst>
+          </p:cNvPr>
+          <p:cNvSpPr/>
+          <p:nvPr/>
+        </p:nvSpPr>
+        <p:spPr>
+          <a:xfrm>
+            <a:off x="9826078" y="4769917"/>
+            <a:ext cx="1139980" cy="1177336"/>
+          </a:xfrm>
+          <a:prstGeom prst="rect">
+            <a:avLst/>
+          </a:prstGeom>
+          <a:noFill/>
+          <a:ln w="12700">
+            <a:solidFill>
+              <a:schemeClr val="tx1"/>
+            </a:solidFill>
+            <a:prstDash val="dash"/>
+          </a:ln>
+        </p:spPr>
+        <p:style>
+          <a:lnRef idx="2">
+            <a:schemeClr val="accent1">
+              <a:shade val="50000"/>
+            </a:schemeClr>
+          </a:lnRef>
+          <a:fillRef idx="1">
+            <a:schemeClr val="accent1"/>
+          </a:fillRef>
+          <a:effectRef idx="0">
+            <a:schemeClr val="accent1"/>
+          </a:effectRef>
+          <a:fontRef idx="minor">
+            <a:schemeClr val="lt1"/>
+          </a:fontRef>
+        </p:style>
+        <p:txBody>
+          <a:bodyPr rot="0" spcFirstLastPara="0" vertOverflow="overflow" horzOverflow="overflow" vert="horz" wrap="square" lIns="91440" tIns="0" rIns="91440" bIns="45720" numCol="1" spcCol="0" rtlCol="0" fromWordArt="0" anchor="t" anchorCtr="0" forceAA="0" compatLnSpc="1">
+            <a:noAutofit/>
+          </a:bodyPr>
+          <a:lstStyle/>
+          <a:p>
+            <a:r>
+              <a:rPr lang="en-US" sz="1100" b="1" dirty="0">
+                <a:solidFill>
+                  <a:schemeClr val="tx1"/>
+                </a:solidFill>
+                <a:latin typeface="Arial" panose="020B0604020202020204" pitchFamily="34" charset="0"/>
+                <a:cs typeface="Arial" panose="020B0604020202020204" pitchFamily="34" charset="0"/>
+              </a:rPr>
+              <a:t>region-2</a:t>
+            </a:r>
+          </a:p>
+        </p:txBody>
+      </p:sp>
+      <p:sp>
+        <p:nvSpPr>
+          <p:cNvPr id="101" name="Rectangle 100">
+            <a:extLst>
+              <a:ext uri="{FF2B5EF4-FFF2-40B4-BE49-F238E27FC236}">
+                <a16:creationId xmlns:a16="http://schemas.microsoft.com/office/drawing/2014/main" id="{DA8DA2D9-5C2F-9747-BEF0-1712ACBC7552}"/>
+              </a:ext>
+            </a:extLst>
+          </p:cNvPr>
+          <p:cNvSpPr/>
+          <p:nvPr/>
+        </p:nvSpPr>
+        <p:spPr>
+          <a:xfrm>
+            <a:off x="9907374" y="4995470"/>
+            <a:ext cx="1058684" cy="951783"/>
+          </a:xfrm>
+          <a:prstGeom prst="rect">
+            <a:avLst/>
+          </a:prstGeom>
+          <a:noFill/>
+          <a:ln w="12700">
+            <a:solidFill>
+              <a:schemeClr val="tx1"/>
+            </a:solidFill>
+            <a:prstDash val="dash"/>
+          </a:ln>
+        </p:spPr>
+        <p:style>
+          <a:lnRef idx="2">
+            <a:schemeClr val="accent1">
+              <a:shade val="50000"/>
+            </a:schemeClr>
+          </a:lnRef>
+          <a:fillRef idx="1">
+            <a:schemeClr val="accent1"/>
+          </a:fillRef>
+          <a:effectRef idx="0">
+            <a:schemeClr val="accent1"/>
+          </a:effectRef>
+          <a:fontRef idx="minor">
+            <a:schemeClr val="lt1"/>
+          </a:fontRef>
+        </p:style>
+        <p:txBody>
+          <a:bodyPr rot="0" spcFirstLastPara="0" vertOverflow="overflow" horzOverflow="overflow" vert="horz" wrap="square" lIns="91440" tIns="0" rIns="91440" bIns="45720" numCol="1" spcCol="0" rtlCol="0" fromWordArt="0" anchor="t" anchorCtr="0" forceAA="0" compatLnSpc="1">
+            <a:noAutofit/>
+          </a:bodyPr>
+          <a:lstStyle/>
+          <a:p>
+            <a:r>
+              <a:rPr lang="en-US" sz="1100" b="1" dirty="0">
+                <a:solidFill>
+                  <a:schemeClr val="tx1"/>
+                </a:solidFill>
+                <a:latin typeface="Arial" panose="020B0604020202020204" pitchFamily="34" charset="0"/>
+                <a:cs typeface="Arial" panose="020B0604020202020204" pitchFamily="34" charset="0"/>
+              </a:rPr>
+              <a:t>region-n</a:t>
+            </a:r>
+          </a:p>
+        </p:txBody>
+      </p:sp>
+      <p:sp>
+        <p:nvSpPr>
+          <p:cNvPr id="113" name="Rectangle 112">
+            <a:extLst>
+              <a:ext uri="{FF2B5EF4-FFF2-40B4-BE49-F238E27FC236}">
+                <a16:creationId xmlns:a16="http://schemas.microsoft.com/office/drawing/2014/main" id="{72A71EB1-7660-1644-8F82-9E88364BD5A6}"/>
+              </a:ext>
+            </a:extLst>
+          </p:cNvPr>
+          <p:cNvSpPr/>
+          <p:nvPr/>
+        </p:nvSpPr>
+        <p:spPr>
+          <a:xfrm>
+            <a:off x="6262745" y="2237529"/>
+            <a:ext cx="1236216" cy="1399834"/>
+          </a:xfrm>
+          <a:prstGeom prst="rect">
+            <a:avLst/>
+          </a:prstGeom>
+          <a:noFill/>
+          <a:ln w="12700">
+            <a:solidFill>
+              <a:schemeClr val="tx1"/>
+            </a:solidFill>
+            <a:prstDash val="dash"/>
+          </a:ln>
+        </p:spPr>
+        <p:style>
+          <a:lnRef idx="2">
+            <a:schemeClr val="accent1">
+              <a:shade val="50000"/>
+            </a:schemeClr>
+          </a:lnRef>
+          <a:fillRef idx="1">
+            <a:schemeClr val="accent1"/>
+          </a:fillRef>
+          <a:effectRef idx="0">
+            <a:schemeClr val="accent1"/>
+          </a:effectRef>
+          <a:fontRef idx="minor">
+            <a:schemeClr val="lt1"/>
+          </a:fontRef>
+        </p:style>
+        <p:txBody>
+          <a:bodyPr rot="0" spcFirstLastPara="0" vertOverflow="overflow" horzOverflow="overflow" vert="horz" wrap="square" lIns="91440" tIns="0" rIns="91440" bIns="45720" numCol="1" spcCol="0" rtlCol="0" fromWordArt="0" anchor="t" anchorCtr="0" forceAA="0" compatLnSpc="1">
+            <a:noAutofit/>
+          </a:bodyPr>
+          <a:lstStyle/>
+          <a:p>
+            <a:r>
+              <a:rPr lang="en-US" sz="1100" b="1" dirty="0">
+                <a:solidFill>
+                  <a:schemeClr val="tx1"/>
+                </a:solidFill>
+                <a:latin typeface="Arial" panose="020B0604020202020204" pitchFamily="34" charset="0"/>
+                <a:cs typeface="Arial" panose="020B0604020202020204" pitchFamily="34" charset="0"/>
+              </a:rPr>
+              <a:t>region-1</a:t>
+            </a:r>
+          </a:p>
+        </p:txBody>
+      </p:sp>
+      <p:sp>
+        <p:nvSpPr>
+          <p:cNvPr id="114" name="Rectangle 113">
+            <a:extLst>
+              <a:ext uri="{FF2B5EF4-FFF2-40B4-BE49-F238E27FC236}">
+                <a16:creationId xmlns:a16="http://schemas.microsoft.com/office/drawing/2014/main" id="{D0B2400D-49F3-C14F-94BF-F47D1BAEC1CD}"/>
+              </a:ext>
+            </a:extLst>
+          </p:cNvPr>
+          <p:cNvSpPr/>
+          <p:nvPr/>
+        </p:nvSpPr>
+        <p:spPr>
+          <a:xfrm>
+            <a:off x="6358981" y="2458925"/>
+            <a:ext cx="1139980" cy="1177336"/>
+          </a:xfrm>
+          <a:prstGeom prst="rect">
+            <a:avLst/>
+          </a:prstGeom>
+          <a:noFill/>
+          <a:ln w="12700">
+            <a:solidFill>
+              <a:schemeClr val="tx1"/>
+            </a:solidFill>
+            <a:prstDash val="dash"/>
+          </a:ln>
+        </p:spPr>
+        <p:style>
+          <a:lnRef idx="2">
+            <a:schemeClr val="accent1">
+              <a:shade val="50000"/>
+            </a:schemeClr>
+          </a:lnRef>
+          <a:fillRef idx="1">
+            <a:schemeClr val="accent1"/>
+          </a:fillRef>
+          <a:effectRef idx="0">
+            <a:schemeClr val="accent1"/>
+          </a:effectRef>
+          <a:fontRef idx="minor">
+            <a:schemeClr val="lt1"/>
+          </a:fontRef>
+        </p:style>
+        <p:txBody>
+          <a:bodyPr rot="0" spcFirstLastPara="0" vertOverflow="overflow" horzOverflow="overflow" vert="horz" wrap="square" lIns="91440" tIns="0" rIns="91440" bIns="45720" numCol="1" spcCol="0" rtlCol="0" fromWordArt="0" anchor="t" anchorCtr="0" forceAA="0" compatLnSpc="1">
+            <a:noAutofit/>
+          </a:bodyPr>
+          <a:lstStyle/>
+          <a:p>
+            <a:r>
+              <a:rPr lang="en-US" sz="1100" b="1" dirty="0">
+                <a:solidFill>
+                  <a:schemeClr val="tx1"/>
+                </a:solidFill>
+                <a:latin typeface="Arial" panose="020B0604020202020204" pitchFamily="34" charset="0"/>
+                <a:cs typeface="Arial" panose="020B0604020202020204" pitchFamily="34" charset="0"/>
+              </a:rPr>
+              <a:t>region-2</a:t>
+            </a:r>
+          </a:p>
+        </p:txBody>
+      </p:sp>
+      <p:sp>
+        <p:nvSpPr>
+          <p:cNvPr id="115" name="Rectangle 114">
+            <a:extLst>
+              <a:ext uri="{FF2B5EF4-FFF2-40B4-BE49-F238E27FC236}">
+                <a16:creationId xmlns:a16="http://schemas.microsoft.com/office/drawing/2014/main" id="{7A361719-6E8F-0E48-B536-033B29B1530B}"/>
+              </a:ext>
+            </a:extLst>
+          </p:cNvPr>
+          <p:cNvSpPr/>
+          <p:nvPr/>
+        </p:nvSpPr>
+        <p:spPr>
+          <a:xfrm>
+            <a:off x="6440277" y="2684478"/>
+            <a:ext cx="1058684" cy="951784"/>
+          </a:xfrm>
+          <a:prstGeom prst="rect">
+            <a:avLst/>
+          </a:prstGeom>
+          <a:noFill/>
+          <a:ln w="12700">
+            <a:solidFill>
+              <a:schemeClr val="tx1"/>
+            </a:solidFill>
+            <a:prstDash val="dash"/>
+          </a:ln>
+        </p:spPr>
+        <p:style>
+          <a:lnRef idx="2">
+            <a:schemeClr val="accent1">
+              <a:shade val="50000"/>
+            </a:schemeClr>
+          </a:lnRef>
+          <a:fillRef idx="1">
+            <a:schemeClr val="accent1"/>
+          </a:fillRef>
+          <a:effectRef idx="0">
+            <a:schemeClr val="accent1"/>
+          </a:effectRef>
+          <a:fontRef idx="minor">
+            <a:schemeClr val="lt1"/>
+          </a:fontRef>
+        </p:style>
+        <p:txBody>
+          <a:bodyPr rot="0" spcFirstLastPara="0" vertOverflow="overflow" horzOverflow="overflow" vert="horz" wrap="square" lIns="91440" tIns="0" rIns="91440" bIns="45720" numCol="1" spcCol="0" rtlCol="0" fromWordArt="0" anchor="t" anchorCtr="0" forceAA="0" compatLnSpc="1">
+            <a:noAutofit/>
+          </a:bodyPr>
+          <a:lstStyle/>
+          <a:p>
+            <a:r>
+              <a:rPr lang="en-US" sz="1100" b="1" dirty="0">
+                <a:solidFill>
+                  <a:schemeClr val="tx1"/>
+                </a:solidFill>
+                <a:latin typeface="Arial" panose="020B0604020202020204" pitchFamily="34" charset="0"/>
+                <a:cs typeface="Arial" panose="020B0604020202020204" pitchFamily="34" charset="0"/>
+              </a:rPr>
+              <a:t>region-n</a:t>
+            </a:r>
+          </a:p>
+        </p:txBody>
+      </p:sp>
+      <p:sp>
+        <p:nvSpPr>
+          <p:cNvPr id="116" name="TextBox 115">
+            <a:extLst>
+              <a:ext uri="{FF2B5EF4-FFF2-40B4-BE49-F238E27FC236}">
+                <a16:creationId xmlns:a16="http://schemas.microsoft.com/office/drawing/2014/main" id="{048F5901-3353-3F4F-9724-3570CA206207}"/>
+              </a:ext>
+            </a:extLst>
+          </p:cNvPr>
+          <p:cNvSpPr txBox="1"/>
+          <p:nvPr/>
+        </p:nvSpPr>
+        <p:spPr>
+          <a:xfrm>
+            <a:off x="6229019" y="3351527"/>
+            <a:ext cx="1387582" cy="261610"/>
+          </a:xfrm>
+          <a:prstGeom prst="rect">
+            <a:avLst/>
+          </a:prstGeom>
+          <a:noFill/>
+        </p:spPr>
+        <p:txBody>
+          <a:bodyPr wrap="square" rtlCol="0">
+            <a:spAutoFit/>
+          </a:bodyPr>
+          <a:lstStyle/>
+          <a:p>
+            <a:pPr algn="ctr"/>
+            <a:r>
+              <a:rPr lang="en-US" altLang="en-US" sz="1100" dirty="0">
+                <a:latin typeface="Arial" panose="020B0604020202020204" pitchFamily="34" charset="0"/>
+                <a:ea typeface="Amazon Ember" panose="020B0603020204020204" pitchFamily="34" charset="0"/>
+                <a:cs typeface="Arial" panose="020B0604020202020204" pitchFamily="34" charset="0"/>
+              </a:rPr>
+              <a:t>Inspector</a:t>
+            </a:r>
+          </a:p>
+        </p:txBody>
+      </p:sp>
+      <p:sp>
+        <p:nvSpPr>
+          <p:cNvPr id="119" name="TextBox 2">
+            <a:extLst>
+              <a:ext uri="{FF2B5EF4-FFF2-40B4-BE49-F238E27FC236}">
+                <a16:creationId xmlns:a16="http://schemas.microsoft.com/office/drawing/2014/main" id="{09D97EC6-0028-0C4E-9A5E-FDAE7961F522}"/>
+              </a:ext>
+            </a:extLst>
+          </p:cNvPr>
+          <p:cNvSpPr txBox="1"/>
+          <p:nvPr/>
+        </p:nvSpPr>
+        <p:spPr>
+          <a:xfrm>
+            <a:off x="4188733" y="3152490"/>
+            <a:ext cx="1273984" cy="261610"/>
+          </a:xfrm>
+          <a:prstGeom prst="rect">
+            <a:avLst/>
+          </a:prstGeom>
+          <a:noFill/>
+        </p:spPr>
+        <p:style>
+          <a:lnRef idx="0">
+            <a:scrgbClr r="0" g="0" b="0"/>
+          </a:lnRef>
+          <a:fillRef idx="0">
+            <a:scrgbClr r="0" g="0" b="0"/>
+          </a:fillRef>
+          <a:effectRef idx="0">
+            <a:scrgbClr r="0" g="0" b="0"/>
+          </a:effectRef>
+          <a:fontRef idx="major"/>
+        </p:style>
+        <p:txBody>
+          <a:bodyPr wrap="square" rtlCol="0">
+            <a:spAutoFit/>
+          </a:bodyPr>
+          <a:lstStyle>
+            <a:lvl1pPr>
+              <a:defRPr>
+                <a:latin typeface="+mj-lt"/>
+                <a:ea typeface="+mj-ea"/>
+                <a:cs typeface="+mj-cs"/>
+              </a:defRPr>
+            </a:lvl1pPr>
+            <a:lvl2pPr>
+              <a:defRPr>
+                <a:latin typeface="+mj-lt"/>
+                <a:ea typeface="+mj-ea"/>
+                <a:cs typeface="+mj-cs"/>
+              </a:defRPr>
+            </a:lvl2pPr>
+            <a:lvl3pPr>
+              <a:defRPr>
+                <a:latin typeface="+mj-lt"/>
+                <a:ea typeface="+mj-ea"/>
+                <a:cs typeface="+mj-cs"/>
+              </a:defRPr>
+            </a:lvl3pPr>
+            <a:lvl4pPr>
+              <a:defRPr>
+                <a:latin typeface="+mj-lt"/>
+                <a:ea typeface="+mj-ea"/>
+                <a:cs typeface="+mj-cs"/>
+              </a:defRPr>
+            </a:lvl4pPr>
+            <a:lvl5pPr>
+              <a:defRPr>
+                <a:latin typeface="+mj-lt"/>
+                <a:ea typeface="+mj-ea"/>
+                <a:cs typeface="+mj-cs"/>
+              </a:defRPr>
+            </a:lvl5pPr>
+            <a:lvl6pPr>
+              <a:defRPr>
+                <a:latin typeface="+mj-lt"/>
+                <a:ea typeface="+mj-ea"/>
+                <a:cs typeface="+mj-cs"/>
+              </a:defRPr>
+            </a:lvl6pPr>
+            <a:lvl7pPr>
+              <a:defRPr>
+                <a:latin typeface="+mj-lt"/>
+                <a:ea typeface="+mj-ea"/>
+                <a:cs typeface="+mj-cs"/>
+              </a:defRPr>
+            </a:lvl7pPr>
+            <a:lvl8pPr>
+              <a:defRPr>
+                <a:latin typeface="+mj-lt"/>
+                <a:ea typeface="+mj-ea"/>
+                <a:cs typeface="+mj-cs"/>
+              </a:defRPr>
+            </a:lvl8pPr>
+            <a:lvl9pPr>
+              <a:defRPr>
+                <a:latin typeface="+mj-lt"/>
+                <a:ea typeface="+mj-ea"/>
+                <a:cs typeface="+mj-cs"/>
+              </a:defRPr>
+            </a:lvl9pPr>
+          </a:lstStyle>
+          <a:p>
+            <a:pPr algn="ctr"/>
+            <a:r>
+              <a:rPr lang="en-US" sz="1100" dirty="0">
+                <a:latin typeface="Arial" panose="020B0604020202020204" pitchFamily="34" charset="0"/>
+                <a:cs typeface="Arial" panose="020B0604020202020204" pitchFamily="34" charset="0"/>
+              </a:rPr>
+              <a:t>Lambda Function</a:t>
+            </a:r>
+          </a:p>
+        </p:txBody>
+      </p:sp>
+      <p:sp>
+        <p:nvSpPr>
+          <p:cNvPr id="120" name="TextBox 2">
+            <a:extLst>
+              <a:ext uri="{FF2B5EF4-FFF2-40B4-BE49-F238E27FC236}">
+                <a16:creationId xmlns:a16="http://schemas.microsoft.com/office/drawing/2014/main" id="{45754691-70CD-3F46-A03E-D5A1C0A380AF}"/>
+              </a:ext>
+            </a:extLst>
+          </p:cNvPr>
+          <p:cNvSpPr txBox="1"/>
+          <p:nvPr/>
+        </p:nvSpPr>
+        <p:spPr>
+          <a:xfrm>
+            <a:off x="4386370" y="4102178"/>
+            <a:ext cx="1098724" cy="430887"/>
+          </a:xfrm>
+          <a:prstGeom prst="rect">
+            <a:avLst/>
+          </a:prstGeom>
+          <a:noFill/>
+        </p:spPr>
+        <p:style>
+          <a:lnRef idx="0">
+            <a:scrgbClr r="0" g="0" b="0"/>
+          </a:lnRef>
+          <a:fillRef idx="0">
+            <a:scrgbClr r="0" g="0" b="0"/>
+          </a:fillRef>
+          <a:effectRef idx="0">
+            <a:scrgbClr r="0" g="0" b="0"/>
+          </a:effectRef>
+          <a:fontRef idx="major"/>
+        </p:style>
+        <p:txBody>
+          <a:bodyPr wrap="square" rtlCol="0">
+            <a:spAutoFit/>
+          </a:bodyPr>
+          <a:lstStyle>
+            <a:lvl1pPr>
+              <a:defRPr>
+                <a:latin typeface="+mj-lt"/>
+                <a:ea typeface="+mj-ea"/>
+                <a:cs typeface="+mj-cs"/>
+              </a:defRPr>
+            </a:lvl1pPr>
+            <a:lvl2pPr>
+              <a:defRPr>
+                <a:latin typeface="+mj-lt"/>
+                <a:ea typeface="+mj-ea"/>
+                <a:cs typeface="+mj-cs"/>
+              </a:defRPr>
+            </a:lvl2pPr>
+            <a:lvl3pPr>
+              <a:defRPr>
+                <a:latin typeface="+mj-lt"/>
+                <a:ea typeface="+mj-ea"/>
+                <a:cs typeface="+mj-cs"/>
+              </a:defRPr>
+            </a:lvl3pPr>
+            <a:lvl4pPr>
+              <a:defRPr>
+                <a:latin typeface="+mj-lt"/>
+                <a:ea typeface="+mj-ea"/>
+                <a:cs typeface="+mj-cs"/>
+              </a:defRPr>
+            </a:lvl4pPr>
+            <a:lvl5pPr>
+              <a:defRPr>
+                <a:latin typeface="+mj-lt"/>
+                <a:ea typeface="+mj-ea"/>
+                <a:cs typeface="+mj-cs"/>
+              </a:defRPr>
+            </a:lvl5pPr>
+            <a:lvl6pPr>
+              <a:defRPr>
+                <a:latin typeface="+mj-lt"/>
+                <a:ea typeface="+mj-ea"/>
+                <a:cs typeface="+mj-cs"/>
+              </a:defRPr>
+            </a:lvl6pPr>
+            <a:lvl7pPr>
+              <a:defRPr>
+                <a:latin typeface="+mj-lt"/>
+                <a:ea typeface="+mj-ea"/>
+                <a:cs typeface="+mj-cs"/>
+              </a:defRPr>
+            </a:lvl7pPr>
+            <a:lvl8pPr>
+              <a:defRPr>
+                <a:latin typeface="+mj-lt"/>
+                <a:ea typeface="+mj-ea"/>
+                <a:cs typeface="+mj-cs"/>
+              </a:defRPr>
+            </a:lvl8pPr>
+            <a:lvl9pPr>
+              <a:defRPr>
+                <a:latin typeface="+mj-lt"/>
+                <a:ea typeface="+mj-ea"/>
+                <a:cs typeface="+mj-cs"/>
+              </a:defRPr>
+            </a:lvl9pPr>
+          </a:lstStyle>
+          <a:p>
+            <a:pPr algn="ctr"/>
+            <a:r>
+              <a:rPr lang="en-US" sz="1100" dirty="0">
+                <a:latin typeface="Arial" panose="020B0604020202020204" pitchFamily="34" charset="0"/>
+                <a:cs typeface="Arial" panose="020B0604020202020204" pitchFamily="34" charset="0"/>
+              </a:rPr>
+              <a:t>CloudWatch Log Group</a:t>
+            </a:r>
+          </a:p>
+        </p:txBody>
+      </p:sp>
+      <p:sp>
+        <p:nvSpPr>
+          <p:cNvPr id="127" name="Oval 126">
+            <a:extLst>
+              <a:ext uri="{FF2B5EF4-FFF2-40B4-BE49-F238E27FC236}">
+                <a16:creationId xmlns:a16="http://schemas.microsoft.com/office/drawing/2014/main" id="{DABAD47C-74DD-2144-AA9E-4148BBC990CA}"/>
+              </a:ext>
+            </a:extLst>
+          </p:cNvPr>
+          <p:cNvSpPr/>
+          <p:nvPr/>
+        </p:nvSpPr>
+        <p:spPr>
+          <a:xfrm>
+            <a:off x="4415306" y="3749771"/>
+            <a:ext cx="253435" cy="212902"/>
+          </a:xfrm>
+          <a:prstGeom prst="ellipse">
+            <a:avLst/>
+          </a:prstGeom>
+          <a:solidFill>
+            <a:schemeClr val="tx1"/>
+          </a:solidFill>
+          <a:ln>
+            <a:solidFill>
+              <a:schemeClr val="tx1"/>
+            </a:solidFill>
+          </a:ln>
+        </p:spPr>
+        <p:style>
+          <a:lnRef idx="2">
+            <a:schemeClr val="accent1">
+              <a:shade val="50000"/>
+            </a:schemeClr>
+          </a:lnRef>
+          <a:fillRef idx="1">
+            <a:schemeClr val="accent1"/>
+          </a:fillRef>
+          <a:effectRef idx="0">
+            <a:schemeClr val="accent1"/>
+          </a:effectRef>
+          <a:fontRef idx="minor">
+            <a:schemeClr val="lt1"/>
+          </a:fontRef>
+        </p:style>
+        <p:txBody>
+          <a:bodyPr lIns="0" tIns="0" rIns="0" bIns="0" rtlCol="0" anchor="ctr"/>
+          <a:lstStyle/>
+          <a:p>
+            <a:pPr algn="ctr"/>
+            <a:r>
+              <a:rPr lang="en-US" sz="800" dirty="0">
+                <a:latin typeface="Arial" panose="020B0604020202020204" pitchFamily="34" charset="0"/>
+                <a:cs typeface="Arial" panose="020B0604020202020204" pitchFamily="34" charset="0"/>
+              </a:rPr>
+              <a:t>1.7</a:t>
+            </a:r>
+          </a:p>
+        </p:txBody>
+      </p:sp>
+      <p:pic>
+        <p:nvPicPr>
+          <p:cNvPr id="134" name="Graphic 13">
+            <a:extLst>
+              <a:ext uri="{FF2B5EF4-FFF2-40B4-BE49-F238E27FC236}">
+                <a16:creationId xmlns:a16="http://schemas.microsoft.com/office/drawing/2014/main" id="{E264F702-84AB-5049-8F85-097823504F5F}"/>
+              </a:ext>
+            </a:extLst>
+          </p:cNvPr>
+          <p:cNvPicPr>
+            <a:picLocks noChangeAspect="1" noChangeArrowheads="1"/>
+          </p:cNvPicPr>
+          <p:nvPr/>
+        </p:nvPicPr>
+        <p:blipFill>
+          <a:blip r:embed="rId7">
+            <a:extLst>
+              <a:ext uri="{28A0092B-C50C-407E-A947-70E740481C1C}">
+                <a14:useLocalDpi xmlns:a14="http://schemas.microsoft.com/office/drawing/2010/main" val="0"/>
+              </a:ext>
+            </a:extLst>
+          </a:blip>
+          <a:srcRect/>
+          <a:stretch>
+            <a:fillRect/>
+          </a:stretch>
+        </p:blipFill>
+        <p:spPr bwMode="auto">
+          <a:xfrm>
+            <a:off x="4598218" y="2700794"/>
+            <a:ext cx="457200" cy="457200"/>
+          </a:xfrm>
+          <a:prstGeom prst="rect">
+            <a:avLst/>
+          </a:prstGeom>
+          <a:noFill/>
+          <a:ln>
+            <a:noFill/>
+          </a:ln>
+          <a:extLst>
+            <a:ext uri="{909E8E84-426E-40DD-AFC4-6F175D3DCCD1}">
+              <a14:hiddenFill xmlns:a14="http://schemas.microsoft.com/office/drawing/2010/main">
+                <a:solidFill>
+                  <a:srgbClr val="FFFFFF"/>
+                </a:solidFill>
+              </a14:hiddenFill>
+            </a:ext>
+            <a:ext uri="{91240B29-F687-4F45-9708-019B960494DF}">
+              <a14:hiddenLine xmlns:a14="http://schemas.microsoft.com/office/drawing/2010/main" w="9525">
+                <a:solidFill>
+                  <a:srgbClr val="000000"/>
+                </a:solidFill>
+                <a:miter lim="800000"/>
+                <a:headEnd/>
+                <a:tailEnd/>
+              </a14:hiddenLine>
+            </a:ext>
+          </a:extLst>
+        </p:spPr>
+      </p:pic>
+      <p:sp>
+        <p:nvSpPr>
+          <p:cNvPr id="135" name="Oval 134">
+            <a:extLst>
+              <a:ext uri="{FF2B5EF4-FFF2-40B4-BE49-F238E27FC236}">
+                <a16:creationId xmlns:a16="http://schemas.microsoft.com/office/drawing/2014/main" id="{2AA7BBCB-A999-5247-BBC2-FD57DEA7AABD}"/>
+              </a:ext>
+            </a:extLst>
+          </p:cNvPr>
+          <p:cNvSpPr/>
+          <p:nvPr/>
+        </p:nvSpPr>
+        <p:spPr>
+          <a:xfrm>
+            <a:off x="4437113" y="2613295"/>
+            <a:ext cx="253435" cy="212902"/>
+          </a:xfrm>
+          <a:prstGeom prst="ellipse">
+            <a:avLst/>
+          </a:prstGeom>
+          <a:solidFill>
+            <a:schemeClr val="tx1"/>
+          </a:solidFill>
+          <a:ln>
+            <a:solidFill>
+              <a:schemeClr val="tx1"/>
+            </a:solidFill>
+          </a:ln>
+        </p:spPr>
+        <p:style>
+          <a:lnRef idx="2">
+            <a:schemeClr val="accent1">
+              <a:shade val="50000"/>
+            </a:schemeClr>
+          </a:lnRef>
+          <a:fillRef idx="1">
+            <a:schemeClr val="accent1"/>
+          </a:fillRef>
+          <a:effectRef idx="0">
+            <a:schemeClr val="accent1"/>
+          </a:effectRef>
+          <a:fontRef idx="minor">
+            <a:schemeClr val="lt1"/>
+          </a:fontRef>
+        </p:style>
+        <p:txBody>
+          <a:bodyPr lIns="0" tIns="0" rIns="0" bIns="0" rtlCol="0" anchor="ctr"/>
+          <a:lstStyle/>
+          <a:p>
+            <a:pPr algn="ctr"/>
+            <a:r>
+              <a:rPr lang="en-US" sz="800" dirty="0">
+                <a:latin typeface="Arial" panose="020B0604020202020204" pitchFamily="34" charset="0"/>
+                <a:cs typeface="Arial" panose="020B0604020202020204" pitchFamily="34" charset="0"/>
+              </a:rPr>
+              <a:t>1.6</a:t>
+            </a:r>
+          </a:p>
+        </p:txBody>
+      </p:sp>
+      <p:pic>
+        <p:nvPicPr>
+          <p:cNvPr id="137" name="Graphic 7">
+            <a:extLst>
+              <a:ext uri="{FF2B5EF4-FFF2-40B4-BE49-F238E27FC236}">
+                <a16:creationId xmlns:a16="http://schemas.microsoft.com/office/drawing/2014/main" id="{17D44A4F-DA13-4649-B3FC-C06000F8C2B5}"/>
+              </a:ext>
+            </a:extLst>
+          </p:cNvPr>
+          <p:cNvPicPr>
+            <a:picLocks noChangeAspect="1" noChangeArrowheads="1"/>
+          </p:cNvPicPr>
+          <p:nvPr/>
+        </p:nvPicPr>
+        <p:blipFill>
+          <a:blip r:embed="rId8">
+            <a:extLst>
+              <a:ext uri="{28A0092B-C50C-407E-A947-70E740481C1C}">
+                <a14:useLocalDpi xmlns:a14="http://schemas.microsoft.com/office/drawing/2010/main" val="0"/>
+              </a:ext>
+            </a:extLst>
+          </a:blip>
+          <a:srcRect/>
+          <a:stretch>
+            <a:fillRect/>
+          </a:stretch>
+        </p:blipFill>
+        <p:spPr bwMode="auto">
+          <a:xfrm>
+            <a:off x="4709858" y="3684586"/>
+            <a:ext cx="457200" cy="457200"/>
+          </a:xfrm>
+          <a:prstGeom prst="rect">
+            <a:avLst/>
+          </a:prstGeom>
+          <a:noFill/>
+          <a:ln>
+            <a:noFill/>
+          </a:ln>
+          <a:extLst>
+            <a:ext uri="{909E8E84-426E-40DD-AFC4-6F175D3DCCD1}">
+              <a14:hiddenFill xmlns:a14="http://schemas.microsoft.com/office/drawing/2010/main">
+                <a:solidFill>
+                  <a:srgbClr val="FFFFFF"/>
+                </a:solidFill>
+              </a14:hiddenFill>
+            </a:ext>
+            <a:ext uri="{91240B29-F687-4F45-9708-019B960494DF}">
+              <a14:hiddenLine xmlns:a14="http://schemas.microsoft.com/office/drawing/2010/main" w="9525">
+                <a:solidFill>
+                  <a:srgbClr val="000000"/>
+                </a:solidFill>
+                <a:miter lim="800000"/>
+                <a:headEnd/>
+                <a:tailEnd/>
+              </a14:hiddenLine>
+            </a:ext>
+          </a:extLst>
+        </p:spPr>
+      </p:pic>
+      <p:cxnSp>
+        <p:nvCxnSpPr>
+          <p:cNvPr id="139" name="Straight Arrow Connector 138">
+            <a:extLst>
+              <a:ext uri="{FF2B5EF4-FFF2-40B4-BE49-F238E27FC236}">
+                <a16:creationId xmlns:a16="http://schemas.microsoft.com/office/drawing/2014/main" id="{6F9F1E92-7045-184F-BEF3-EB4718C2FDD4}"/>
+              </a:ext>
+            </a:extLst>
+          </p:cNvPr>
+          <p:cNvCxnSpPr>
+            <a:cxnSpLocks/>
+          </p:cNvCxnSpPr>
+          <p:nvPr/>
+        </p:nvCxnSpPr>
+        <p:spPr>
+          <a:xfrm>
+            <a:off x="5247932" y="2912483"/>
+            <a:ext cx="702510" cy="0"/>
+          </a:xfrm>
+          <a:prstGeom prst="straightConnector1">
+            <a:avLst/>
+          </a:prstGeom>
+          <a:ln>
+            <a:tailEnd type="triangle"/>
+          </a:ln>
+        </p:spPr>
+        <p:style>
+          <a:lnRef idx="1">
+            <a:schemeClr val="dk1"/>
+          </a:lnRef>
+          <a:fillRef idx="0">
+            <a:schemeClr val="dk1"/>
+          </a:fillRef>
+          <a:effectRef idx="0">
+            <a:schemeClr val="dk1"/>
+          </a:effectRef>
+          <a:fontRef idx="minor">
+            <a:schemeClr val="tx1"/>
+          </a:fontRef>
+        </p:style>
+      </p:cxnSp>
+      <p:cxnSp>
+        <p:nvCxnSpPr>
+          <p:cNvPr id="142" name="Straight Arrow Connector 141">
+            <a:extLst>
+              <a:ext uri="{FF2B5EF4-FFF2-40B4-BE49-F238E27FC236}">
+                <a16:creationId xmlns:a16="http://schemas.microsoft.com/office/drawing/2014/main" id="{6AC1F448-93BB-DF44-8A4D-6BA33939E91A}"/>
+              </a:ext>
+            </a:extLst>
+          </p:cNvPr>
+          <p:cNvCxnSpPr>
+            <a:cxnSpLocks/>
+          </p:cNvCxnSpPr>
+          <p:nvPr/>
+        </p:nvCxnSpPr>
+        <p:spPr>
+          <a:xfrm flipV="1">
+            <a:off x="4840764" y="2147695"/>
+            <a:ext cx="0" cy="465600"/>
+          </a:xfrm>
+          <a:prstGeom prst="straightConnector1">
+            <a:avLst/>
+          </a:prstGeom>
+          <a:ln>
+            <a:tailEnd type="triangle"/>
+          </a:ln>
+        </p:spPr>
+        <p:style>
+          <a:lnRef idx="1">
+            <a:schemeClr val="dk1"/>
+          </a:lnRef>
+          <a:fillRef idx="0">
+            <a:schemeClr val="dk1"/>
+          </a:fillRef>
+          <a:effectRef idx="0">
+            <a:schemeClr val="dk1"/>
+          </a:effectRef>
+          <a:fontRef idx="minor">
+            <a:schemeClr val="tx1"/>
+          </a:fontRef>
+        </p:style>
+      </p:cxnSp>
+      <p:pic>
+        <p:nvPicPr>
+          <p:cNvPr id="143" name="Graphic 17">
+            <a:extLst>
+              <a:ext uri="{FF2B5EF4-FFF2-40B4-BE49-F238E27FC236}">
+                <a16:creationId xmlns:a16="http://schemas.microsoft.com/office/drawing/2014/main" id="{C463399F-CD72-F24D-BC42-32926859F30A}"/>
+              </a:ext>
+            </a:extLst>
+          </p:cNvPr>
+          <p:cNvPicPr>
+            <a:picLocks noChangeAspect="1" noChangeArrowheads="1"/>
+          </p:cNvPicPr>
+          <p:nvPr/>
+        </p:nvPicPr>
+        <p:blipFill>
+          <a:blip r:embed="rId9">
+            <a:extLst>
+              <a:ext uri="{28A0092B-C50C-407E-A947-70E740481C1C}">
+                <a14:useLocalDpi xmlns:a14="http://schemas.microsoft.com/office/drawing/2010/main" val="0"/>
+              </a:ext>
+            </a:extLst>
+          </a:blip>
+          <a:srcRect/>
+          <a:stretch>
+            <a:fillRect/>
+          </a:stretch>
+        </p:blipFill>
+        <p:spPr bwMode="auto">
+          <a:xfrm>
+            <a:off x="5574109" y="1347069"/>
+            <a:ext cx="457200" cy="457200"/>
+          </a:xfrm>
+          <a:prstGeom prst="rect">
+            <a:avLst/>
+          </a:prstGeom>
+          <a:noFill/>
+          <a:ln>
+            <a:noFill/>
+          </a:ln>
+          <a:extLst>
+            <a:ext uri="{909E8E84-426E-40DD-AFC4-6F175D3DCCD1}">
+              <a14:hiddenFill xmlns:a14="http://schemas.microsoft.com/office/drawing/2010/main">
+                <a:solidFill>
+                  <a:srgbClr val="FFFFFF"/>
+                </a:solidFill>
+              </a14:hiddenFill>
+            </a:ext>
+            <a:ext uri="{91240B29-F687-4F45-9708-019B960494DF}">
+              <a14:hiddenLine xmlns:a14="http://schemas.microsoft.com/office/drawing/2010/main" w="9525">
+                <a:solidFill>
+                  <a:srgbClr val="000000"/>
+                </a:solidFill>
+                <a:miter lim="800000"/>
+                <a:headEnd/>
+                <a:tailEnd/>
+              </a14:hiddenLine>
+            </a:ext>
+          </a:extLst>
+        </p:spPr>
+      </p:pic>
+      <p:sp>
+        <p:nvSpPr>
+          <p:cNvPr id="144" name="TextBox 2">
+            <a:extLst>
+              <a:ext uri="{FF2B5EF4-FFF2-40B4-BE49-F238E27FC236}">
+                <a16:creationId xmlns:a16="http://schemas.microsoft.com/office/drawing/2014/main" id="{60F8FEA4-10F0-B34C-B65D-C6E13A093E9B}"/>
+              </a:ext>
+            </a:extLst>
+          </p:cNvPr>
+          <p:cNvSpPr txBox="1"/>
+          <p:nvPr/>
+        </p:nvSpPr>
+        <p:spPr>
+          <a:xfrm>
+            <a:off x="5339584" y="1749099"/>
+            <a:ext cx="932275" cy="261610"/>
+          </a:xfrm>
+          <a:prstGeom prst="rect">
+            <a:avLst/>
+          </a:prstGeom>
+          <a:noFill/>
+        </p:spPr>
+        <p:style>
+          <a:lnRef idx="0">
+            <a:scrgbClr r="0" g="0" b="0"/>
+          </a:lnRef>
+          <a:fillRef idx="0">
+            <a:scrgbClr r="0" g="0" b="0"/>
+          </a:fillRef>
+          <a:effectRef idx="0">
+            <a:scrgbClr r="0" g="0" b="0"/>
+          </a:effectRef>
+          <a:fontRef idx="major"/>
+        </p:style>
+        <p:txBody>
+          <a:bodyPr wrap="square" rtlCol="0">
+            <a:spAutoFit/>
+          </a:bodyPr>
+          <a:lstStyle>
+            <a:lvl1pPr>
+              <a:defRPr>
+                <a:latin typeface="+mj-lt"/>
+                <a:ea typeface="+mj-ea"/>
+                <a:cs typeface="+mj-cs"/>
+              </a:defRPr>
+            </a:lvl1pPr>
+            <a:lvl2pPr>
+              <a:defRPr>
+                <a:latin typeface="+mj-lt"/>
+                <a:ea typeface="+mj-ea"/>
+                <a:cs typeface="+mj-cs"/>
+              </a:defRPr>
+            </a:lvl2pPr>
+            <a:lvl3pPr>
+              <a:defRPr>
+                <a:latin typeface="+mj-lt"/>
+                <a:ea typeface="+mj-ea"/>
+                <a:cs typeface="+mj-cs"/>
+              </a:defRPr>
+            </a:lvl3pPr>
+            <a:lvl4pPr>
+              <a:defRPr>
+                <a:latin typeface="+mj-lt"/>
+                <a:ea typeface="+mj-ea"/>
+                <a:cs typeface="+mj-cs"/>
+              </a:defRPr>
+            </a:lvl4pPr>
+            <a:lvl5pPr>
+              <a:defRPr>
+                <a:latin typeface="+mj-lt"/>
+                <a:ea typeface="+mj-ea"/>
+                <a:cs typeface="+mj-cs"/>
+              </a:defRPr>
+            </a:lvl5pPr>
+            <a:lvl6pPr>
+              <a:defRPr>
+                <a:latin typeface="+mj-lt"/>
+                <a:ea typeface="+mj-ea"/>
+                <a:cs typeface="+mj-cs"/>
+              </a:defRPr>
+            </a:lvl6pPr>
+            <a:lvl7pPr>
+              <a:defRPr>
+                <a:latin typeface="+mj-lt"/>
+                <a:ea typeface="+mj-ea"/>
+                <a:cs typeface="+mj-cs"/>
+              </a:defRPr>
+            </a:lvl7pPr>
+            <a:lvl8pPr>
+              <a:defRPr>
+                <a:latin typeface="+mj-lt"/>
+                <a:ea typeface="+mj-ea"/>
+                <a:cs typeface="+mj-cs"/>
+              </a:defRPr>
+            </a:lvl8pPr>
+            <a:lvl9pPr>
+              <a:defRPr>
+                <a:latin typeface="+mj-lt"/>
+                <a:ea typeface="+mj-ea"/>
+                <a:cs typeface="+mj-cs"/>
+              </a:defRPr>
+            </a:lvl9pPr>
+          </a:lstStyle>
+          <a:p>
+            <a:pPr algn="ctr"/>
+            <a:r>
+              <a:rPr lang="en-US" sz="1100" dirty="0">
+                <a:latin typeface="Arial" panose="020B0604020202020204" pitchFamily="34" charset="0"/>
+                <a:cs typeface="Arial" panose="020B0604020202020204" pitchFamily="34" charset="0"/>
+              </a:rPr>
+              <a:t>Alarm Topic</a:t>
+            </a:r>
+          </a:p>
+        </p:txBody>
+      </p:sp>
+      <p:pic>
+        <p:nvPicPr>
+          <p:cNvPr id="146" name="Graphic 29">
+            <a:extLst>
+              <a:ext uri="{FF2B5EF4-FFF2-40B4-BE49-F238E27FC236}">
+                <a16:creationId xmlns:a16="http://schemas.microsoft.com/office/drawing/2014/main" id="{0FF21F99-2EF3-1341-A04B-AE41D9D90B3D}"/>
+              </a:ext>
+            </a:extLst>
+          </p:cNvPr>
+          <p:cNvPicPr>
+            <a:picLocks noChangeAspect="1" noChangeArrowheads="1"/>
+          </p:cNvPicPr>
+          <p:nvPr/>
+        </p:nvPicPr>
+        <p:blipFill>
+          <a:blip r:embed="rId10">
+            <a:extLst>
+              <a:ext uri="{28A0092B-C50C-407E-A947-70E740481C1C}">
+                <a14:useLocalDpi xmlns:a14="http://schemas.microsoft.com/office/drawing/2010/main" val="0"/>
+              </a:ext>
+            </a:extLst>
+          </a:blip>
+          <a:srcRect/>
+          <a:stretch>
+            <a:fillRect/>
+          </a:stretch>
+        </p:blipFill>
+        <p:spPr bwMode="auto">
+          <a:xfrm>
+            <a:off x="4597969" y="1352695"/>
+            <a:ext cx="457200" cy="457200"/>
+          </a:xfrm>
+          <a:prstGeom prst="rect">
+            <a:avLst/>
+          </a:prstGeom>
+          <a:noFill/>
+          <a:ln>
+            <a:noFill/>
+          </a:ln>
+          <a:extLst>
+            <a:ext uri="{909E8E84-426E-40DD-AFC4-6F175D3DCCD1}">
+              <a14:hiddenFill xmlns:a14="http://schemas.microsoft.com/office/drawing/2010/main">
+                <a:solidFill>
+                  <a:srgbClr val="FFFFFF"/>
+                </a:solidFill>
+              </a14:hiddenFill>
+            </a:ext>
+            <a:ext uri="{91240B29-F687-4F45-9708-019B960494DF}">
+              <a14:hiddenLine xmlns:a14="http://schemas.microsoft.com/office/drawing/2010/main" w="9525">
+                <a:solidFill>
+                  <a:srgbClr val="000000"/>
+                </a:solidFill>
+                <a:miter lim="800000"/>
+                <a:headEnd/>
+                <a:tailEnd/>
+              </a14:hiddenLine>
+            </a:ext>
+          </a:extLst>
+        </p:spPr>
+      </p:pic>
+      <p:sp>
+        <p:nvSpPr>
+          <p:cNvPr id="147" name="TextBox 2">
+            <a:extLst>
+              <a:ext uri="{FF2B5EF4-FFF2-40B4-BE49-F238E27FC236}">
+                <a16:creationId xmlns:a16="http://schemas.microsoft.com/office/drawing/2014/main" id="{D07F4FDD-98C6-834B-A019-A6C5CB347B86}"/>
+              </a:ext>
+            </a:extLst>
+          </p:cNvPr>
+          <p:cNvSpPr txBox="1"/>
+          <p:nvPr/>
+        </p:nvSpPr>
+        <p:spPr>
+          <a:xfrm>
+            <a:off x="4359163" y="1727184"/>
+            <a:ext cx="932275" cy="261610"/>
+          </a:xfrm>
+          <a:prstGeom prst="rect">
+            <a:avLst/>
+          </a:prstGeom>
+          <a:noFill/>
+        </p:spPr>
+        <p:style>
+          <a:lnRef idx="0">
+            <a:scrgbClr r="0" g="0" b="0"/>
+          </a:lnRef>
+          <a:fillRef idx="0">
+            <a:scrgbClr r="0" g="0" b="0"/>
+          </a:fillRef>
+          <a:effectRef idx="0">
+            <a:scrgbClr r="0" g="0" b="0"/>
+          </a:effectRef>
+          <a:fontRef idx="major"/>
+        </p:style>
+        <p:txBody>
+          <a:bodyPr wrap="square" rtlCol="0">
+            <a:spAutoFit/>
+          </a:bodyPr>
+          <a:lstStyle>
+            <a:lvl1pPr>
+              <a:defRPr>
+                <a:latin typeface="+mj-lt"/>
+                <a:ea typeface="+mj-ea"/>
+                <a:cs typeface="+mj-cs"/>
+              </a:defRPr>
+            </a:lvl1pPr>
+            <a:lvl2pPr>
+              <a:defRPr>
+                <a:latin typeface="+mj-lt"/>
+                <a:ea typeface="+mj-ea"/>
+                <a:cs typeface="+mj-cs"/>
+              </a:defRPr>
+            </a:lvl2pPr>
+            <a:lvl3pPr>
+              <a:defRPr>
+                <a:latin typeface="+mj-lt"/>
+                <a:ea typeface="+mj-ea"/>
+                <a:cs typeface="+mj-cs"/>
+              </a:defRPr>
+            </a:lvl3pPr>
+            <a:lvl4pPr>
+              <a:defRPr>
+                <a:latin typeface="+mj-lt"/>
+                <a:ea typeface="+mj-ea"/>
+                <a:cs typeface="+mj-cs"/>
+              </a:defRPr>
+            </a:lvl4pPr>
+            <a:lvl5pPr>
+              <a:defRPr>
+                <a:latin typeface="+mj-lt"/>
+                <a:ea typeface="+mj-ea"/>
+                <a:cs typeface="+mj-cs"/>
+              </a:defRPr>
+            </a:lvl5pPr>
+            <a:lvl6pPr>
+              <a:defRPr>
+                <a:latin typeface="+mj-lt"/>
+                <a:ea typeface="+mj-ea"/>
+                <a:cs typeface="+mj-cs"/>
+              </a:defRPr>
+            </a:lvl6pPr>
+            <a:lvl7pPr>
+              <a:defRPr>
+                <a:latin typeface="+mj-lt"/>
+                <a:ea typeface="+mj-ea"/>
+                <a:cs typeface="+mj-cs"/>
+              </a:defRPr>
+            </a:lvl7pPr>
+            <a:lvl8pPr>
+              <a:defRPr>
+                <a:latin typeface="+mj-lt"/>
+                <a:ea typeface="+mj-ea"/>
+                <a:cs typeface="+mj-cs"/>
+              </a:defRPr>
+            </a:lvl8pPr>
+            <a:lvl9pPr>
+              <a:defRPr>
+                <a:latin typeface="+mj-lt"/>
+                <a:ea typeface="+mj-ea"/>
+                <a:cs typeface="+mj-cs"/>
+              </a:defRPr>
+            </a:lvl9pPr>
+          </a:lstStyle>
+          <a:p>
+            <a:pPr algn="ctr"/>
+            <a:r>
+              <a:rPr lang="en-US" sz="1100" dirty="0">
+                <a:latin typeface="Arial" panose="020B0604020202020204" pitchFamily="34" charset="0"/>
+                <a:cs typeface="Arial" panose="020B0604020202020204" pitchFamily="34" charset="0"/>
+              </a:rPr>
+              <a:t>DLQ</a:t>
+            </a:r>
+          </a:p>
+        </p:txBody>
+      </p:sp>
+      <p:sp>
+        <p:nvSpPr>
+          <p:cNvPr id="149" name="Oval 148">
+            <a:extLst>
+              <a:ext uri="{FF2B5EF4-FFF2-40B4-BE49-F238E27FC236}">
+                <a16:creationId xmlns:a16="http://schemas.microsoft.com/office/drawing/2014/main" id="{3CC9224A-2DE7-2F4C-98C8-378C4081EB31}"/>
+              </a:ext>
+            </a:extLst>
+          </p:cNvPr>
+          <p:cNvSpPr/>
+          <p:nvPr/>
+        </p:nvSpPr>
+        <p:spPr>
+          <a:xfrm>
+            <a:off x="4339819" y="1465214"/>
+            <a:ext cx="253435" cy="212902"/>
+          </a:xfrm>
+          <a:prstGeom prst="ellipse">
+            <a:avLst/>
+          </a:prstGeom>
+          <a:solidFill>
+            <a:schemeClr val="tx1"/>
+          </a:solidFill>
+          <a:ln>
+            <a:solidFill>
+              <a:schemeClr val="tx1"/>
+            </a:solidFill>
+          </a:ln>
+        </p:spPr>
+        <p:style>
+          <a:lnRef idx="2">
+            <a:schemeClr val="accent1">
+              <a:shade val="50000"/>
+            </a:schemeClr>
+          </a:lnRef>
+          <a:fillRef idx="1">
+            <a:schemeClr val="accent1"/>
+          </a:fillRef>
+          <a:effectRef idx="0">
+            <a:schemeClr val="accent1"/>
+          </a:effectRef>
+          <a:fontRef idx="minor">
+            <a:schemeClr val="lt1"/>
+          </a:fontRef>
+        </p:style>
+        <p:txBody>
+          <a:bodyPr lIns="0" tIns="0" rIns="0" bIns="0" rtlCol="0" anchor="ctr"/>
+          <a:lstStyle/>
+          <a:p>
+            <a:pPr algn="ctr"/>
+            <a:r>
+              <a:rPr lang="en-US" sz="800" dirty="0">
+                <a:latin typeface="Arial" panose="020B0604020202020204" pitchFamily="34" charset="0"/>
+                <a:cs typeface="Arial" panose="020B0604020202020204" pitchFamily="34" charset="0"/>
+              </a:rPr>
+              <a:t>1.5</a:t>
+            </a:r>
+          </a:p>
+        </p:txBody>
+      </p:sp>
+      <p:sp>
+        <p:nvSpPr>
+          <p:cNvPr id="150" name="Oval 149">
+            <a:extLst>
+              <a:ext uri="{FF2B5EF4-FFF2-40B4-BE49-F238E27FC236}">
+                <a16:creationId xmlns:a16="http://schemas.microsoft.com/office/drawing/2014/main" id="{F995BCFA-E8B8-CC4D-AA84-958BCF4B302B}"/>
+              </a:ext>
+            </a:extLst>
+          </p:cNvPr>
+          <p:cNvSpPr/>
+          <p:nvPr/>
+        </p:nvSpPr>
+        <p:spPr>
+          <a:xfrm>
+            <a:off x="5599187" y="1397874"/>
+            <a:ext cx="253435" cy="212902"/>
+          </a:xfrm>
+          <a:prstGeom prst="ellipse">
+            <a:avLst/>
+          </a:prstGeom>
+          <a:solidFill>
+            <a:schemeClr val="tx1"/>
+          </a:solidFill>
+          <a:ln>
+            <a:solidFill>
+              <a:schemeClr val="tx1"/>
+            </a:solidFill>
+          </a:ln>
+        </p:spPr>
+        <p:style>
+          <a:lnRef idx="2">
+            <a:schemeClr val="accent1">
+              <a:shade val="50000"/>
+            </a:schemeClr>
+          </a:lnRef>
+          <a:fillRef idx="1">
+            <a:schemeClr val="accent1"/>
+          </a:fillRef>
+          <a:effectRef idx="0">
+            <a:schemeClr val="accent1"/>
+          </a:effectRef>
+          <a:fontRef idx="minor">
+            <a:schemeClr val="lt1"/>
+          </a:fontRef>
+        </p:style>
+        <p:txBody>
+          <a:bodyPr lIns="0" tIns="0" rIns="0" bIns="0" rtlCol="0" anchor="ctr"/>
+          <a:lstStyle/>
+          <a:p>
+            <a:pPr algn="ctr"/>
+            <a:r>
+              <a:rPr lang="en-US" sz="800" dirty="0">
+                <a:latin typeface="Arial" panose="020B0604020202020204" pitchFamily="34" charset="0"/>
+                <a:cs typeface="Arial" panose="020B0604020202020204" pitchFamily="34" charset="0"/>
+              </a:rPr>
+              <a:t>1.8</a:t>
+            </a:r>
+          </a:p>
+        </p:txBody>
+      </p:sp>
+      <p:cxnSp>
+        <p:nvCxnSpPr>
+          <p:cNvPr id="154" name="Straight Arrow Connector 153">
+            <a:extLst>
+              <a:ext uri="{FF2B5EF4-FFF2-40B4-BE49-F238E27FC236}">
+                <a16:creationId xmlns:a16="http://schemas.microsoft.com/office/drawing/2014/main" id="{178FA32A-4097-1246-B4E1-FDF39B065443}"/>
+              </a:ext>
+            </a:extLst>
+          </p:cNvPr>
+          <p:cNvCxnSpPr>
+            <a:cxnSpLocks/>
+          </p:cNvCxnSpPr>
+          <p:nvPr/>
+        </p:nvCxnSpPr>
+        <p:spPr>
+          <a:xfrm>
+            <a:off x="5113168" y="1581681"/>
+            <a:ext cx="356540" cy="0"/>
+          </a:xfrm>
+          <a:prstGeom prst="straightConnector1">
+            <a:avLst/>
+          </a:prstGeom>
+          <a:ln>
+            <a:tailEnd type="triangle"/>
+          </a:ln>
+        </p:spPr>
+        <p:style>
+          <a:lnRef idx="1">
+            <a:schemeClr val="dk1"/>
+          </a:lnRef>
+          <a:fillRef idx="0">
+            <a:schemeClr val="dk1"/>
+          </a:fillRef>
+          <a:effectRef idx="0">
+            <a:schemeClr val="dk1"/>
+          </a:effectRef>
+          <a:fontRef idx="minor">
+            <a:schemeClr val="tx1"/>
+          </a:fontRef>
+        </p:style>
+      </p:cxnSp>
+      <p:cxnSp>
+        <p:nvCxnSpPr>
+          <p:cNvPr id="155" name="Straight Arrow Connector 154">
+            <a:extLst>
+              <a:ext uri="{FF2B5EF4-FFF2-40B4-BE49-F238E27FC236}">
+                <a16:creationId xmlns:a16="http://schemas.microsoft.com/office/drawing/2014/main" id="{88282EE8-7EF2-AC47-8C1E-AE339048FB62}"/>
+              </a:ext>
+            </a:extLst>
+          </p:cNvPr>
+          <p:cNvCxnSpPr>
+            <a:cxnSpLocks/>
+          </p:cNvCxnSpPr>
+          <p:nvPr/>
+        </p:nvCxnSpPr>
+        <p:spPr>
+          <a:xfrm>
+            <a:off x="4840764" y="3414100"/>
+            <a:ext cx="0" cy="270486"/>
+          </a:xfrm>
+          <a:prstGeom prst="straightConnector1">
+            <a:avLst/>
+          </a:prstGeom>
+          <a:ln>
+            <a:tailEnd type="triangle"/>
+          </a:ln>
+        </p:spPr>
+        <p:style>
+          <a:lnRef idx="1">
+            <a:schemeClr val="dk1"/>
+          </a:lnRef>
+          <a:fillRef idx="0">
+            <a:schemeClr val="dk1"/>
+          </a:fillRef>
+          <a:effectRef idx="0">
+            <a:schemeClr val="dk1"/>
+          </a:effectRef>
+          <a:fontRef idx="minor">
+            <a:schemeClr val="tx1"/>
+          </a:fontRef>
+        </p:style>
+      </p:cxnSp>
+      <p:cxnSp>
+        <p:nvCxnSpPr>
+          <p:cNvPr id="156" name="Straight Arrow Connector 155">
+            <a:extLst>
+              <a:ext uri="{FF2B5EF4-FFF2-40B4-BE49-F238E27FC236}">
+                <a16:creationId xmlns:a16="http://schemas.microsoft.com/office/drawing/2014/main" id="{06E406DF-FFDF-6347-BB1B-8FD625BDB5C8}"/>
+              </a:ext>
+            </a:extLst>
+          </p:cNvPr>
+          <p:cNvCxnSpPr>
+            <a:cxnSpLocks/>
+          </p:cNvCxnSpPr>
+          <p:nvPr/>
+        </p:nvCxnSpPr>
+        <p:spPr>
+          <a:xfrm>
+            <a:off x="3526579" y="2911259"/>
+            <a:ext cx="628999" cy="0"/>
+          </a:xfrm>
+          <a:prstGeom prst="straightConnector1">
+            <a:avLst/>
+          </a:prstGeom>
+          <a:ln>
+            <a:tailEnd type="triangle"/>
+          </a:ln>
+        </p:spPr>
+        <p:style>
+          <a:lnRef idx="1">
+            <a:schemeClr val="dk1"/>
+          </a:lnRef>
+          <a:fillRef idx="0">
+            <a:schemeClr val="dk1"/>
+          </a:fillRef>
+          <a:effectRef idx="0">
+            <a:schemeClr val="dk1"/>
+          </a:effectRef>
+          <a:fontRef idx="minor">
+            <a:schemeClr val="tx1"/>
+          </a:fontRef>
+        </p:style>
+      </p:cxnSp>
+      <p:sp>
+        <p:nvSpPr>
+          <p:cNvPr id="89" name="Rectangle 88">
+            <a:extLst>
+              <a:ext uri="{FF2B5EF4-FFF2-40B4-BE49-F238E27FC236}">
+                <a16:creationId xmlns:a16="http://schemas.microsoft.com/office/drawing/2014/main" id="{E9C7F202-493F-5E47-A2D4-A969A5C3AB4F}"/>
+              </a:ext>
+            </a:extLst>
+          </p:cNvPr>
+          <p:cNvSpPr/>
+          <p:nvPr/>
+        </p:nvSpPr>
+        <p:spPr>
+          <a:xfrm>
+            <a:off x="1125977" y="4648986"/>
+            <a:ext cx="6490624" cy="1049233"/>
+          </a:xfrm>
+          <a:prstGeom prst="rect">
+            <a:avLst/>
+          </a:prstGeom>
+          <a:noFill/>
+          <a:ln w="12700">
+            <a:solidFill>
+              <a:schemeClr val="tx1"/>
+            </a:solidFill>
+            <a:prstDash val="dash"/>
+          </a:ln>
+        </p:spPr>
+        <p:style>
+          <a:lnRef idx="2">
+            <a:schemeClr val="accent1">
+              <a:shade val="50000"/>
+            </a:schemeClr>
+          </a:lnRef>
+          <a:fillRef idx="1">
+            <a:schemeClr val="accent1"/>
+          </a:fillRef>
+          <a:effectRef idx="0">
+            <a:schemeClr val="accent1"/>
+          </a:effectRef>
+          <a:fontRef idx="minor">
+            <a:schemeClr val="lt1"/>
+          </a:fontRef>
+        </p:style>
+        <p:txBody>
+          <a:bodyPr rot="0" spcFirstLastPara="0" vertOverflow="overflow" horzOverflow="overflow" vert="horz" wrap="square" lIns="91440" tIns="0" rIns="91440" bIns="45720" numCol="1" spcCol="0" rtlCol="0" fromWordArt="0" anchor="t" anchorCtr="0" forceAA="0" compatLnSpc="1">
+            <a:prstTxWarp prst="textNoShape">
+              <a:avLst/>
+            </a:prstTxWarp>
+            <a:noAutofit/>
+          </a:bodyPr>
+          <a:lstStyle/>
+          <a:p>
+            <a:r>
+              <a:rPr lang="en-US" sz="1200" b="1" dirty="0">
+                <a:solidFill>
+                  <a:schemeClr val="tx1"/>
+                </a:solidFill>
+              </a:rPr>
+              <a:t>Global-region</a:t>
+            </a:r>
+          </a:p>
+        </p:txBody>
+      </p:sp>
+      <p:pic>
+        <p:nvPicPr>
+          <p:cNvPr id="105" name="Graphic 24">
+            <a:extLst>
+              <a:ext uri="{FF2B5EF4-FFF2-40B4-BE49-F238E27FC236}">
+                <a16:creationId xmlns:a16="http://schemas.microsoft.com/office/drawing/2014/main" id="{C3D967FB-732C-F048-8D8C-4DB9C678B82D}"/>
+              </a:ext>
+            </a:extLst>
+          </p:cNvPr>
+          <p:cNvPicPr>
+            <a:picLocks noChangeAspect="1" noChangeArrowheads="1"/>
+          </p:cNvPicPr>
+          <p:nvPr/>
+        </p:nvPicPr>
+        <p:blipFill>
+          <a:blip r:embed="rId6">
+            <a:extLst>
+              <a:ext uri="{28A0092B-C50C-407E-A947-70E740481C1C}">
+                <a14:useLocalDpi xmlns:a14="http://schemas.microsoft.com/office/drawing/2010/main" val="0"/>
+              </a:ext>
+            </a:extLst>
+          </a:blip>
+          <a:srcRect/>
+          <a:stretch>
+            <a:fillRect/>
+          </a:stretch>
+        </p:blipFill>
+        <p:spPr bwMode="auto">
+          <a:xfrm>
+            <a:off x="2948936" y="4788615"/>
+            <a:ext cx="457200" cy="457200"/>
+          </a:xfrm>
+          <a:prstGeom prst="rect">
+            <a:avLst/>
+          </a:prstGeom>
+          <a:noFill/>
+          <a:ln>
+            <a:noFill/>
+          </a:ln>
+          <a:extLst>
+            <a:ext uri="{909E8E84-426E-40DD-AFC4-6F175D3DCCD1}">
+              <a14:hiddenFill xmlns:a14="http://schemas.microsoft.com/office/drawing/2010/main">
+                <a:solidFill>
+                  <a:srgbClr val="FFFFFF"/>
+                </a:solidFill>
+              </a14:hiddenFill>
+            </a:ext>
+            <a:ext uri="{91240B29-F687-4F45-9708-019B960494DF}">
+              <a14:hiddenLine xmlns:a14="http://schemas.microsoft.com/office/drawing/2010/main" w="9525">
+                <a:solidFill>
+                  <a:srgbClr val="000000"/>
+                </a:solidFill>
+                <a:miter lim="800000"/>
+                <a:headEnd/>
+                <a:tailEnd/>
+              </a14:hiddenLine>
+            </a:ext>
+          </a:extLst>
+        </p:spPr>
+      </p:pic>
+      <p:sp>
+        <p:nvSpPr>
+          <p:cNvPr id="106" name="TextBox 26">
+            <a:extLst>
+              <a:ext uri="{FF2B5EF4-FFF2-40B4-BE49-F238E27FC236}">
+                <a16:creationId xmlns:a16="http://schemas.microsoft.com/office/drawing/2014/main" id="{CE5E3976-69CA-3240-B7E5-EDD5450EC732}"/>
+              </a:ext>
+            </a:extLst>
+          </p:cNvPr>
+          <p:cNvSpPr txBox="1">
+            <a:spLocks noChangeArrowheads="1"/>
+          </p:cNvSpPr>
+          <p:nvPr/>
+        </p:nvSpPr>
+        <p:spPr bwMode="auto">
+          <a:xfrm>
+            <a:off x="2592266" y="5204628"/>
+            <a:ext cx="1143852" cy="430887"/>
+          </a:xfrm>
+          <a:prstGeom prst="rect">
+            <a:avLst/>
+          </a:prstGeom>
+          <a:noFill/>
+          <a:ln>
+            <a:noFill/>
+          </a:ln>
+          <a:extLst>
+            <a:ext uri="{909E8E84-426E-40DD-AFC4-6F175D3DCCD1}">
+              <a14:hiddenFill xmlns:a14="http://schemas.microsoft.com/office/drawing/2010/main">
+                <a:solidFill>
+                  <a:srgbClr val="FFFFFF"/>
+                </a:solidFill>
+              </a14:hiddenFill>
+            </a:ext>
+            <a:ext uri="{91240B29-F687-4F45-9708-019B960494DF}">
+              <a14:hiddenLine xmlns:a14="http://schemas.microsoft.com/office/drawing/2010/main" w="9525">
+                <a:solidFill>
+                  <a:srgbClr val="000000"/>
+                </a:solidFill>
+                <a:miter lim="800000"/>
+                <a:headEnd/>
+                <a:tailEnd/>
+              </a14:hiddenLine>
+            </a:ext>
+          </a:extLst>
+        </p:spPr>
+        <p:txBody>
+          <a:bodyPr wrap="square">
+            <a:spAutoFit/>
+          </a:bodyPr>
+          <a:lstStyle>
+            <a:lvl1pPr>
+              <a:defRPr>
+                <a:solidFill>
+                  <a:schemeClr val="tx1"/>
+                </a:solidFill>
+                <a:latin typeface="Calibri" panose="020F0502020204030204" pitchFamily="34" charset="0"/>
+              </a:defRPr>
+            </a:lvl1pPr>
+            <a:lvl2pPr marL="742950" indent="-285750">
+              <a:defRPr>
+                <a:solidFill>
+                  <a:schemeClr val="tx1"/>
+                </a:solidFill>
+                <a:latin typeface="Calibri" panose="020F0502020204030204" pitchFamily="34" charset="0"/>
+              </a:defRPr>
+            </a:lvl2pPr>
+            <a:lvl3pPr marL="1143000" indent="-228600">
+              <a:defRPr>
+                <a:solidFill>
+                  <a:schemeClr val="tx1"/>
+                </a:solidFill>
+                <a:latin typeface="Calibri" panose="020F0502020204030204" pitchFamily="34" charset="0"/>
+              </a:defRPr>
+            </a:lvl3pPr>
+            <a:lvl4pPr marL="1600200" indent="-228600">
+              <a:defRPr>
+                <a:solidFill>
+                  <a:schemeClr val="tx1"/>
+                </a:solidFill>
+                <a:latin typeface="Calibri" panose="020F0502020204030204" pitchFamily="34" charset="0"/>
+              </a:defRPr>
+            </a:lvl4pPr>
+            <a:lvl5pPr marL="2057400" indent="-228600">
+              <a:defRPr>
+                <a:solidFill>
+                  <a:schemeClr val="tx1"/>
+                </a:solidFill>
+                <a:latin typeface="Calibri" panose="020F0502020204030204" pitchFamily="34" charset="0"/>
+              </a:defRPr>
+            </a:lvl5pPr>
+            <a:lvl6pPr marL="2514600" indent="-228600" eaLnBrk="0" fontAlgn="base" hangingPunct="0">
+              <a:spcBef>
+                <a:spcPct val="0"/>
+              </a:spcBef>
+              <a:spcAft>
+                <a:spcPct val="0"/>
+              </a:spcAft>
+              <a:defRPr>
+                <a:solidFill>
+                  <a:schemeClr val="tx1"/>
+                </a:solidFill>
+                <a:latin typeface="Calibri" panose="020F0502020204030204" pitchFamily="34" charset="0"/>
+              </a:defRPr>
+            </a:lvl6pPr>
+            <a:lvl7pPr marL="2971800" indent="-228600" eaLnBrk="0" fontAlgn="base" hangingPunct="0">
+              <a:spcBef>
+                <a:spcPct val="0"/>
+              </a:spcBef>
+              <a:spcAft>
+                <a:spcPct val="0"/>
+              </a:spcAft>
+              <a:defRPr>
+                <a:solidFill>
+                  <a:schemeClr val="tx1"/>
+                </a:solidFill>
+                <a:latin typeface="Calibri" panose="020F0502020204030204" pitchFamily="34" charset="0"/>
+              </a:defRPr>
+            </a:lvl7pPr>
+            <a:lvl8pPr marL="3429000" indent="-228600" eaLnBrk="0" fontAlgn="base" hangingPunct="0">
+              <a:spcBef>
+                <a:spcPct val="0"/>
+              </a:spcBef>
+              <a:spcAft>
+                <a:spcPct val="0"/>
+              </a:spcAft>
+              <a:defRPr>
+                <a:solidFill>
+                  <a:schemeClr val="tx1"/>
+                </a:solidFill>
+                <a:latin typeface="Calibri" panose="020F0502020204030204" pitchFamily="34" charset="0"/>
+              </a:defRPr>
+            </a:lvl8pPr>
+            <a:lvl9pPr marL="3886200" indent="-228600" eaLnBrk="0" fontAlgn="base" hangingPunct="0">
+              <a:spcBef>
+                <a:spcPct val="0"/>
+              </a:spcBef>
+              <a:spcAft>
+                <a:spcPct val="0"/>
+              </a:spcAft>
+              <a:defRPr>
+                <a:solidFill>
+                  <a:schemeClr val="tx1"/>
+                </a:solidFill>
+                <a:latin typeface="Calibri" panose="020F0502020204030204" pitchFamily="34" charset="0"/>
+              </a:defRPr>
+            </a:lvl9pPr>
+          </a:lstStyle>
+          <a:p>
+            <a:pPr algn="ctr" eaLnBrk="1" hangingPunct="1"/>
+            <a:r>
+              <a:rPr lang="en-US" altLang="en-US" sz="1100" dirty="0">
+                <a:latin typeface="Arial" panose="020B0604020202020204" pitchFamily="34" charset="0"/>
+                <a:ea typeface="Amazon Ember" panose="020B0603020204020204" pitchFamily="34" charset="0"/>
+                <a:cs typeface="Arial" panose="020B0604020202020204" pitchFamily="34" charset="0"/>
+              </a:rPr>
+              <a:t>Global Event Rules</a:t>
+            </a:r>
+          </a:p>
+        </p:txBody>
+      </p:sp>
+      <p:sp>
+        <p:nvSpPr>
+          <p:cNvPr id="110" name="Oval 109">
+            <a:extLst>
+              <a:ext uri="{FF2B5EF4-FFF2-40B4-BE49-F238E27FC236}">
+                <a16:creationId xmlns:a16="http://schemas.microsoft.com/office/drawing/2014/main" id="{25C9DE58-B653-B447-97CA-5FEDAFE124F4}"/>
+              </a:ext>
+            </a:extLst>
+          </p:cNvPr>
+          <p:cNvSpPr/>
+          <p:nvPr/>
+        </p:nvSpPr>
+        <p:spPr>
+          <a:xfrm>
+            <a:off x="2746508" y="4723435"/>
+            <a:ext cx="253435" cy="212902"/>
+          </a:xfrm>
+          <a:prstGeom prst="ellipse">
+            <a:avLst/>
+          </a:prstGeom>
+          <a:solidFill>
+            <a:schemeClr val="tx1"/>
+          </a:solidFill>
+          <a:ln>
+            <a:solidFill>
+              <a:schemeClr val="tx1"/>
+            </a:solidFill>
+          </a:ln>
+        </p:spPr>
+        <p:style>
+          <a:lnRef idx="2">
+            <a:schemeClr val="accent1">
+              <a:shade val="50000"/>
+            </a:schemeClr>
+          </a:lnRef>
+          <a:fillRef idx="1">
+            <a:schemeClr val="accent1"/>
+          </a:fillRef>
+          <a:effectRef idx="0">
+            <a:schemeClr val="accent1"/>
+          </a:effectRef>
+          <a:fontRef idx="minor">
+            <a:schemeClr val="lt1"/>
+          </a:fontRef>
+        </p:style>
+        <p:txBody>
+          <a:bodyPr lIns="0" tIns="0" rIns="0" bIns="0" rtlCol="0" anchor="ctr"/>
+          <a:lstStyle/>
+          <a:p>
+            <a:pPr algn="ctr"/>
+            <a:r>
+              <a:rPr lang="en-US" sz="800" dirty="0">
+                <a:latin typeface="Arial" panose="020B0604020202020204" pitchFamily="34" charset="0"/>
+                <a:cs typeface="Arial" panose="020B0604020202020204" pitchFamily="34" charset="0"/>
+              </a:rPr>
+              <a:t>1.3</a:t>
+            </a:r>
+          </a:p>
+        </p:txBody>
+      </p:sp>
+      <p:sp>
+        <p:nvSpPr>
+          <p:cNvPr id="112" name="Oval 111">
+            <a:extLst>
+              <a:ext uri="{FF2B5EF4-FFF2-40B4-BE49-F238E27FC236}">
+                <a16:creationId xmlns:a16="http://schemas.microsoft.com/office/drawing/2014/main" id="{3B585DF5-E863-A541-8A57-A39966979E6D}"/>
+              </a:ext>
+            </a:extLst>
+          </p:cNvPr>
+          <p:cNvSpPr/>
+          <p:nvPr/>
+        </p:nvSpPr>
+        <p:spPr>
+          <a:xfrm>
+            <a:off x="2741753" y="2635909"/>
+            <a:ext cx="253435" cy="212902"/>
+          </a:xfrm>
+          <a:prstGeom prst="ellipse">
+            <a:avLst/>
+          </a:prstGeom>
+          <a:solidFill>
+            <a:schemeClr val="tx1"/>
+          </a:solidFill>
+          <a:ln>
+            <a:solidFill>
+              <a:schemeClr val="tx1"/>
+            </a:solidFill>
+          </a:ln>
+        </p:spPr>
+        <p:style>
+          <a:lnRef idx="2">
+            <a:schemeClr val="accent1">
+              <a:shade val="50000"/>
+            </a:schemeClr>
+          </a:lnRef>
+          <a:fillRef idx="1">
+            <a:schemeClr val="accent1"/>
+          </a:fillRef>
+          <a:effectRef idx="0">
+            <a:schemeClr val="accent1"/>
+          </a:effectRef>
+          <a:fontRef idx="minor">
+            <a:schemeClr val="lt1"/>
+          </a:fontRef>
+        </p:style>
+        <p:txBody>
+          <a:bodyPr lIns="0" tIns="0" rIns="0" bIns="0" rtlCol="0" anchor="ctr"/>
+          <a:lstStyle/>
+          <a:p>
+            <a:pPr algn="ctr"/>
+            <a:r>
+              <a:rPr lang="en-US" sz="800" dirty="0">
+                <a:latin typeface="Arial" panose="020B0604020202020204" pitchFamily="34" charset="0"/>
+                <a:cs typeface="Arial" panose="020B0604020202020204" pitchFamily="34" charset="0"/>
+              </a:rPr>
+              <a:t>1.2</a:t>
+            </a:r>
+          </a:p>
+        </p:txBody>
+      </p:sp>
+      <p:pic>
+        <p:nvPicPr>
+          <p:cNvPr id="81" name="Graphic 21">
+            <a:extLst>
+              <a:ext uri="{FF2B5EF4-FFF2-40B4-BE49-F238E27FC236}">
+                <a16:creationId xmlns:a16="http://schemas.microsoft.com/office/drawing/2014/main" id="{155D5A44-AA72-400A-BE9C-EF0F5A13AA88}"/>
+              </a:ext>
+            </a:extLst>
+          </p:cNvPr>
+          <p:cNvPicPr>
+            <a:picLocks noChangeAspect="1" noChangeArrowheads="1"/>
+          </p:cNvPicPr>
+          <p:nvPr/>
+        </p:nvPicPr>
+        <p:blipFill>
+          <a:blip r:embed="rId11">
+            <a:extLst>
+              <a:ext uri="{28A0092B-C50C-407E-A947-70E740481C1C}">
+                <a14:useLocalDpi xmlns:a14="http://schemas.microsoft.com/office/drawing/2010/main" val="0"/>
+              </a:ext>
+            </a:extLst>
+          </a:blip>
+          <a:srcRect/>
+          <a:stretch>
+            <a:fillRect/>
+          </a:stretch>
+        </p:blipFill>
+        <p:spPr bwMode="auto">
+          <a:xfrm>
+            <a:off x="6703121" y="2934391"/>
+            <a:ext cx="457200" cy="457200"/>
+          </a:xfrm>
+          <a:prstGeom prst="rect">
+            <a:avLst/>
+          </a:prstGeom>
+          <a:noFill/>
+          <a:ln>
+            <a:noFill/>
+          </a:ln>
+          <a:extLst>
+            <a:ext uri="{909E8E84-426E-40DD-AFC4-6F175D3DCCD1}">
+              <a14:hiddenFill xmlns:a14="http://schemas.microsoft.com/office/drawing/2010/main">
+                <a:solidFill>
+                  <a:srgbClr val="FFFFFF"/>
+                </a:solidFill>
+              </a14:hiddenFill>
+            </a:ext>
+            <a:ext uri="{91240B29-F687-4F45-9708-019B960494DF}">
+              <a14:hiddenLine xmlns:a14="http://schemas.microsoft.com/office/drawing/2010/main" w="9525">
+                <a:solidFill>
+                  <a:srgbClr val="000000"/>
+                </a:solidFill>
+                <a:miter lim="800000"/>
+                <a:headEnd/>
+                <a:tailEnd/>
+              </a14:hiddenLine>
+            </a:ext>
+          </a:extLst>
+        </p:spPr>
+      </p:pic>
+      <p:sp>
+        <p:nvSpPr>
+          <p:cNvPr id="157" name="Oval 156">
+            <a:extLst>
+              <a:ext uri="{FF2B5EF4-FFF2-40B4-BE49-F238E27FC236}">
+                <a16:creationId xmlns:a16="http://schemas.microsoft.com/office/drawing/2014/main" id="{2E5F9CEB-8770-E743-A6DE-7331C56B987D}"/>
+              </a:ext>
+            </a:extLst>
+          </p:cNvPr>
+          <p:cNvSpPr/>
+          <p:nvPr/>
+        </p:nvSpPr>
+        <p:spPr>
+          <a:xfrm>
+            <a:off x="6721576" y="2934391"/>
+            <a:ext cx="300569" cy="204616"/>
+          </a:xfrm>
+          <a:prstGeom prst="ellipse">
+            <a:avLst/>
+          </a:prstGeom>
+          <a:solidFill>
+            <a:schemeClr val="tx1"/>
+          </a:solidFill>
+          <a:ln>
+            <a:solidFill>
+              <a:schemeClr val="tx1"/>
+            </a:solidFill>
+          </a:ln>
+        </p:spPr>
+        <p:style>
+          <a:lnRef idx="2">
+            <a:schemeClr val="accent1">
+              <a:shade val="50000"/>
+            </a:schemeClr>
+          </a:lnRef>
+          <a:fillRef idx="1">
+            <a:schemeClr val="accent1"/>
+          </a:fillRef>
+          <a:effectRef idx="0">
+            <a:schemeClr val="accent1"/>
+          </a:effectRef>
+          <a:fontRef idx="minor">
+            <a:schemeClr val="lt1"/>
+          </a:fontRef>
+        </p:style>
+        <p:txBody>
+          <a:bodyPr lIns="0" tIns="0" rIns="0" bIns="0" rtlCol="0" anchor="ctr"/>
+          <a:lstStyle/>
+          <a:p>
+            <a:pPr algn="ctr"/>
+            <a:r>
+              <a:rPr lang="en-US" sz="800" dirty="0">
+                <a:latin typeface="Arial" panose="020B0604020202020204" pitchFamily="34" charset="0"/>
+                <a:cs typeface="Arial" panose="020B0604020202020204" pitchFamily="34" charset="0"/>
+              </a:rPr>
+              <a:t>1.9</a:t>
+            </a:r>
+          </a:p>
+        </p:txBody>
+      </p:sp>
+      <p:sp>
+        <p:nvSpPr>
+          <p:cNvPr id="88" name="TextBox 87">
+            <a:extLst>
+              <a:ext uri="{FF2B5EF4-FFF2-40B4-BE49-F238E27FC236}">
+                <a16:creationId xmlns:a16="http://schemas.microsoft.com/office/drawing/2014/main" id="{FFD5F92E-3468-4CA2-B5EE-FC539EDB281B}"/>
+              </a:ext>
+            </a:extLst>
+          </p:cNvPr>
+          <p:cNvSpPr txBox="1"/>
+          <p:nvPr/>
+        </p:nvSpPr>
+        <p:spPr>
+          <a:xfrm>
+            <a:off x="9704307" y="5656660"/>
+            <a:ext cx="1387582" cy="261610"/>
+          </a:xfrm>
+          <a:prstGeom prst="rect">
+            <a:avLst/>
+          </a:prstGeom>
+          <a:noFill/>
+        </p:spPr>
+        <p:txBody>
+          <a:bodyPr wrap="square" rtlCol="0">
+            <a:spAutoFit/>
+          </a:bodyPr>
+          <a:lstStyle/>
+          <a:p>
+            <a:pPr algn="ctr"/>
+            <a:r>
+              <a:rPr lang="en-US" altLang="en-US" sz="1100" dirty="0">
+                <a:latin typeface="Arial" panose="020B0604020202020204" pitchFamily="34" charset="0"/>
+                <a:ea typeface="Amazon Ember" panose="020B0603020204020204" pitchFamily="34" charset="0"/>
+                <a:cs typeface="Arial" panose="020B0604020202020204" pitchFamily="34" charset="0"/>
+              </a:rPr>
+              <a:t>Inspector</a:t>
+            </a:r>
+          </a:p>
+        </p:txBody>
+      </p:sp>
+      <p:pic>
+        <p:nvPicPr>
+          <p:cNvPr id="118" name="Graphic 21">
+            <a:extLst>
+              <a:ext uri="{FF2B5EF4-FFF2-40B4-BE49-F238E27FC236}">
+                <a16:creationId xmlns:a16="http://schemas.microsoft.com/office/drawing/2014/main" id="{FBB2913A-3F84-4B04-8FF3-7FD2636C0C3B}"/>
+              </a:ext>
+            </a:extLst>
+          </p:cNvPr>
+          <p:cNvPicPr>
+            <a:picLocks noChangeAspect="1" noChangeArrowheads="1"/>
+          </p:cNvPicPr>
+          <p:nvPr/>
+        </p:nvPicPr>
+        <p:blipFill>
+          <a:blip r:embed="rId11">
+            <a:extLst>
+              <a:ext uri="{28A0092B-C50C-407E-A947-70E740481C1C}">
+                <a14:useLocalDpi xmlns:a14="http://schemas.microsoft.com/office/drawing/2010/main" val="0"/>
+              </a:ext>
+            </a:extLst>
+          </a:blip>
+          <a:srcRect/>
+          <a:stretch>
+            <a:fillRect/>
+          </a:stretch>
+        </p:blipFill>
+        <p:spPr bwMode="auto">
+          <a:xfrm>
+            <a:off x="10178409" y="5239524"/>
+            <a:ext cx="457200" cy="457200"/>
+          </a:xfrm>
+          <a:prstGeom prst="rect">
+            <a:avLst/>
+          </a:prstGeom>
+          <a:noFill/>
+          <a:ln>
+            <a:noFill/>
+          </a:ln>
+          <a:extLst>
+            <a:ext uri="{909E8E84-426E-40DD-AFC4-6F175D3DCCD1}">
+              <a14:hiddenFill xmlns:a14="http://schemas.microsoft.com/office/drawing/2010/main">
+                <a:solidFill>
+                  <a:srgbClr val="FFFFFF"/>
+                </a:solidFill>
+              </a14:hiddenFill>
+            </a:ext>
+            <a:ext uri="{91240B29-F687-4F45-9708-019B960494DF}">
+              <a14:hiddenLine xmlns:a14="http://schemas.microsoft.com/office/drawing/2010/main" w="9525">
+                <a:solidFill>
+                  <a:srgbClr val="000000"/>
+                </a:solidFill>
+                <a:miter lim="800000"/>
+                <a:headEnd/>
+                <a:tailEnd/>
+              </a14:hiddenLine>
+            </a:ext>
+          </a:extLst>
+        </p:spPr>
+      </p:pic>
+      <p:sp>
+        <p:nvSpPr>
+          <p:cNvPr id="121" name="TextBox 120">
+            <a:extLst>
+              <a:ext uri="{FF2B5EF4-FFF2-40B4-BE49-F238E27FC236}">
+                <a16:creationId xmlns:a16="http://schemas.microsoft.com/office/drawing/2014/main" id="{3253166B-0282-4B11-96AE-01345CE9FCD9}"/>
+              </a:ext>
+            </a:extLst>
+          </p:cNvPr>
+          <p:cNvSpPr txBox="1"/>
+          <p:nvPr/>
+        </p:nvSpPr>
+        <p:spPr>
+          <a:xfrm>
+            <a:off x="9824684" y="2939424"/>
+            <a:ext cx="1387582" cy="261610"/>
+          </a:xfrm>
+          <a:prstGeom prst="rect">
+            <a:avLst/>
+          </a:prstGeom>
+          <a:noFill/>
+        </p:spPr>
+        <p:txBody>
+          <a:bodyPr wrap="square" rtlCol="0">
+            <a:spAutoFit/>
+          </a:bodyPr>
+          <a:lstStyle/>
+          <a:p>
+            <a:pPr algn="ctr"/>
+            <a:r>
+              <a:rPr lang="en-US" altLang="en-US" sz="1100" dirty="0">
+                <a:latin typeface="Arial" panose="020B0604020202020204" pitchFamily="34" charset="0"/>
+                <a:ea typeface="Amazon Ember" panose="020B0603020204020204" pitchFamily="34" charset="0"/>
+                <a:cs typeface="Arial" panose="020B0604020202020204" pitchFamily="34" charset="0"/>
+              </a:rPr>
+              <a:t>Inspector</a:t>
+            </a:r>
+          </a:p>
+        </p:txBody>
+      </p:sp>
+      <p:pic>
+        <p:nvPicPr>
+          <p:cNvPr id="122" name="Graphic 21">
+            <a:extLst>
+              <a:ext uri="{FF2B5EF4-FFF2-40B4-BE49-F238E27FC236}">
+                <a16:creationId xmlns:a16="http://schemas.microsoft.com/office/drawing/2014/main" id="{9584F092-7C0F-4530-9333-FB8EE4E46B06}"/>
+              </a:ext>
+            </a:extLst>
+          </p:cNvPr>
+          <p:cNvPicPr>
+            <a:picLocks noChangeAspect="1" noChangeArrowheads="1"/>
+          </p:cNvPicPr>
+          <p:nvPr/>
+        </p:nvPicPr>
+        <p:blipFill>
+          <a:blip r:embed="rId11">
+            <a:extLst>
+              <a:ext uri="{28A0092B-C50C-407E-A947-70E740481C1C}">
+                <a14:useLocalDpi xmlns:a14="http://schemas.microsoft.com/office/drawing/2010/main" val="0"/>
+              </a:ext>
+            </a:extLst>
+          </a:blip>
+          <a:srcRect/>
+          <a:stretch>
+            <a:fillRect/>
+          </a:stretch>
+        </p:blipFill>
+        <p:spPr bwMode="auto">
+          <a:xfrm>
+            <a:off x="10298786" y="2522288"/>
+            <a:ext cx="457200" cy="457200"/>
+          </a:xfrm>
+          <a:prstGeom prst="rect">
+            <a:avLst/>
+          </a:prstGeom>
+          <a:noFill/>
+          <a:ln>
+            <a:noFill/>
+          </a:ln>
+          <a:extLst>
+            <a:ext uri="{909E8E84-426E-40DD-AFC4-6F175D3DCCD1}">
+              <a14:hiddenFill xmlns:a14="http://schemas.microsoft.com/office/drawing/2010/main">
+                <a:solidFill>
+                  <a:srgbClr val="FFFFFF"/>
+                </a:solidFill>
+              </a14:hiddenFill>
+            </a:ext>
+            <a:ext uri="{91240B29-F687-4F45-9708-019B960494DF}">
+              <a14:hiddenLine xmlns:a14="http://schemas.microsoft.com/office/drawing/2010/main" w="9525">
+                <a:solidFill>
+                  <a:srgbClr val="000000"/>
+                </a:solidFill>
+                <a:miter lim="800000"/>
+                <a:headEnd/>
+                <a:tailEnd/>
+              </a14:hiddenLine>
+            </a:ext>
+          </a:extLst>
+        </p:spPr>
+      </p:pic>
+      <p:sp>
+        <p:nvSpPr>
+          <p:cNvPr id="83" name="Oval 82">
+            <a:extLst>
+              <a:ext uri="{FF2B5EF4-FFF2-40B4-BE49-F238E27FC236}">
+                <a16:creationId xmlns:a16="http://schemas.microsoft.com/office/drawing/2014/main" id="{7FAA5BDA-59EE-924B-ACDA-6C50D7ABCDCD}"/>
+              </a:ext>
+            </a:extLst>
+          </p:cNvPr>
+          <p:cNvSpPr/>
+          <p:nvPr/>
+        </p:nvSpPr>
+        <p:spPr>
+          <a:xfrm>
+            <a:off x="10311889" y="2529458"/>
+            <a:ext cx="253435" cy="212902"/>
+          </a:xfrm>
+          <a:prstGeom prst="ellipse">
+            <a:avLst/>
+          </a:prstGeom>
+          <a:solidFill>
+            <a:schemeClr val="tx1"/>
+          </a:solidFill>
+          <a:ln>
+            <a:solidFill>
+              <a:schemeClr val="tx1"/>
+            </a:solidFill>
+          </a:ln>
+        </p:spPr>
+        <p:style>
+          <a:lnRef idx="2">
+            <a:schemeClr val="accent1">
+              <a:shade val="50000"/>
+            </a:schemeClr>
+          </a:lnRef>
+          <a:fillRef idx="1">
+            <a:schemeClr val="accent1"/>
+          </a:fillRef>
+          <a:effectRef idx="0">
+            <a:schemeClr val="accent1"/>
+          </a:effectRef>
+          <a:fontRef idx="minor">
+            <a:schemeClr val="lt1"/>
+          </a:fontRef>
+        </p:style>
+        <p:txBody>
+          <a:bodyPr lIns="0" tIns="0" rIns="0" bIns="0" rtlCol="0" anchor="ctr"/>
+          <a:lstStyle/>
+          <a:p>
+            <a:pPr algn="ctr"/>
+            <a:r>
+              <a:rPr lang="en-US" sz="800" dirty="0">
+                <a:latin typeface="Arial" panose="020B0604020202020204" pitchFamily="34" charset="0"/>
+                <a:cs typeface="Arial" panose="020B0604020202020204" pitchFamily="34" charset="0"/>
+              </a:rPr>
+              <a:t>2.2</a:t>
+            </a:r>
+          </a:p>
+        </p:txBody>
+      </p:sp>
+      <p:sp>
+        <p:nvSpPr>
+          <p:cNvPr id="104" name="Oval 103">
+            <a:extLst>
+              <a:ext uri="{FF2B5EF4-FFF2-40B4-BE49-F238E27FC236}">
+                <a16:creationId xmlns:a16="http://schemas.microsoft.com/office/drawing/2014/main" id="{81719607-B241-6741-938B-3FC1408AF05E}"/>
+              </a:ext>
+            </a:extLst>
+          </p:cNvPr>
+          <p:cNvSpPr/>
+          <p:nvPr/>
+        </p:nvSpPr>
+        <p:spPr>
+          <a:xfrm>
+            <a:off x="10191557" y="5242477"/>
+            <a:ext cx="253435" cy="212902"/>
+          </a:xfrm>
+          <a:prstGeom prst="ellipse">
+            <a:avLst/>
+          </a:prstGeom>
+          <a:solidFill>
+            <a:schemeClr val="tx1"/>
+          </a:solidFill>
+          <a:ln>
+            <a:solidFill>
+              <a:schemeClr val="tx1"/>
+            </a:solidFill>
+          </a:ln>
+        </p:spPr>
+        <p:style>
+          <a:lnRef idx="2">
+            <a:schemeClr val="accent1">
+              <a:shade val="50000"/>
+            </a:schemeClr>
+          </a:lnRef>
+          <a:fillRef idx="1">
+            <a:schemeClr val="accent1"/>
+          </a:fillRef>
+          <a:effectRef idx="0">
+            <a:schemeClr val="accent1"/>
+          </a:effectRef>
+          <a:fontRef idx="minor">
+            <a:schemeClr val="lt1"/>
+          </a:fontRef>
+        </p:style>
+        <p:txBody>
+          <a:bodyPr lIns="0" tIns="0" rIns="0" bIns="0" rtlCol="0" anchor="ctr"/>
+          <a:lstStyle/>
+          <a:p>
+            <a:pPr algn="ctr"/>
+            <a:r>
+              <a:rPr lang="en-US" sz="800" dirty="0">
+                <a:latin typeface="Arial" panose="020B0604020202020204" pitchFamily="34" charset="0"/>
+                <a:cs typeface="Arial" panose="020B0604020202020204" pitchFamily="34" charset="0"/>
+              </a:rPr>
+              <a:t>3.2</a:t>
+            </a:r>
+          </a:p>
+        </p:txBody>
+      </p:sp>
+      <p:pic>
+        <p:nvPicPr>
+          <p:cNvPr id="77" name="Graphic 17">
+            <a:extLst>
+              <a:ext uri="{FF2B5EF4-FFF2-40B4-BE49-F238E27FC236}">
+                <a16:creationId xmlns:a16="http://schemas.microsoft.com/office/drawing/2014/main" id="{27AF73AB-5D15-4CA5-BA38-45F8E14C915F}"/>
+              </a:ext>
+            </a:extLst>
+          </p:cNvPr>
+          <p:cNvPicPr>
+            <a:picLocks noChangeAspect="1" noChangeArrowheads="1"/>
+          </p:cNvPicPr>
+          <p:nvPr/>
+        </p:nvPicPr>
+        <p:blipFill>
+          <a:blip r:embed="rId9">
+            <a:extLst>
+              <a:ext uri="{28A0092B-C50C-407E-A947-70E740481C1C}">
+                <a14:useLocalDpi xmlns:a14="http://schemas.microsoft.com/office/drawing/2010/main" val="0"/>
+              </a:ext>
+            </a:extLst>
+          </a:blip>
+          <a:srcRect/>
+          <a:stretch>
+            <a:fillRect/>
+          </a:stretch>
+        </p:blipFill>
+        <p:spPr bwMode="auto">
+          <a:xfrm>
+            <a:off x="3302107" y="1353081"/>
+            <a:ext cx="457200" cy="457200"/>
+          </a:xfrm>
+          <a:prstGeom prst="rect">
+            <a:avLst/>
+          </a:prstGeom>
+          <a:noFill/>
+          <a:ln>
+            <a:noFill/>
+          </a:ln>
+          <a:extLst>
+            <a:ext uri="{909E8E84-426E-40DD-AFC4-6F175D3DCCD1}">
+              <a14:hiddenFill xmlns:a14="http://schemas.microsoft.com/office/drawing/2010/main">
+                <a:solidFill>
+                  <a:srgbClr val="FFFFFF"/>
+                </a:solidFill>
+              </a14:hiddenFill>
+            </a:ext>
+            <a:ext uri="{91240B29-F687-4F45-9708-019B960494DF}">
+              <a14:hiddenLine xmlns:a14="http://schemas.microsoft.com/office/drawing/2010/main" w="9525">
+                <a:solidFill>
+                  <a:srgbClr val="000000"/>
+                </a:solidFill>
+                <a:miter lim="800000"/>
+                <a:headEnd/>
+                <a:tailEnd/>
+              </a14:hiddenLine>
+            </a:ext>
+          </a:extLst>
+        </p:spPr>
+      </p:pic>
+      <p:sp>
+        <p:nvSpPr>
+          <p:cNvPr id="78" name="TextBox 2">
+            <a:extLst>
+              <a:ext uri="{FF2B5EF4-FFF2-40B4-BE49-F238E27FC236}">
+                <a16:creationId xmlns:a16="http://schemas.microsoft.com/office/drawing/2014/main" id="{02FB2C5D-66AF-41DE-9527-70CCCB402EA9}"/>
+              </a:ext>
+            </a:extLst>
+          </p:cNvPr>
+          <p:cNvSpPr txBox="1"/>
+          <p:nvPr/>
+        </p:nvSpPr>
+        <p:spPr>
+          <a:xfrm>
+            <a:off x="3068058" y="1759618"/>
+            <a:ext cx="917042" cy="261610"/>
+          </a:xfrm>
+          <a:prstGeom prst="rect">
+            <a:avLst/>
+          </a:prstGeom>
+          <a:noFill/>
+        </p:spPr>
+        <p:style>
+          <a:lnRef idx="0">
+            <a:scrgbClr r="0" g="0" b="0"/>
+          </a:lnRef>
+          <a:fillRef idx="0">
+            <a:scrgbClr r="0" g="0" b="0"/>
+          </a:fillRef>
+          <a:effectRef idx="0">
+            <a:scrgbClr r="0" g="0" b="0"/>
+          </a:effectRef>
+          <a:fontRef idx="major"/>
+        </p:style>
+        <p:txBody>
+          <a:bodyPr wrap="square" rtlCol="0">
+            <a:spAutoFit/>
+          </a:bodyPr>
+          <a:lstStyle>
+            <a:lvl1pPr>
+              <a:defRPr>
+                <a:latin typeface="+mj-lt"/>
+                <a:ea typeface="+mj-ea"/>
+                <a:cs typeface="+mj-cs"/>
+              </a:defRPr>
+            </a:lvl1pPr>
+            <a:lvl2pPr>
+              <a:defRPr>
+                <a:latin typeface="+mj-lt"/>
+                <a:ea typeface="+mj-ea"/>
+                <a:cs typeface="+mj-cs"/>
+              </a:defRPr>
+            </a:lvl2pPr>
+            <a:lvl3pPr>
+              <a:defRPr>
+                <a:latin typeface="+mj-lt"/>
+                <a:ea typeface="+mj-ea"/>
+                <a:cs typeface="+mj-cs"/>
+              </a:defRPr>
+            </a:lvl3pPr>
+            <a:lvl4pPr>
+              <a:defRPr>
+                <a:latin typeface="+mj-lt"/>
+                <a:ea typeface="+mj-ea"/>
+                <a:cs typeface="+mj-cs"/>
+              </a:defRPr>
+            </a:lvl4pPr>
+            <a:lvl5pPr>
+              <a:defRPr>
+                <a:latin typeface="+mj-lt"/>
+                <a:ea typeface="+mj-ea"/>
+                <a:cs typeface="+mj-cs"/>
+              </a:defRPr>
+            </a:lvl5pPr>
+            <a:lvl6pPr>
+              <a:defRPr>
+                <a:latin typeface="+mj-lt"/>
+                <a:ea typeface="+mj-ea"/>
+                <a:cs typeface="+mj-cs"/>
+              </a:defRPr>
+            </a:lvl6pPr>
+            <a:lvl7pPr>
+              <a:defRPr>
+                <a:latin typeface="+mj-lt"/>
+                <a:ea typeface="+mj-ea"/>
+                <a:cs typeface="+mj-cs"/>
+              </a:defRPr>
+            </a:lvl7pPr>
+            <a:lvl8pPr>
+              <a:defRPr>
+                <a:latin typeface="+mj-lt"/>
+                <a:ea typeface="+mj-ea"/>
+                <a:cs typeface="+mj-cs"/>
+              </a:defRPr>
+            </a:lvl8pPr>
+            <a:lvl9pPr>
+              <a:defRPr>
+                <a:latin typeface="+mj-lt"/>
+                <a:ea typeface="+mj-ea"/>
+                <a:cs typeface="+mj-cs"/>
+              </a:defRPr>
+            </a:lvl9pPr>
+          </a:lstStyle>
+          <a:p>
+            <a:pPr algn="ctr"/>
+            <a:r>
+              <a:rPr lang="en-US" sz="1100" dirty="0">
+                <a:latin typeface="Arial" panose="020B0604020202020204" pitchFamily="34" charset="0"/>
+                <a:cs typeface="Arial" panose="020B0604020202020204" pitchFamily="34" charset="0"/>
+              </a:rPr>
+              <a:t>SNS Topic</a:t>
+            </a:r>
+          </a:p>
+        </p:txBody>
+      </p:sp>
+      <p:cxnSp>
+        <p:nvCxnSpPr>
+          <p:cNvPr id="79" name="Straight Arrow Connector 78">
+            <a:extLst>
+              <a:ext uri="{FF2B5EF4-FFF2-40B4-BE49-F238E27FC236}">
+                <a16:creationId xmlns:a16="http://schemas.microsoft.com/office/drawing/2014/main" id="{617B59EC-C0D7-4723-8005-5DA728C6A52B}"/>
+              </a:ext>
+            </a:extLst>
+          </p:cNvPr>
+          <p:cNvCxnSpPr>
+            <a:cxnSpLocks/>
+          </p:cNvCxnSpPr>
+          <p:nvPr/>
+        </p:nvCxnSpPr>
+        <p:spPr>
+          <a:xfrm>
+            <a:off x="3962307" y="2056853"/>
+            <a:ext cx="396856" cy="409889"/>
+          </a:xfrm>
+          <a:prstGeom prst="straightConnector1">
+            <a:avLst/>
+          </a:prstGeom>
+          <a:ln>
+            <a:headEnd type="triangle"/>
+            <a:tailEnd type="triangle"/>
+          </a:ln>
+        </p:spPr>
+        <p:style>
+          <a:lnRef idx="1">
+            <a:schemeClr val="dk1"/>
+          </a:lnRef>
+          <a:fillRef idx="0">
+            <a:schemeClr val="dk1"/>
+          </a:fillRef>
+          <a:effectRef idx="0">
+            <a:schemeClr val="dk1"/>
+          </a:effectRef>
+          <a:fontRef idx="minor">
+            <a:schemeClr val="tx1"/>
+          </a:fontRef>
+        </p:style>
+      </p:cxnSp>
+      <p:sp>
+        <p:nvSpPr>
+          <p:cNvPr id="80" name="Oval 79">
+            <a:extLst>
+              <a:ext uri="{FF2B5EF4-FFF2-40B4-BE49-F238E27FC236}">
+                <a16:creationId xmlns:a16="http://schemas.microsoft.com/office/drawing/2014/main" id="{898F48EF-9CA6-401B-B9E7-28DA5900E244}"/>
+              </a:ext>
+            </a:extLst>
+          </p:cNvPr>
+          <p:cNvSpPr/>
+          <p:nvPr/>
+        </p:nvSpPr>
+        <p:spPr>
+          <a:xfrm>
+            <a:off x="3335177" y="1412885"/>
+            <a:ext cx="253435" cy="212902"/>
+          </a:xfrm>
+          <a:prstGeom prst="ellipse">
+            <a:avLst/>
+          </a:prstGeom>
+          <a:solidFill>
+            <a:schemeClr val="tx1"/>
+          </a:solidFill>
+          <a:ln>
+            <a:solidFill>
+              <a:schemeClr val="tx1"/>
+            </a:solidFill>
+          </a:ln>
+        </p:spPr>
+        <p:style>
+          <a:lnRef idx="2">
+            <a:schemeClr val="accent1">
+              <a:shade val="50000"/>
+            </a:schemeClr>
+          </a:lnRef>
+          <a:fillRef idx="1">
+            <a:schemeClr val="accent1"/>
+          </a:fillRef>
+          <a:effectRef idx="0">
+            <a:schemeClr val="accent1"/>
+          </a:effectRef>
+          <a:fontRef idx="minor">
+            <a:schemeClr val="lt1"/>
+          </a:fontRef>
+        </p:style>
+        <p:txBody>
+          <a:bodyPr lIns="0" tIns="0" rIns="0" bIns="0" rtlCol="0" anchor="ctr"/>
+          <a:lstStyle/>
+          <a:p>
+            <a:pPr algn="ctr"/>
+            <a:r>
+              <a:rPr lang="en-US" sz="800" dirty="0">
+                <a:latin typeface="Arial" panose="020B0604020202020204" pitchFamily="34" charset="0"/>
+                <a:cs typeface="Arial" panose="020B0604020202020204" pitchFamily="34" charset="0"/>
+              </a:rPr>
+              <a:t>1.4</a:t>
+            </a:r>
+          </a:p>
+        </p:txBody>
+      </p:sp>
+      <p:pic>
+        <p:nvPicPr>
+          <p:cNvPr id="8" name="Picture 7">
+            <a:extLst>
+              <a:ext uri="{FF2B5EF4-FFF2-40B4-BE49-F238E27FC236}">
+                <a16:creationId xmlns:a16="http://schemas.microsoft.com/office/drawing/2014/main" id="{5B2A8BB2-2AC9-4DBC-86E2-1B209053B3A2}"/>
+              </a:ext>
+            </a:extLst>
+          </p:cNvPr>
+          <p:cNvPicPr>
+            <a:picLocks noChangeAspect="1"/>
+          </p:cNvPicPr>
+          <p:nvPr/>
+        </p:nvPicPr>
+        <p:blipFill>
+          <a:blip r:embed="rId12"/>
+          <a:stretch>
+            <a:fillRect/>
+          </a:stretch>
+        </p:blipFill>
+        <p:spPr>
+          <a:xfrm>
+            <a:off x="2969897" y="3682300"/>
+            <a:ext cx="457201" cy="419878"/>
+          </a:xfrm>
+          <a:prstGeom prst="rect">
+            <a:avLst/>
+          </a:prstGeom>
+        </p:spPr>
+      </p:pic>
+      <p:cxnSp>
+        <p:nvCxnSpPr>
+          <p:cNvPr id="84" name="Straight Arrow Connector 83">
+            <a:extLst>
+              <a:ext uri="{FF2B5EF4-FFF2-40B4-BE49-F238E27FC236}">
+                <a16:creationId xmlns:a16="http://schemas.microsoft.com/office/drawing/2014/main" id="{25D0F1E8-5084-4285-8C93-40842C2A5322}"/>
+              </a:ext>
+            </a:extLst>
+          </p:cNvPr>
+          <p:cNvCxnSpPr>
+            <a:cxnSpLocks/>
+          </p:cNvCxnSpPr>
+          <p:nvPr/>
+        </p:nvCxnSpPr>
+        <p:spPr>
+          <a:xfrm flipV="1">
+            <a:off x="3499838" y="3094488"/>
+            <a:ext cx="867543" cy="555031"/>
+          </a:xfrm>
+          <a:prstGeom prst="straightConnector1">
+            <a:avLst/>
+          </a:prstGeom>
+          <a:ln>
+            <a:tailEnd type="triangle"/>
+          </a:ln>
+        </p:spPr>
+        <p:style>
+          <a:lnRef idx="1">
+            <a:schemeClr val="dk1"/>
+          </a:lnRef>
+          <a:fillRef idx="0">
+            <a:schemeClr val="dk1"/>
+          </a:fillRef>
+          <a:effectRef idx="0">
+            <a:schemeClr val="dk1"/>
+          </a:effectRef>
+          <a:fontRef idx="minor">
+            <a:schemeClr val="tx1"/>
+          </a:fontRef>
+        </p:style>
+      </p:cxnSp>
+      <p:sp>
+        <p:nvSpPr>
+          <p:cNvPr id="103" name="TextBox 26">
+            <a:extLst>
+              <a:ext uri="{FF2B5EF4-FFF2-40B4-BE49-F238E27FC236}">
+                <a16:creationId xmlns:a16="http://schemas.microsoft.com/office/drawing/2014/main" id="{F27CC0B2-1BF7-412E-B09A-3A403B50FFF1}"/>
+              </a:ext>
+            </a:extLst>
+          </p:cNvPr>
+          <p:cNvSpPr txBox="1">
+            <a:spLocks noChangeArrowheads="1"/>
+          </p:cNvSpPr>
+          <p:nvPr/>
+        </p:nvSpPr>
+        <p:spPr bwMode="auto">
+          <a:xfrm>
+            <a:off x="2675255" y="4059529"/>
+            <a:ext cx="969198" cy="430887"/>
+          </a:xfrm>
+          <a:prstGeom prst="rect">
+            <a:avLst/>
+          </a:prstGeom>
+          <a:noFill/>
+          <a:ln>
+            <a:noFill/>
+          </a:ln>
+          <a:extLst>
+            <a:ext uri="{909E8E84-426E-40DD-AFC4-6F175D3DCCD1}">
+              <a14:hiddenFill xmlns:a14="http://schemas.microsoft.com/office/drawing/2010/main">
+                <a:solidFill>
+                  <a:srgbClr val="FFFFFF"/>
+                </a:solidFill>
+              </a14:hiddenFill>
+            </a:ext>
+            <a:ext uri="{91240B29-F687-4F45-9708-019B960494DF}">
+              <a14:hiddenLine xmlns:a14="http://schemas.microsoft.com/office/drawing/2010/main" w="9525">
+                <a:solidFill>
+                  <a:srgbClr val="000000"/>
+                </a:solidFill>
+                <a:miter lim="800000"/>
+                <a:headEnd/>
+                <a:tailEnd/>
+              </a14:hiddenLine>
+            </a:ext>
+          </a:extLst>
+        </p:spPr>
+        <p:txBody>
+          <a:bodyPr wrap="square">
+            <a:spAutoFit/>
+          </a:bodyPr>
+          <a:lstStyle>
+            <a:lvl1pPr>
+              <a:defRPr>
+                <a:solidFill>
+                  <a:schemeClr val="tx1"/>
+                </a:solidFill>
+                <a:latin typeface="Calibri" panose="020F0502020204030204" pitchFamily="34" charset="0"/>
+              </a:defRPr>
+            </a:lvl1pPr>
+            <a:lvl2pPr marL="742950" indent="-285750">
+              <a:defRPr>
+                <a:solidFill>
+                  <a:schemeClr val="tx1"/>
+                </a:solidFill>
+                <a:latin typeface="Calibri" panose="020F0502020204030204" pitchFamily="34" charset="0"/>
+              </a:defRPr>
+            </a:lvl2pPr>
+            <a:lvl3pPr marL="1143000" indent="-228600">
+              <a:defRPr>
+                <a:solidFill>
+                  <a:schemeClr val="tx1"/>
+                </a:solidFill>
+                <a:latin typeface="Calibri" panose="020F0502020204030204" pitchFamily="34" charset="0"/>
+              </a:defRPr>
+            </a:lvl3pPr>
+            <a:lvl4pPr marL="1600200" indent="-228600">
+              <a:defRPr>
+                <a:solidFill>
+                  <a:schemeClr val="tx1"/>
+                </a:solidFill>
+                <a:latin typeface="Calibri" panose="020F0502020204030204" pitchFamily="34" charset="0"/>
+              </a:defRPr>
+            </a:lvl4pPr>
+            <a:lvl5pPr marL="2057400" indent="-228600">
+              <a:defRPr>
+                <a:solidFill>
+                  <a:schemeClr val="tx1"/>
+                </a:solidFill>
+                <a:latin typeface="Calibri" panose="020F0502020204030204" pitchFamily="34" charset="0"/>
+              </a:defRPr>
+            </a:lvl5pPr>
+            <a:lvl6pPr marL="2514600" indent="-228600" eaLnBrk="0" fontAlgn="base" hangingPunct="0">
+              <a:spcBef>
+                <a:spcPct val="0"/>
+              </a:spcBef>
+              <a:spcAft>
+                <a:spcPct val="0"/>
+              </a:spcAft>
+              <a:defRPr>
+                <a:solidFill>
+                  <a:schemeClr val="tx1"/>
+                </a:solidFill>
+                <a:latin typeface="Calibri" panose="020F0502020204030204" pitchFamily="34" charset="0"/>
+              </a:defRPr>
+            </a:lvl6pPr>
+            <a:lvl7pPr marL="2971800" indent="-228600" eaLnBrk="0" fontAlgn="base" hangingPunct="0">
+              <a:spcBef>
+                <a:spcPct val="0"/>
+              </a:spcBef>
+              <a:spcAft>
+                <a:spcPct val="0"/>
+              </a:spcAft>
+              <a:defRPr>
+                <a:solidFill>
+                  <a:schemeClr val="tx1"/>
+                </a:solidFill>
+                <a:latin typeface="Calibri" panose="020F0502020204030204" pitchFamily="34" charset="0"/>
+              </a:defRPr>
+            </a:lvl7pPr>
+            <a:lvl8pPr marL="3429000" indent="-228600" eaLnBrk="0" fontAlgn="base" hangingPunct="0">
+              <a:spcBef>
+                <a:spcPct val="0"/>
+              </a:spcBef>
+              <a:spcAft>
+                <a:spcPct val="0"/>
+              </a:spcAft>
+              <a:defRPr>
+                <a:solidFill>
+                  <a:schemeClr val="tx1"/>
+                </a:solidFill>
+                <a:latin typeface="Calibri" panose="020F0502020204030204" pitchFamily="34" charset="0"/>
+              </a:defRPr>
+            </a:lvl8pPr>
+            <a:lvl9pPr marL="3886200" indent="-228600" eaLnBrk="0" fontAlgn="base" hangingPunct="0">
+              <a:spcBef>
+                <a:spcPct val="0"/>
+              </a:spcBef>
+              <a:spcAft>
+                <a:spcPct val="0"/>
+              </a:spcAft>
+              <a:defRPr>
+                <a:solidFill>
+                  <a:schemeClr val="tx1"/>
+                </a:solidFill>
+                <a:latin typeface="Calibri" panose="020F0502020204030204" pitchFamily="34" charset="0"/>
+              </a:defRPr>
+            </a:lvl9pPr>
+          </a:lstStyle>
+          <a:p>
+            <a:pPr algn="ctr" eaLnBrk="1" hangingPunct="1"/>
+            <a:r>
+              <a:rPr lang="en-US" altLang="en-US" sz="1100" dirty="0">
+                <a:latin typeface="Arial" panose="020B0604020202020204" pitchFamily="34" charset="0"/>
+                <a:ea typeface="Amazon Ember" panose="020B0603020204020204" pitchFamily="34" charset="0"/>
+                <a:cs typeface="Arial" panose="020B0604020202020204" pitchFamily="34" charset="0"/>
+              </a:rPr>
+              <a:t>Lambda</a:t>
+            </a:r>
+          </a:p>
+          <a:p>
+            <a:pPr algn="ctr" eaLnBrk="1" hangingPunct="1"/>
+            <a:r>
+              <a:rPr lang="en-US" altLang="en-US" sz="1100" dirty="0">
+                <a:latin typeface="Arial" panose="020B0604020202020204" pitchFamily="34" charset="0"/>
+                <a:ea typeface="Amazon Ember" panose="020B0603020204020204" pitchFamily="34" charset="0"/>
+                <a:cs typeface="Arial" panose="020B0604020202020204" pitchFamily="34" charset="0"/>
+              </a:rPr>
+              <a:t>Layer</a:t>
+            </a:r>
+          </a:p>
+        </p:txBody>
+      </p:sp>
+      <p:sp>
+        <p:nvSpPr>
+          <p:cNvPr id="117" name="Oval 116">
+            <a:extLst>
+              <a:ext uri="{FF2B5EF4-FFF2-40B4-BE49-F238E27FC236}">
+                <a16:creationId xmlns:a16="http://schemas.microsoft.com/office/drawing/2014/main" id="{09C21C80-03E3-4FAE-8FF6-4549EE21E5CD}"/>
+              </a:ext>
+            </a:extLst>
+          </p:cNvPr>
+          <p:cNvSpPr/>
+          <p:nvPr/>
+        </p:nvSpPr>
+        <p:spPr>
+          <a:xfrm>
+            <a:off x="2661853" y="3759355"/>
+            <a:ext cx="300569" cy="204616"/>
+          </a:xfrm>
+          <a:prstGeom prst="ellipse">
+            <a:avLst/>
+          </a:prstGeom>
+          <a:solidFill>
+            <a:schemeClr val="tx1"/>
+          </a:solidFill>
+          <a:ln>
+            <a:solidFill>
+              <a:schemeClr val="tx1"/>
+            </a:solidFill>
+          </a:ln>
+        </p:spPr>
+        <p:style>
+          <a:lnRef idx="2">
+            <a:schemeClr val="accent1">
+              <a:shade val="50000"/>
+            </a:schemeClr>
+          </a:lnRef>
+          <a:fillRef idx="1">
+            <a:schemeClr val="accent1"/>
+          </a:fillRef>
+          <a:effectRef idx="0">
+            <a:schemeClr val="accent1"/>
+          </a:effectRef>
+          <a:fontRef idx="minor">
+            <a:schemeClr val="lt1"/>
+          </a:fontRef>
+        </p:style>
+        <p:txBody>
+          <a:bodyPr lIns="0" tIns="0" rIns="0" bIns="0" rtlCol="0" anchor="ctr"/>
+          <a:lstStyle/>
+          <a:p>
+            <a:pPr algn="ctr"/>
+            <a:r>
+              <a:rPr lang="en-US" sz="800" dirty="0">
+                <a:latin typeface="Arial" panose="020B0604020202020204" pitchFamily="34" charset="0"/>
+                <a:cs typeface="Arial" panose="020B0604020202020204" pitchFamily="34" charset="0"/>
+              </a:rPr>
+              <a:t>1.10</a:t>
+            </a:r>
+          </a:p>
+        </p:txBody>
+      </p:sp>
+    </p:spTree>
+    <p:extLst>
+      <p:ext uri="{BB962C8B-B14F-4D97-AF65-F5344CB8AC3E}">
+        <p14:creationId xmlns:p14="http://schemas.microsoft.com/office/powerpoint/2010/main" val="675459878"/>
       </p:ext>
     </p:extLst>
   </p:cSld>
